--- a/2024/2024-09-06-AI-Updates.pptx
+++ b/2024/2024-09-06-AI-Updates.pptx
@@ -964,7 +964,7 @@
   <p:cSld>
     <p:spTree>
       <p:nvGrpSpPr>
-        <p:cNvPr id="1" name="Shape 152"/>
+        <p:cNvPr id="1" name="Shape 154"/>
         <p:cNvGrpSpPr/>
         <p:nvPr/>
       </p:nvGrpSpPr>
@@ -978,7 +978,7 @@
       </p:grpSpPr>
       <p:sp>
         <p:nvSpPr>
-          <p:cNvPr id="153" name="Google Shape;153;g2fcf469ba13_0_182:notes"/>
+          <p:cNvPr id="155" name="Google Shape;155;g2fd18abdf61_1_2:notes"/>
           <p:cNvSpPr>
             <a:spLocks noGrp="1" noRot="1" noChangeAspect="1"/>
           </p:cNvSpPr>
@@ -1029,7 +1029,7 @@
       </p:sp>
       <p:sp>
         <p:nvSpPr>
-          <p:cNvPr id="154" name="Google Shape;154;g2fcf469ba13_0_182:notes"/>
+          <p:cNvPr id="156" name="Google Shape;156;g2fd18abdf61_1_2:notes"/>
           <p:cNvSpPr txBox="1">
             <a:spLocks noGrp="1"/>
           </p:cNvSpPr>
@@ -1086,7 +1086,7 @@
   <p:cSld>
     <p:spTree>
       <p:nvGrpSpPr>
-        <p:cNvPr id="1" name="Shape 161"/>
+        <p:cNvPr id="1" name="Shape 164"/>
         <p:cNvGrpSpPr/>
         <p:nvPr/>
       </p:nvGrpSpPr>
@@ -1100,7 +1100,7 @@
       </p:grpSpPr>
       <p:sp>
         <p:nvSpPr>
-          <p:cNvPr id="162" name="Google Shape;162;g2f03ac7ac9f_0_5:notes"/>
+          <p:cNvPr id="165" name="Google Shape;165;g2f03ac7ac9f_0_5:notes"/>
           <p:cNvSpPr>
             <a:spLocks noGrp="1" noRot="1" noChangeAspect="1"/>
           </p:cNvSpPr>
@@ -1151,7 +1151,7 @@
       </p:sp>
       <p:sp>
         <p:nvSpPr>
-          <p:cNvPr id="163" name="Google Shape;163;g2f03ac7ac9f_0_5:notes"/>
+          <p:cNvPr id="166" name="Google Shape;166;g2f03ac7ac9f_0_5:notes"/>
           <p:cNvSpPr txBox="1">
             <a:spLocks noGrp="1"/>
           </p:cNvSpPr>
@@ -1208,7 +1208,7 @@
   <p:cSld>
     <p:spTree>
       <p:nvGrpSpPr>
-        <p:cNvPr id="1" name="Shape 184"/>
+        <p:cNvPr id="1" name="Shape 187"/>
         <p:cNvGrpSpPr/>
         <p:nvPr/>
       </p:nvGrpSpPr>
@@ -1222,7 +1222,7 @@
       </p:grpSpPr>
       <p:sp>
         <p:nvSpPr>
-          <p:cNvPr id="185" name="Google Shape;185;g2f03ac7ac9f_0_17:notes"/>
+          <p:cNvPr id="188" name="Google Shape;188;g2f03ac7ac9f_0_17:notes"/>
           <p:cNvSpPr>
             <a:spLocks noGrp="1" noRot="1" noChangeAspect="1"/>
           </p:cNvSpPr>
@@ -1273,7 +1273,7 @@
       </p:sp>
       <p:sp>
         <p:nvSpPr>
-          <p:cNvPr id="186" name="Google Shape;186;g2f03ac7ac9f_0_17:notes"/>
+          <p:cNvPr id="189" name="Google Shape;189;g2f03ac7ac9f_0_17:notes"/>
           <p:cNvSpPr txBox="1">
             <a:spLocks noGrp="1"/>
           </p:cNvSpPr>
@@ -1330,7 +1330,7 @@
   <p:cSld>
     <p:spTree>
       <p:nvGrpSpPr>
-        <p:cNvPr id="1" name="Shape 204"/>
+        <p:cNvPr id="1" name="Shape 208"/>
         <p:cNvGrpSpPr/>
         <p:nvPr/>
       </p:nvGrpSpPr>
@@ -1344,7 +1344,7 @@
       </p:grpSpPr>
       <p:sp>
         <p:nvSpPr>
-          <p:cNvPr id="205" name="Google Shape;205;g2f5a4c13872_2_0:notes"/>
+          <p:cNvPr id="209" name="Google Shape;209;g2f5a4c13872_2_0:notes"/>
           <p:cNvSpPr>
             <a:spLocks noGrp="1" noRot="1" noChangeAspect="1"/>
           </p:cNvSpPr>
@@ -1395,7 +1395,7 @@
       </p:sp>
       <p:sp>
         <p:nvSpPr>
-          <p:cNvPr id="206" name="Google Shape;206;g2f5a4c13872_2_0:notes"/>
+          <p:cNvPr id="210" name="Google Shape;210;g2f5a4c13872_2_0:notes"/>
           <p:cNvSpPr txBox="1">
             <a:spLocks noGrp="1"/>
           </p:cNvSpPr>
@@ -1452,7 +1452,7 @@
   <p:cSld>
     <p:spTree>
       <p:nvGrpSpPr>
-        <p:cNvPr id="1" name="Shape 212"/>
+        <p:cNvPr id="1" name="Shape 216"/>
         <p:cNvGrpSpPr/>
         <p:nvPr/>
       </p:nvGrpSpPr>
@@ -1466,7 +1466,7 @@
       </p:grpSpPr>
       <p:sp>
         <p:nvSpPr>
-          <p:cNvPr id="213" name="Google Shape;213;p22:notes"/>
+          <p:cNvPr id="217" name="Google Shape;217;p22:notes"/>
           <p:cNvSpPr>
             <a:spLocks noGrp="1" noRot="1" noChangeAspect="1"/>
           </p:cNvSpPr>
@@ -1517,7 +1517,7 @@
       </p:sp>
       <p:sp>
         <p:nvSpPr>
-          <p:cNvPr id="214" name="Google Shape;214;p22:notes"/>
+          <p:cNvPr id="218" name="Google Shape;218;p22:notes"/>
           <p:cNvSpPr txBox="1">
             <a:spLocks noGrp="1"/>
           </p:cNvSpPr>
@@ -1574,7 +1574,7 @@
   <p:cSld>
     <p:spTree>
       <p:nvGrpSpPr>
-        <p:cNvPr id="1" name="Shape 222"/>
+        <p:cNvPr id="1" name="Shape 226"/>
         <p:cNvGrpSpPr/>
         <p:nvPr/>
       </p:nvGrpSpPr>
@@ -1588,7 +1588,7 @@
       </p:grpSpPr>
       <p:sp>
         <p:nvSpPr>
-          <p:cNvPr id="223" name="Google Shape;223;p23:notes"/>
+          <p:cNvPr id="227" name="Google Shape;227;p23:notes"/>
           <p:cNvSpPr>
             <a:spLocks noGrp="1" noRot="1" noChangeAspect="1"/>
           </p:cNvSpPr>
@@ -1639,7 +1639,7 @@
       </p:sp>
       <p:sp>
         <p:nvSpPr>
-          <p:cNvPr id="224" name="Google Shape;224;p23:notes"/>
+          <p:cNvPr id="228" name="Google Shape;228;p23:notes"/>
           <p:cNvSpPr txBox="1">
             <a:spLocks noGrp="1"/>
           </p:cNvSpPr>
@@ -1818,7 +1818,7 @@
   <p:cSld>
     <p:spTree>
       <p:nvGrpSpPr>
-        <p:cNvPr id="1" name="Shape 72"/>
+        <p:cNvPr id="1" name="Shape 73"/>
         <p:cNvGrpSpPr/>
         <p:nvPr/>
       </p:nvGrpSpPr>
@@ -1832,7 +1832,7 @@
       </p:grpSpPr>
       <p:sp>
         <p:nvSpPr>
-          <p:cNvPr id="73" name="Google Shape;73;g2fcf469ba13_0_154:notes"/>
+          <p:cNvPr id="74" name="Google Shape;74;g2fcf469ba13_0_154:notes"/>
           <p:cNvSpPr>
             <a:spLocks noGrp="1" noRot="1" noChangeAspect="1"/>
           </p:cNvSpPr>
@@ -1883,7 +1883,7 @@
       </p:sp>
       <p:sp>
         <p:nvSpPr>
-          <p:cNvPr id="74" name="Google Shape;74;g2fcf469ba13_0_154:notes"/>
+          <p:cNvPr id="75" name="Google Shape;75;g2fcf469ba13_0_154:notes"/>
           <p:cNvSpPr txBox="1">
             <a:spLocks noGrp="1"/>
           </p:cNvSpPr>
@@ -1940,7 +1940,7 @@
   <p:cSld>
     <p:spTree>
       <p:nvGrpSpPr>
-        <p:cNvPr id="1" name="Shape 80"/>
+        <p:cNvPr id="1" name="Shape 81"/>
         <p:cNvGrpSpPr/>
         <p:nvPr/>
       </p:nvGrpSpPr>
@@ -1954,7 +1954,7 @@
       </p:grpSpPr>
       <p:sp>
         <p:nvSpPr>
-          <p:cNvPr id="81" name="Google Shape;81;g2f80c18c51a_0_0:notes"/>
+          <p:cNvPr id="82" name="Google Shape;82;g2f80c18c51a_0_0:notes"/>
           <p:cNvSpPr>
             <a:spLocks noGrp="1" noRot="1" noChangeAspect="1"/>
           </p:cNvSpPr>
@@ -2005,7 +2005,7 @@
       </p:sp>
       <p:sp>
         <p:nvSpPr>
-          <p:cNvPr id="82" name="Google Shape;82;g2f80c18c51a_0_0:notes"/>
+          <p:cNvPr id="83" name="Google Shape;83;g2f80c18c51a_0_0:notes"/>
           <p:cNvSpPr txBox="1">
             <a:spLocks noGrp="1"/>
           </p:cNvSpPr>
@@ -2062,7 +2062,7 @@
   <p:cSld>
     <p:spTree>
       <p:nvGrpSpPr>
-        <p:cNvPr id="1" name="Shape 92"/>
+        <p:cNvPr id="1" name="Shape 93"/>
         <p:cNvGrpSpPr/>
         <p:nvPr/>
       </p:nvGrpSpPr>
@@ -2076,7 +2076,7 @@
       </p:grpSpPr>
       <p:sp>
         <p:nvSpPr>
-          <p:cNvPr id="93" name="Google Shape;93;g2f7828c7b4f_0_0:notes"/>
+          <p:cNvPr id="94" name="Google Shape;94;g2f7828c7b4f_0_0:notes"/>
           <p:cNvSpPr>
             <a:spLocks noGrp="1" noRot="1" noChangeAspect="1"/>
           </p:cNvSpPr>
@@ -2127,7 +2127,7 @@
       </p:sp>
       <p:sp>
         <p:nvSpPr>
-          <p:cNvPr id="94" name="Google Shape;94;g2f7828c7b4f_0_0:notes"/>
+          <p:cNvPr id="95" name="Google Shape;95;g2f7828c7b4f_0_0:notes"/>
           <p:cNvSpPr txBox="1">
             <a:spLocks noGrp="1"/>
           </p:cNvSpPr>
@@ -2184,7 +2184,7 @@
   <p:cSld>
     <p:spTree>
       <p:nvGrpSpPr>
-        <p:cNvPr id="1" name="Shape 106"/>
+        <p:cNvPr id="1" name="Shape 107"/>
         <p:cNvGrpSpPr/>
         <p:nvPr/>
       </p:nvGrpSpPr>
@@ -2198,7 +2198,7 @@
       </p:grpSpPr>
       <p:sp>
         <p:nvSpPr>
-          <p:cNvPr id="107" name="Google Shape;107;g2fcf469ba13_0_120:notes"/>
+          <p:cNvPr id="108" name="Google Shape;108;g2fcf469ba13_0_120:notes"/>
           <p:cNvSpPr>
             <a:spLocks noGrp="1" noRot="1" noChangeAspect="1"/>
           </p:cNvSpPr>
@@ -2249,7 +2249,7 @@
       </p:sp>
       <p:sp>
         <p:nvSpPr>
-          <p:cNvPr id="108" name="Google Shape;108;g2fcf469ba13_0_120:notes"/>
+          <p:cNvPr id="109" name="Google Shape;109;g2fcf469ba13_0_120:notes"/>
           <p:cNvSpPr txBox="1">
             <a:spLocks noGrp="1"/>
           </p:cNvSpPr>
@@ -2306,7 +2306,7 @@
   <p:cSld>
     <p:spTree>
       <p:nvGrpSpPr>
-        <p:cNvPr id="1" name="Shape 116"/>
+        <p:cNvPr id="1" name="Shape 117"/>
         <p:cNvGrpSpPr/>
         <p:nvPr/>
       </p:nvGrpSpPr>
@@ -2320,7 +2320,7 @@
       </p:grpSpPr>
       <p:sp>
         <p:nvSpPr>
-          <p:cNvPr id="117" name="Google Shape;117;g2f80c18c51a_0_26:notes"/>
+          <p:cNvPr id="118" name="Google Shape;118;g2f80c18c51a_0_26:notes"/>
           <p:cNvSpPr>
             <a:spLocks noGrp="1" noRot="1" noChangeAspect="1"/>
           </p:cNvSpPr>
@@ -2371,7 +2371,7 @@
       </p:sp>
       <p:sp>
         <p:nvSpPr>
-          <p:cNvPr id="118" name="Google Shape;118;g2f80c18c51a_0_26:notes"/>
+          <p:cNvPr id="119" name="Google Shape;119;g2f80c18c51a_0_26:notes"/>
           <p:cNvSpPr txBox="1">
             <a:spLocks noGrp="1"/>
           </p:cNvSpPr>
@@ -2428,7 +2428,7 @@
   <p:cSld>
     <p:spTree>
       <p:nvGrpSpPr>
-        <p:cNvPr id="1" name="Shape 127"/>
+        <p:cNvPr id="1" name="Shape 128"/>
         <p:cNvGrpSpPr/>
         <p:nvPr/>
       </p:nvGrpSpPr>
@@ -2442,7 +2442,7 @@
       </p:grpSpPr>
       <p:sp>
         <p:nvSpPr>
-          <p:cNvPr id="128" name="Google Shape;128;g2fd18abdf61_1_2:notes"/>
+          <p:cNvPr id="129" name="Google Shape;129;g2fcf469ba13_0_0:notes"/>
           <p:cNvSpPr>
             <a:spLocks noGrp="1" noRot="1" noChangeAspect="1"/>
           </p:cNvSpPr>
@@ -2493,7 +2493,7 @@
       </p:sp>
       <p:sp>
         <p:nvSpPr>
-          <p:cNvPr id="129" name="Google Shape;129;g2fd18abdf61_1_2:notes"/>
+          <p:cNvPr id="130" name="Google Shape;130;g2fcf469ba13_0_0:notes"/>
           <p:cNvSpPr txBox="1">
             <a:spLocks noGrp="1"/>
           </p:cNvSpPr>
@@ -2550,7 +2550,7 @@
   <p:cSld>
     <p:spTree>
       <p:nvGrpSpPr>
-        <p:cNvPr id="1" name="Shape 137"/>
+        <p:cNvPr id="1" name="Shape 143"/>
         <p:cNvGrpSpPr/>
         <p:nvPr/>
       </p:nvGrpSpPr>
@@ -2564,7 +2564,7 @@
       </p:grpSpPr>
       <p:sp>
         <p:nvSpPr>
-          <p:cNvPr id="138" name="Google Shape;138;g2fcf469ba13_0_0:notes"/>
+          <p:cNvPr id="144" name="Google Shape;144;g2fcf469ba13_0_182:notes"/>
           <p:cNvSpPr>
             <a:spLocks noGrp="1" noRot="1" noChangeAspect="1"/>
           </p:cNvSpPr>
@@ -2615,7 +2615,7 @@
       </p:sp>
       <p:sp>
         <p:nvSpPr>
-          <p:cNvPr id="139" name="Google Shape;139;g2fcf469ba13_0_0:notes"/>
+          <p:cNvPr id="145" name="Google Shape;145;g2fcf469ba13_0_182:notes"/>
           <p:cNvSpPr txBox="1">
             <a:spLocks noGrp="1"/>
           </p:cNvSpPr>
@@ -10728,6 +10728,445 @@
         <p:spPr>
           <a:xfrm>
             <a:off x="83860" y="1135871"/>
+            <a:ext cx="4420200" cy="2724300"/>
+          </a:xfrm>
+          <a:prstGeom prst="rect">
+            <a:avLst/>
+          </a:prstGeom>
+          <a:noFill/>
+          <a:ln w="9525" cap="flat" cmpd="sng">
+            <a:solidFill>
+              <a:srgbClr val="FF0000"/>
+            </a:solidFill>
+            <a:prstDash val="solid"/>
+            <a:round/>
+            <a:headEnd type="none" w="sm" len="sm"/>
+            <a:tailEnd type="none" w="sm" len="sm"/>
+          </a:ln>
+        </p:spPr>
+        <p:txBody>
+          <a:bodyPr spcFirstLastPara="1" wrap="square" lIns="91425" tIns="91425" rIns="91425" bIns="91425" anchor="t" anchorCtr="0">
+            <a:spAutoFit/>
+          </a:bodyPr>
+          <a:lstStyle/>
+          <a:p>
+            <a:pPr marL="228600" lvl="0" indent="-209550" algn="l" rtl="0">
+              <a:spcBef>
+                <a:spcPts val="0"/>
+              </a:spcBef>
+              <a:spcAft>
+                <a:spcPts val="0"/>
+              </a:spcAft>
+              <a:buClr>
+                <a:srgbClr val="3C78D8"/>
+              </a:buClr>
+              <a:buSzPts val="1500"/>
+              <a:buFont typeface="Calibri"/>
+              <a:buChar char="●"/>
+            </a:pPr>
+            <a:r>
+              <a:rPr lang="en" sz="1500" b="1">
+                <a:solidFill>
+                  <a:srgbClr val="3C78D8"/>
+                </a:solidFill>
+                <a:latin typeface="Calibri"/>
+                <a:ea typeface="Calibri"/>
+                <a:cs typeface="Calibri"/>
+                <a:sym typeface="Calibri"/>
+              </a:rPr>
+              <a:t>Ilya Sutskever has raised $1 Billion for SSI</a:t>
+            </a:r>
+            <a:endParaRPr sz="1500" b="1">
+              <a:solidFill>
+                <a:srgbClr val="3C78D8"/>
+              </a:solidFill>
+              <a:latin typeface="Calibri"/>
+              <a:ea typeface="Calibri"/>
+              <a:cs typeface="Calibri"/>
+              <a:sym typeface="Calibri"/>
+            </a:endParaRPr>
+          </a:p>
+          <a:p>
+            <a:pPr marL="228600" lvl="0" indent="-209550" algn="l" rtl="0">
+              <a:spcBef>
+                <a:spcPts val="0"/>
+              </a:spcBef>
+              <a:spcAft>
+                <a:spcPts val="0"/>
+              </a:spcAft>
+              <a:buClr>
+                <a:srgbClr val="3C78D8"/>
+              </a:buClr>
+              <a:buSzPts val="1500"/>
+              <a:buFont typeface="Calibri"/>
+              <a:buChar char="●"/>
+            </a:pPr>
+            <a:r>
+              <a:rPr lang="en" sz="1500" b="1">
+                <a:solidFill>
+                  <a:srgbClr val="3C78D8"/>
+                </a:solidFill>
+                <a:latin typeface="Calibri"/>
+                <a:ea typeface="Calibri"/>
+                <a:cs typeface="Calibri"/>
+                <a:sym typeface="Calibri"/>
+              </a:rPr>
+              <a:t>Reflection Llama-3.1 70B</a:t>
+            </a:r>
+            <a:endParaRPr sz="1500" b="1">
+              <a:solidFill>
+                <a:srgbClr val="3C78D8"/>
+              </a:solidFill>
+              <a:latin typeface="Calibri"/>
+              <a:ea typeface="Calibri"/>
+              <a:cs typeface="Calibri"/>
+              <a:sym typeface="Calibri"/>
+            </a:endParaRPr>
+          </a:p>
+          <a:p>
+            <a:pPr marL="228600" lvl="0" indent="-209550" algn="l" rtl="0">
+              <a:spcBef>
+                <a:spcPts val="0"/>
+              </a:spcBef>
+              <a:spcAft>
+                <a:spcPts val="0"/>
+              </a:spcAft>
+              <a:buClr>
+                <a:srgbClr val="3C78D8"/>
+              </a:buClr>
+              <a:buSzPts val="1500"/>
+              <a:buFont typeface="Calibri"/>
+              <a:buChar char="●"/>
+            </a:pPr>
+            <a:r>
+              <a:rPr lang="en" sz="1500" b="1">
+                <a:solidFill>
+                  <a:srgbClr val="3C78D8"/>
+                </a:solidFill>
+                <a:latin typeface="Calibri"/>
+                <a:ea typeface="Calibri"/>
+                <a:cs typeface="Calibri"/>
+                <a:sym typeface="Calibri"/>
+              </a:rPr>
+              <a:t>ADAS = Automated Design of Agentic Systems</a:t>
+            </a:r>
+            <a:endParaRPr sz="1500" b="1">
+              <a:solidFill>
+                <a:srgbClr val="3C78D8"/>
+              </a:solidFill>
+              <a:latin typeface="Calibri"/>
+              <a:ea typeface="Calibri"/>
+              <a:cs typeface="Calibri"/>
+              <a:sym typeface="Calibri"/>
+            </a:endParaRPr>
+          </a:p>
+          <a:p>
+            <a:pPr marL="228600" lvl="0" indent="-209550" algn="l" rtl="0">
+              <a:spcBef>
+                <a:spcPts val="0"/>
+              </a:spcBef>
+              <a:spcAft>
+                <a:spcPts val="0"/>
+              </a:spcAft>
+              <a:buClr>
+                <a:srgbClr val="3C78D8"/>
+              </a:buClr>
+              <a:buSzPts val="1500"/>
+              <a:buFont typeface="Calibri"/>
+              <a:buChar char="●"/>
+            </a:pPr>
+            <a:r>
+              <a:rPr lang="en" sz="1500" b="1">
+                <a:solidFill>
+                  <a:srgbClr val="3C78D8"/>
+                </a:solidFill>
+                <a:latin typeface="Calibri"/>
+                <a:ea typeface="Calibri"/>
+                <a:cs typeface="Calibri"/>
+                <a:sym typeface="Calibri"/>
+              </a:rPr>
+              <a:t>Agent as Chief AI Scientist ?</a:t>
+            </a:r>
+            <a:endParaRPr sz="1500" b="1">
+              <a:solidFill>
+                <a:srgbClr val="3C78D8"/>
+              </a:solidFill>
+              <a:latin typeface="Calibri"/>
+              <a:ea typeface="Calibri"/>
+              <a:cs typeface="Calibri"/>
+              <a:sym typeface="Calibri"/>
+            </a:endParaRPr>
+          </a:p>
+          <a:p>
+            <a:pPr marL="228600" lvl="0" indent="-209550" algn="l" rtl="0">
+              <a:spcBef>
+                <a:spcPts val="0"/>
+              </a:spcBef>
+              <a:spcAft>
+                <a:spcPts val="0"/>
+              </a:spcAft>
+              <a:buClr>
+                <a:srgbClr val="3C78D8"/>
+              </a:buClr>
+              <a:buSzPts val="1500"/>
+              <a:buFont typeface="Calibri"/>
+              <a:buChar char="●"/>
+            </a:pPr>
+            <a:r>
+              <a:rPr lang="en" sz="1500" b="1">
+                <a:solidFill>
+                  <a:srgbClr val="3C78D8"/>
+                </a:solidFill>
+                <a:latin typeface="Calibri"/>
+                <a:ea typeface="Calibri"/>
+                <a:cs typeface="Calibri"/>
+                <a:sym typeface="Calibri"/>
+              </a:rPr>
+              <a:t>Why Democracy Is Mathematically Impossible</a:t>
+            </a:r>
+            <a:endParaRPr sz="1500" b="1">
+              <a:solidFill>
+                <a:srgbClr val="3C78D8"/>
+              </a:solidFill>
+              <a:latin typeface="Calibri"/>
+              <a:ea typeface="Calibri"/>
+              <a:cs typeface="Calibri"/>
+              <a:sym typeface="Calibri"/>
+            </a:endParaRPr>
+          </a:p>
+          <a:p>
+            <a:pPr marL="228600" lvl="0" indent="-209550" algn="l" rtl="0">
+              <a:spcBef>
+                <a:spcPts val="0"/>
+              </a:spcBef>
+              <a:spcAft>
+                <a:spcPts val="0"/>
+              </a:spcAft>
+              <a:buClr>
+                <a:srgbClr val="3C78D8"/>
+              </a:buClr>
+              <a:buSzPts val="1500"/>
+              <a:buFont typeface="Calibri"/>
+              <a:buChar char="●"/>
+            </a:pPr>
+            <a:r>
+              <a:rPr lang="en" sz="1500" b="1">
+                <a:solidFill>
+                  <a:srgbClr val="3C78D8"/>
+                </a:solidFill>
+                <a:latin typeface="Calibri"/>
+                <a:ea typeface="Calibri"/>
+                <a:cs typeface="Calibri"/>
+                <a:sym typeface="Calibri"/>
+              </a:rPr>
+              <a:t>Google Gemini avoid answering voting questions</a:t>
+            </a:r>
+            <a:endParaRPr sz="1500" b="1">
+              <a:solidFill>
+                <a:srgbClr val="3C78D8"/>
+              </a:solidFill>
+              <a:latin typeface="Calibri"/>
+              <a:ea typeface="Calibri"/>
+              <a:cs typeface="Calibri"/>
+              <a:sym typeface="Calibri"/>
+            </a:endParaRPr>
+          </a:p>
+          <a:p>
+            <a:pPr marL="228600" lvl="0" indent="-209550" algn="l" rtl="0">
+              <a:spcBef>
+                <a:spcPts val="0"/>
+              </a:spcBef>
+              <a:spcAft>
+                <a:spcPts val="0"/>
+              </a:spcAft>
+              <a:buClr>
+                <a:srgbClr val="3C78D8"/>
+              </a:buClr>
+              <a:buSzPts val="1500"/>
+              <a:buFont typeface="Calibri"/>
+              <a:buChar char="●"/>
+            </a:pPr>
+            <a:r>
+              <a:rPr lang="en" sz="1500" b="1">
+                <a:solidFill>
+                  <a:srgbClr val="3C78D8"/>
+                </a:solidFill>
+                <a:latin typeface="Calibri"/>
+                <a:ea typeface="Calibri"/>
+                <a:cs typeface="Calibri"/>
+                <a:sym typeface="Calibri"/>
+              </a:rPr>
+              <a:t>LLM = Stochastic Parrot</a:t>
+            </a:r>
+            <a:endParaRPr sz="1500" b="1">
+              <a:solidFill>
+                <a:srgbClr val="3C78D8"/>
+              </a:solidFill>
+              <a:latin typeface="Calibri"/>
+              <a:ea typeface="Calibri"/>
+              <a:cs typeface="Calibri"/>
+              <a:sym typeface="Calibri"/>
+            </a:endParaRPr>
+          </a:p>
+          <a:p>
+            <a:pPr marL="228600" lvl="0" indent="-209550" algn="l" rtl="0">
+              <a:spcBef>
+                <a:spcPts val="0"/>
+              </a:spcBef>
+              <a:spcAft>
+                <a:spcPts val="0"/>
+              </a:spcAft>
+              <a:buClr>
+                <a:srgbClr val="3C78D8"/>
+              </a:buClr>
+              <a:buSzPts val="1500"/>
+              <a:buFont typeface="Calibri"/>
+              <a:buChar char="●"/>
+            </a:pPr>
+            <a:r>
+              <a:rPr lang="en" sz="1500" b="1">
+                <a:solidFill>
+                  <a:srgbClr val="3C78D8"/>
+                </a:solidFill>
+                <a:latin typeface="Calibri"/>
+                <a:ea typeface="Calibri"/>
+                <a:cs typeface="Calibri"/>
+                <a:sym typeface="Calibri"/>
+              </a:rPr>
+              <a:t>AI drones against wildfires</a:t>
+            </a:r>
+            <a:endParaRPr sz="1500" b="1">
+              <a:solidFill>
+                <a:srgbClr val="3C78D8"/>
+              </a:solidFill>
+              <a:latin typeface="Calibri"/>
+              <a:ea typeface="Calibri"/>
+              <a:cs typeface="Calibri"/>
+              <a:sym typeface="Calibri"/>
+            </a:endParaRPr>
+          </a:p>
+          <a:p>
+            <a:pPr marL="228600" lvl="0" indent="-209550" algn="l" rtl="0">
+              <a:spcBef>
+                <a:spcPts val="0"/>
+              </a:spcBef>
+              <a:spcAft>
+                <a:spcPts val="0"/>
+              </a:spcAft>
+              <a:buClr>
+                <a:srgbClr val="3C78D8"/>
+              </a:buClr>
+              <a:buSzPts val="1500"/>
+              <a:buFont typeface="Calibri"/>
+              <a:buChar char="●"/>
+            </a:pPr>
+            <a:r>
+              <a:rPr lang="en" sz="1500" b="1">
+                <a:solidFill>
+                  <a:srgbClr val="3C78D8"/>
+                </a:solidFill>
+                <a:latin typeface="Calibri"/>
+                <a:ea typeface="Calibri"/>
+                <a:cs typeface="Calibri"/>
+                <a:sym typeface="Calibri"/>
+              </a:rPr>
+              <a:t>Model pricing goes down</a:t>
+            </a:r>
+            <a:endParaRPr sz="1500" b="1">
+              <a:solidFill>
+                <a:srgbClr val="3C78D8"/>
+              </a:solidFill>
+              <a:latin typeface="Calibri"/>
+              <a:ea typeface="Calibri"/>
+              <a:cs typeface="Calibri"/>
+              <a:sym typeface="Calibri"/>
+            </a:endParaRPr>
+          </a:p>
+          <a:p>
+            <a:pPr marL="228600" lvl="0" indent="-209550" algn="l" rtl="0">
+              <a:spcBef>
+                <a:spcPts val="0"/>
+              </a:spcBef>
+              <a:spcAft>
+                <a:spcPts val="0"/>
+              </a:spcAft>
+              <a:buClr>
+                <a:srgbClr val="3C78D8"/>
+              </a:buClr>
+              <a:buSzPts val="1500"/>
+              <a:buFont typeface="Calibri"/>
+              <a:buChar char="●"/>
+            </a:pPr>
+            <a:r>
+              <a:rPr lang="en" sz="1500" b="1">
+                <a:solidFill>
+                  <a:srgbClr val="3C78D8"/>
+                </a:solidFill>
+                <a:latin typeface="Calibri"/>
+                <a:ea typeface="Calibri"/>
+                <a:cs typeface="Calibri"/>
+                <a:sym typeface="Calibri"/>
+              </a:rPr>
+              <a:t>Google "Ask Photos"</a:t>
+            </a:r>
+            <a:endParaRPr sz="1500" b="1">
+              <a:solidFill>
+                <a:srgbClr val="3C78D8"/>
+              </a:solidFill>
+              <a:latin typeface="Calibri"/>
+              <a:ea typeface="Calibri"/>
+              <a:cs typeface="Calibri"/>
+              <a:sym typeface="Calibri"/>
+            </a:endParaRPr>
+          </a:p>
+          <a:p>
+            <a:pPr marL="228600" lvl="0" indent="-209550" algn="l" rtl="0">
+              <a:spcBef>
+                <a:spcPts val="0"/>
+              </a:spcBef>
+              <a:spcAft>
+                <a:spcPts val="0"/>
+              </a:spcAft>
+              <a:buClr>
+                <a:srgbClr val="3C78D8"/>
+              </a:buClr>
+              <a:buSzPts val="1500"/>
+              <a:buFont typeface="Calibri"/>
+              <a:buChar char="●"/>
+            </a:pPr>
+            <a:r>
+              <a:rPr lang="en" sz="1500" b="1">
+                <a:solidFill>
+                  <a:srgbClr val="3C78D8"/>
+                </a:solidFill>
+                <a:latin typeface="Calibri"/>
+                <a:ea typeface="Calibri"/>
+                <a:cs typeface="Calibri"/>
+                <a:sym typeface="Calibri"/>
+              </a:rPr>
+              <a:t>Build pipelines instead of Agentic workflows</a:t>
+            </a:r>
+            <a:endParaRPr sz="1500" b="1">
+              <a:solidFill>
+                <a:srgbClr val="3C78D8"/>
+              </a:solidFill>
+              <a:latin typeface="Calibri"/>
+              <a:ea typeface="Calibri"/>
+              <a:cs typeface="Calibri"/>
+              <a:sym typeface="Calibri"/>
+            </a:endParaRPr>
+          </a:p>
+        </p:txBody>
+      </p:sp>
+      <p:sp>
+        <p:nvSpPr>
+          <p:cNvPr id="58" name="Google Shape;58;p14"/>
+          <p:cNvSpPr txBox="1"/>
+          <p:nvPr/>
+        </p:nvSpPr>
+        <p:spPr>
+          <a:xfrm>
+            <a:off x="4633738" y="1132319"/>
             <a:ext cx="4420200" cy="2955300"/>
           </a:xfrm>
           <a:prstGeom prst="rect">
@@ -10750,7 +11189,10 @@
           </a:bodyPr>
           <a:lstStyle/>
           <a:p>
-            <a:pPr marL="228600" lvl="0" indent="-209550" algn="l" rtl="0">
+            <a:pPr marL="228600" marR="0" lvl="0" indent="-209550" algn="l" rtl="0">
+              <a:lnSpc>
+                <a:spcPct val="100000"/>
+              </a:lnSpc>
               <a:spcBef>
                 <a:spcPts val="0"/>
               </a:spcBef>
@@ -10774,7 +11216,7 @@
                 <a:cs typeface="Calibri"/>
                 <a:sym typeface="Calibri"/>
               </a:rPr>
-              <a:t>Ilya Sutskever has raised $1 Billion for SSI</a:t>
+              <a:t>Google DeepMind AlphaProteo</a:t>
             </a:r>
             <a:endParaRPr sz="1500" b="1">
               <a:solidFill>
@@ -10787,7 +11229,10 @@
             </a:endParaRPr>
           </a:p>
           <a:p>
-            <a:pPr marL="228600" lvl="0" indent="-209550" algn="l" rtl="0">
+            <a:pPr marL="228600" marR="0" lvl="0" indent="-209550" algn="l" rtl="0">
+              <a:lnSpc>
+                <a:spcPct val="100000"/>
+              </a:lnSpc>
               <a:spcBef>
                 <a:spcPts val="0"/>
               </a:spcBef>
@@ -10811,7 +11256,7 @@
                 <a:cs typeface="Calibri"/>
                 <a:sym typeface="Calibri"/>
               </a:rPr>
-              <a:t>Reflection Llama-3.1 70B</a:t>
+              <a:t>OpenAI aims to raise "several billion dollars"</a:t>
             </a:r>
             <a:endParaRPr sz="1500" b="1">
               <a:solidFill>
@@ -10824,7 +11269,10 @@
             </a:endParaRPr>
           </a:p>
           <a:p>
-            <a:pPr marL="228600" lvl="0" indent="-209550" algn="l" rtl="0">
+            <a:pPr marL="228600" marR="0" lvl="0" indent="-209550" algn="l" rtl="0">
+              <a:lnSpc>
+                <a:spcPct val="100000"/>
+              </a:lnSpc>
               <a:spcBef>
                 <a:spcPts val="0"/>
               </a:spcBef>
@@ -10848,7 +11296,7 @@
                 <a:cs typeface="Calibri"/>
                 <a:sym typeface="Calibri"/>
               </a:rPr>
-              <a:t>ADAS = Automated Design of Agentic Systems</a:t>
+              <a:t>Why not LangChain, LangGraph, LangSmith</a:t>
             </a:r>
             <a:endParaRPr sz="1500" b="1">
               <a:solidFill>
@@ -10861,7 +11309,10 @@
             </a:endParaRPr>
           </a:p>
           <a:p>
-            <a:pPr marL="228600" lvl="0" indent="-209550" algn="l" rtl="0">
+            <a:pPr marL="228600" marR="0" lvl="0" indent="-209550" algn="l" rtl="0">
+              <a:lnSpc>
+                <a:spcPct val="100000"/>
+              </a:lnSpc>
               <a:spcBef>
                 <a:spcPts val="0"/>
               </a:spcBef>
@@ -10885,7 +11336,7 @@
                 <a:cs typeface="Calibri"/>
                 <a:sym typeface="Calibri"/>
               </a:rPr>
-              <a:t>Agent as Chief AI Scientist ?</a:t>
+              <a:t>Claude for Enterprise with 500K context length</a:t>
             </a:r>
             <a:endParaRPr sz="1500" b="1">
               <a:solidFill>
@@ -10898,7 +11349,10 @@
             </a:endParaRPr>
           </a:p>
           <a:p>
-            <a:pPr marL="228600" lvl="0" indent="-209550" algn="l" rtl="0">
+            <a:pPr marL="228600" marR="0" lvl="0" indent="-209550" algn="l" rtl="0">
+              <a:lnSpc>
+                <a:spcPct val="100000"/>
+              </a:lnSpc>
               <a:spcBef>
                 <a:spcPts val="0"/>
               </a:spcBef>
@@ -10922,7 +11376,7 @@
                 <a:cs typeface="Calibri"/>
                 <a:sym typeface="Calibri"/>
               </a:rPr>
-              <a:t>Why Democracy Is Mathematically Impossible</a:t>
+              <a:t>Anthropic Prompt Generator</a:t>
             </a:r>
             <a:endParaRPr sz="1500" b="1">
               <a:solidFill>
@@ -10935,7 +11389,10 @@
             </a:endParaRPr>
           </a:p>
           <a:p>
-            <a:pPr marL="228600" lvl="0" indent="-209550" algn="l" rtl="0">
+            <a:pPr marL="228600" marR="0" lvl="0" indent="-209550" algn="l" rtl="0">
+              <a:lnSpc>
+                <a:spcPct val="100000"/>
+              </a:lnSpc>
               <a:spcBef>
                 <a:spcPts val="0"/>
               </a:spcBef>
@@ -10959,7 +11416,7 @@
                 <a:cs typeface="Calibri"/>
                 <a:sym typeface="Calibri"/>
               </a:rPr>
-              <a:t>Google Gemini avoid answering voting questions</a:t>
+              <a:t>RAG Best Practices - part 1</a:t>
             </a:r>
             <a:endParaRPr sz="1500" b="1">
               <a:solidFill>
@@ -10972,7 +11429,10 @@
             </a:endParaRPr>
           </a:p>
           <a:p>
-            <a:pPr marL="228600" lvl="0" indent="-209550" algn="l" rtl="0">
+            <a:pPr marL="228600" marR="0" lvl="0" indent="-209550" algn="l" rtl="0">
+              <a:lnSpc>
+                <a:spcPct val="100000"/>
+              </a:lnSpc>
               <a:spcBef>
                 <a:spcPts val="0"/>
               </a:spcBef>
@@ -10996,7 +11456,7 @@
                 <a:cs typeface="Calibri"/>
                 <a:sym typeface="Calibri"/>
               </a:rPr>
-              <a:t>LLM = Stochastic Parrot</a:t>
+              <a:t>Want to become an AI Consultant?</a:t>
             </a:r>
             <a:endParaRPr sz="1500" b="1">
               <a:solidFill>
@@ -11009,7 +11469,10 @@
             </a:endParaRPr>
           </a:p>
           <a:p>
-            <a:pPr marL="228600" lvl="0" indent="-209550" algn="l" rtl="0">
+            <a:pPr marL="228600" marR="0" lvl="0" indent="-209550" algn="l" rtl="0">
+              <a:lnSpc>
+                <a:spcPct val="100000"/>
+              </a:lnSpc>
               <a:spcBef>
                 <a:spcPts val="0"/>
               </a:spcBef>
@@ -11033,7 +11496,7 @@
                 <a:cs typeface="Calibri"/>
                 <a:sym typeface="Calibri"/>
               </a:rPr>
-              <a:t>AI drones against wildfires</a:t>
+              <a:t>Ollama supports multiple AMD GPUs</a:t>
             </a:r>
             <a:endParaRPr sz="1500" b="1">
               <a:solidFill>
@@ -11046,7 +11509,10 @@
             </a:endParaRPr>
           </a:p>
           <a:p>
-            <a:pPr marL="228600" lvl="0" indent="-209550" algn="l" rtl="0">
+            <a:pPr marL="228600" marR="0" lvl="0" indent="-209550" algn="l" rtl="0">
+              <a:lnSpc>
+                <a:spcPct val="100000"/>
+              </a:lnSpc>
               <a:spcBef>
                 <a:spcPts val="0"/>
               </a:spcBef>
@@ -11070,390 +11536,7 @@
                 <a:cs typeface="Calibri"/>
                 <a:sym typeface="Calibri"/>
               </a:rPr>
-              <a:t>Model pricing goes down</a:t>
-            </a:r>
-            <a:endParaRPr sz="1500" b="1">
-              <a:solidFill>
-                <a:srgbClr val="3C78D8"/>
-              </a:solidFill>
-              <a:latin typeface="Calibri"/>
-              <a:ea typeface="Calibri"/>
-              <a:cs typeface="Calibri"/>
-              <a:sym typeface="Calibri"/>
-            </a:endParaRPr>
-          </a:p>
-          <a:p>
-            <a:pPr marL="228600" lvl="0" indent="-209550" algn="l" rtl="0">
-              <a:spcBef>
-                <a:spcPts val="0"/>
-              </a:spcBef>
-              <a:spcAft>
-                <a:spcPts val="0"/>
-              </a:spcAft>
-              <a:buClr>
-                <a:srgbClr val="3C78D8"/>
-              </a:buClr>
-              <a:buSzPts val="1500"/>
-              <a:buFont typeface="Calibri"/>
-              <a:buChar char="●"/>
-            </a:pPr>
-            <a:r>
-              <a:rPr lang="en" sz="1500" b="1">
-                <a:solidFill>
-                  <a:srgbClr val="3C78D8"/>
-                </a:solidFill>
-                <a:latin typeface="Calibri"/>
-                <a:ea typeface="Calibri"/>
-                <a:cs typeface="Calibri"/>
-                <a:sym typeface="Calibri"/>
-              </a:rPr>
               <a:t>TIME's list of 100 people in AI for 2024</a:t>
-            </a:r>
-            <a:endParaRPr sz="1500" b="1">
-              <a:solidFill>
-                <a:srgbClr val="3C78D8"/>
-              </a:solidFill>
-              <a:latin typeface="Calibri"/>
-              <a:ea typeface="Calibri"/>
-              <a:cs typeface="Calibri"/>
-              <a:sym typeface="Calibri"/>
-            </a:endParaRPr>
-          </a:p>
-          <a:p>
-            <a:pPr marL="228600" lvl="0" indent="-209550" algn="l" rtl="0">
-              <a:spcBef>
-                <a:spcPts val="0"/>
-              </a:spcBef>
-              <a:spcAft>
-                <a:spcPts val="0"/>
-              </a:spcAft>
-              <a:buClr>
-                <a:srgbClr val="3C78D8"/>
-              </a:buClr>
-              <a:buSzPts val="1500"/>
-              <a:buFont typeface="Calibri"/>
-              <a:buChar char="●"/>
-            </a:pPr>
-            <a:r>
-              <a:rPr lang="en" sz="1500" b="1">
-                <a:solidFill>
-                  <a:srgbClr val="3C78D8"/>
-                </a:solidFill>
-                <a:latin typeface="Calibri"/>
-                <a:ea typeface="Calibri"/>
-                <a:cs typeface="Calibri"/>
-                <a:sym typeface="Calibri"/>
-              </a:rPr>
-              <a:t>Google "Ask Photos"</a:t>
-            </a:r>
-            <a:endParaRPr sz="1500" b="1">
-              <a:solidFill>
-                <a:srgbClr val="3C78D8"/>
-              </a:solidFill>
-              <a:latin typeface="Calibri"/>
-              <a:ea typeface="Calibri"/>
-              <a:cs typeface="Calibri"/>
-              <a:sym typeface="Calibri"/>
-            </a:endParaRPr>
-          </a:p>
-          <a:p>
-            <a:pPr marL="228600" lvl="0" indent="-209550" algn="l" rtl="0">
-              <a:spcBef>
-                <a:spcPts val="0"/>
-              </a:spcBef>
-              <a:spcAft>
-                <a:spcPts val="0"/>
-              </a:spcAft>
-              <a:buClr>
-                <a:srgbClr val="3C78D8"/>
-              </a:buClr>
-              <a:buSzPts val="1500"/>
-              <a:buFont typeface="Calibri"/>
-              <a:buChar char="●"/>
-            </a:pPr>
-            <a:r>
-              <a:rPr lang="en" sz="1500" b="1">
-                <a:solidFill>
-                  <a:srgbClr val="3C78D8"/>
-                </a:solidFill>
-                <a:latin typeface="Calibri"/>
-                <a:ea typeface="Calibri"/>
-                <a:cs typeface="Calibri"/>
-                <a:sym typeface="Calibri"/>
-              </a:rPr>
-              <a:t>Build pipelines instead of Agentic workflows</a:t>
-            </a:r>
-            <a:endParaRPr sz="1500" b="1">
-              <a:solidFill>
-                <a:srgbClr val="3C78D8"/>
-              </a:solidFill>
-              <a:latin typeface="Calibri"/>
-              <a:ea typeface="Calibri"/>
-              <a:cs typeface="Calibri"/>
-              <a:sym typeface="Calibri"/>
-            </a:endParaRPr>
-          </a:p>
-        </p:txBody>
-      </p:sp>
-      <p:sp>
-        <p:nvSpPr>
-          <p:cNvPr id="58" name="Google Shape;58;p14"/>
-          <p:cNvSpPr txBox="1"/>
-          <p:nvPr/>
-        </p:nvSpPr>
-        <p:spPr>
-          <a:xfrm>
-            <a:off x="4633738" y="1132319"/>
-            <a:ext cx="4420200" cy="2262600"/>
-          </a:xfrm>
-          <a:prstGeom prst="rect">
-            <a:avLst/>
-          </a:prstGeom>
-          <a:noFill/>
-          <a:ln w="9525" cap="flat" cmpd="sng">
-            <a:solidFill>
-              <a:srgbClr val="FF0000"/>
-            </a:solidFill>
-            <a:prstDash val="solid"/>
-            <a:round/>
-            <a:headEnd type="none" w="sm" len="sm"/>
-            <a:tailEnd type="none" w="sm" len="sm"/>
-          </a:ln>
-        </p:spPr>
-        <p:txBody>
-          <a:bodyPr spcFirstLastPara="1" wrap="square" lIns="91425" tIns="91425" rIns="91425" bIns="91425" anchor="t" anchorCtr="0">
-            <a:spAutoFit/>
-          </a:bodyPr>
-          <a:lstStyle/>
-          <a:p>
-            <a:pPr marL="228600" marR="0" lvl="0" indent="-209550" algn="l" rtl="0">
-              <a:lnSpc>
-                <a:spcPct val="100000"/>
-              </a:lnSpc>
-              <a:spcBef>
-                <a:spcPts val="0"/>
-              </a:spcBef>
-              <a:spcAft>
-                <a:spcPts val="0"/>
-              </a:spcAft>
-              <a:buClr>
-                <a:srgbClr val="3C78D8"/>
-              </a:buClr>
-              <a:buSzPts val="1500"/>
-              <a:buFont typeface="Calibri"/>
-              <a:buChar char="●"/>
-            </a:pPr>
-            <a:r>
-              <a:rPr lang="en" sz="1500" b="1">
-                <a:solidFill>
-                  <a:srgbClr val="3C78D8"/>
-                </a:solidFill>
-                <a:latin typeface="Calibri"/>
-                <a:ea typeface="Calibri"/>
-                <a:cs typeface="Calibri"/>
-                <a:sym typeface="Calibri"/>
-              </a:rPr>
-              <a:t>Google DeepMind AlphaProteo</a:t>
-            </a:r>
-            <a:endParaRPr sz="1500" b="1">
-              <a:solidFill>
-                <a:srgbClr val="3C78D8"/>
-              </a:solidFill>
-              <a:latin typeface="Calibri"/>
-              <a:ea typeface="Calibri"/>
-              <a:cs typeface="Calibri"/>
-              <a:sym typeface="Calibri"/>
-            </a:endParaRPr>
-          </a:p>
-          <a:p>
-            <a:pPr marL="228600" marR="0" lvl="0" indent="-209550" algn="l" rtl="0">
-              <a:lnSpc>
-                <a:spcPct val="100000"/>
-              </a:lnSpc>
-              <a:spcBef>
-                <a:spcPts val="0"/>
-              </a:spcBef>
-              <a:spcAft>
-                <a:spcPts val="0"/>
-              </a:spcAft>
-              <a:buClr>
-                <a:srgbClr val="3C78D8"/>
-              </a:buClr>
-              <a:buSzPts val="1500"/>
-              <a:buFont typeface="Calibri"/>
-              <a:buChar char="●"/>
-            </a:pPr>
-            <a:r>
-              <a:rPr lang="en" sz="1500" b="1">
-                <a:solidFill>
-                  <a:srgbClr val="3C78D8"/>
-                </a:solidFill>
-                <a:latin typeface="Calibri"/>
-                <a:ea typeface="Calibri"/>
-                <a:cs typeface="Calibri"/>
-                <a:sym typeface="Calibri"/>
-              </a:rPr>
-              <a:t>OpenAI aims to raise "several billion dollars"</a:t>
-            </a:r>
-            <a:endParaRPr sz="1500" b="1">
-              <a:solidFill>
-                <a:srgbClr val="3C78D8"/>
-              </a:solidFill>
-              <a:latin typeface="Calibri"/>
-              <a:ea typeface="Calibri"/>
-              <a:cs typeface="Calibri"/>
-              <a:sym typeface="Calibri"/>
-            </a:endParaRPr>
-          </a:p>
-          <a:p>
-            <a:pPr marL="228600" marR="0" lvl="0" indent="-209550" algn="l" rtl="0">
-              <a:lnSpc>
-                <a:spcPct val="100000"/>
-              </a:lnSpc>
-              <a:spcBef>
-                <a:spcPts val="0"/>
-              </a:spcBef>
-              <a:spcAft>
-                <a:spcPts val="0"/>
-              </a:spcAft>
-              <a:buClr>
-                <a:srgbClr val="3C78D8"/>
-              </a:buClr>
-              <a:buSzPts val="1500"/>
-              <a:buFont typeface="Calibri"/>
-              <a:buChar char="●"/>
-            </a:pPr>
-            <a:r>
-              <a:rPr lang="en" sz="1500" b="1">
-                <a:solidFill>
-                  <a:srgbClr val="3C78D8"/>
-                </a:solidFill>
-                <a:latin typeface="Calibri"/>
-                <a:ea typeface="Calibri"/>
-                <a:cs typeface="Calibri"/>
-                <a:sym typeface="Calibri"/>
-              </a:rPr>
-              <a:t>Why not LangChain, LangGraph, LangSmith</a:t>
-            </a:r>
-            <a:endParaRPr sz="1500" b="1">
-              <a:solidFill>
-                <a:srgbClr val="3C78D8"/>
-              </a:solidFill>
-              <a:latin typeface="Calibri"/>
-              <a:ea typeface="Calibri"/>
-              <a:cs typeface="Calibri"/>
-              <a:sym typeface="Calibri"/>
-            </a:endParaRPr>
-          </a:p>
-          <a:p>
-            <a:pPr marL="228600" marR="0" lvl="0" indent="-209550" algn="l" rtl="0">
-              <a:lnSpc>
-                <a:spcPct val="100000"/>
-              </a:lnSpc>
-              <a:spcBef>
-                <a:spcPts val="0"/>
-              </a:spcBef>
-              <a:spcAft>
-                <a:spcPts val="0"/>
-              </a:spcAft>
-              <a:buClr>
-                <a:srgbClr val="3C78D8"/>
-              </a:buClr>
-              <a:buSzPts val="1500"/>
-              <a:buFont typeface="Calibri"/>
-              <a:buChar char="●"/>
-            </a:pPr>
-            <a:r>
-              <a:rPr lang="en" sz="1500" b="1">
-                <a:solidFill>
-                  <a:srgbClr val="3C78D8"/>
-                </a:solidFill>
-                <a:latin typeface="Calibri"/>
-                <a:ea typeface="Calibri"/>
-                <a:cs typeface="Calibri"/>
-                <a:sym typeface="Calibri"/>
-              </a:rPr>
-              <a:t>Claude for Enterprise with 500K context length</a:t>
-            </a:r>
-            <a:endParaRPr sz="1500" b="1">
-              <a:solidFill>
-                <a:srgbClr val="3C78D8"/>
-              </a:solidFill>
-              <a:latin typeface="Calibri"/>
-              <a:ea typeface="Calibri"/>
-              <a:cs typeface="Calibri"/>
-              <a:sym typeface="Calibri"/>
-            </a:endParaRPr>
-          </a:p>
-          <a:p>
-            <a:pPr marL="228600" marR="0" lvl="0" indent="-209550" algn="l" rtl="0">
-              <a:lnSpc>
-                <a:spcPct val="100000"/>
-              </a:lnSpc>
-              <a:spcBef>
-                <a:spcPts val="0"/>
-              </a:spcBef>
-              <a:spcAft>
-                <a:spcPts val="0"/>
-              </a:spcAft>
-              <a:buClr>
-                <a:srgbClr val="3C78D8"/>
-              </a:buClr>
-              <a:buSzPts val="1500"/>
-              <a:buFont typeface="Calibri"/>
-              <a:buChar char="●"/>
-            </a:pPr>
-            <a:r>
-              <a:rPr lang="en" sz="1500" b="1">
-                <a:solidFill>
-                  <a:srgbClr val="3C78D8"/>
-                </a:solidFill>
-                <a:latin typeface="Calibri"/>
-                <a:ea typeface="Calibri"/>
-                <a:cs typeface="Calibri"/>
-                <a:sym typeface="Calibri"/>
-              </a:rPr>
-              <a:t>Anthropic Prompt Generator</a:t>
-            </a:r>
-            <a:endParaRPr sz="1500" b="1">
-              <a:solidFill>
-                <a:srgbClr val="3C78D8"/>
-              </a:solidFill>
-              <a:latin typeface="Calibri"/>
-              <a:ea typeface="Calibri"/>
-              <a:cs typeface="Calibri"/>
-              <a:sym typeface="Calibri"/>
-            </a:endParaRPr>
-          </a:p>
-          <a:p>
-            <a:pPr marL="228600" marR="0" lvl="0" indent="-209550" algn="l" rtl="0">
-              <a:lnSpc>
-                <a:spcPct val="100000"/>
-              </a:lnSpc>
-              <a:spcBef>
-                <a:spcPts val="0"/>
-              </a:spcBef>
-              <a:spcAft>
-                <a:spcPts val="0"/>
-              </a:spcAft>
-              <a:buClr>
-                <a:srgbClr val="3C78D8"/>
-              </a:buClr>
-              <a:buSzPts val="1500"/>
-              <a:buFont typeface="Calibri"/>
-              <a:buChar char="●"/>
-            </a:pPr>
-            <a:r>
-              <a:rPr lang="en" sz="1500" b="1">
-                <a:solidFill>
-                  <a:srgbClr val="3C78D8"/>
-                </a:solidFill>
-                <a:latin typeface="Calibri"/>
-                <a:ea typeface="Calibri"/>
-                <a:cs typeface="Calibri"/>
-                <a:sym typeface="Calibri"/>
-              </a:rPr>
-              <a:t>RAG Best Practices - part 1</a:t>
             </a:r>
             <a:endParaRPr sz="1500" b="1">
               <a:solidFill>
@@ -11718,7 +11801,7 @@
   <p:cSld>
     <p:spTree>
       <p:nvGrpSpPr>
-        <p:cNvPr id="1" name="Shape 155"/>
+        <p:cNvPr id="1" name="Shape 157"/>
         <p:cNvGrpSpPr/>
         <p:nvPr/>
       </p:nvGrpSpPr>
@@ -11732,7 +11815,7 @@
       </p:grpSpPr>
       <p:sp>
         <p:nvSpPr>
-          <p:cNvPr id="156" name="Google Shape;156;p23"/>
+          <p:cNvPr id="158" name="Google Shape;158;p23"/>
           <p:cNvSpPr txBox="1"/>
           <p:nvPr/>
         </p:nvSpPr>
@@ -11779,7 +11862,7 @@
                 <a:cs typeface="Calibri"/>
                 <a:sym typeface="Calibri"/>
               </a:rPr>
-              <a:t>Misc 3</a:t>
+              <a:t>TIME's list of 100 people in AI for 2024</a:t>
             </a:r>
             <a:endParaRPr sz="2000" b="1">
               <a:solidFill>
@@ -11795,14 +11878,14 @@
       </p:sp>
       <p:sp>
         <p:nvSpPr>
-          <p:cNvPr id="157" name="Google Shape;157;p23"/>
+          <p:cNvPr id="159" name="Google Shape;159;p23"/>
           <p:cNvSpPr txBox="1"/>
           <p:nvPr/>
         </p:nvSpPr>
         <p:spPr>
           <a:xfrm>
-            <a:off x="56400" y="489400"/>
-            <a:ext cx="4515600" cy="680400"/>
+            <a:off x="109875" y="611350"/>
+            <a:ext cx="4451100" cy="2050200"/>
           </a:xfrm>
           <a:prstGeom prst="rect">
             <a:avLst/>
@@ -11836,7 +11919,7 @@
               <a:buNone/>
             </a:pPr>
             <a:r>
-              <a:rPr lang="en" sz="1300" b="1">
+              <a:rPr lang="en" sz="1100" b="1">
                 <a:solidFill>
                   <a:srgbClr val="FF0000"/>
                 </a:solidFill>
@@ -11845,18 +11928,12 @@
                 <a:cs typeface="Calibri"/>
                 <a:sym typeface="Calibri"/>
               </a:rPr>
-              <a:t>Anthropic Prompt Generator</a:t>
-            </a:r>
-            <a:r>
-              <a:rPr lang="en" sz="1300">
-                <a:latin typeface="Calibri"/>
-                <a:ea typeface="Calibri"/>
-                <a:cs typeface="Calibri"/>
-                <a:sym typeface="Calibri"/>
-              </a:rPr>
-              <a:t> to create good prompts:</a:t>
-            </a:r>
-            <a:endParaRPr sz="1300">
+              <a:t>Leaders</a:t>
+            </a:r>
+            <a:endParaRPr sz="1100" b="1">
+              <a:solidFill>
+                <a:srgbClr val="FF0000"/>
+              </a:solidFill>
               <a:latin typeface="Calibri"/>
               <a:ea typeface="Calibri"/>
               <a:cs typeface="Calibri"/>
@@ -11864,40 +11941,27 @@
             </a:endParaRPr>
           </a:p>
           <a:p>
-            <a:pPr marL="228600" lvl="0" indent="-120650" algn="l" rtl="0">
-              <a:spcBef>
-                <a:spcPts val="0"/>
-              </a:spcBef>
-              <a:spcAft>
-                <a:spcPts val="0"/>
-              </a:spcAft>
-              <a:buSzPts val="1000"/>
+            <a:pPr marL="228600" lvl="0" indent="-127000" algn="l" rtl="0">
+              <a:spcBef>
+                <a:spcPts val="0"/>
+              </a:spcBef>
+              <a:spcAft>
+                <a:spcPts val="0"/>
+              </a:spcAft>
+              <a:buSzPts val="1100"/>
               <a:buFont typeface="Calibri"/>
               <a:buChar char="●"/>
             </a:pPr>
             <a:r>
-              <a:rPr lang="en" sz="1000" u="sng">
-                <a:solidFill>
-                  <a:schemeClr val="hlink"/>
-                </a:solidFill>
-                <a:latin typeface="Calibri"/>
-                <a:ea typeface="Calibri"/>
-                <a:cs typeface="Calibri"/>
-                <a:sym typeface="Calibri"/>
-                <a:hlinkClick r:id="rId3"/>
-              </a:rPr>
-              <a:t>https://docs.anthropic.com/en/docs/build-with-claude/prompt-engineering/prompt-generator</a:t>
-            </a:r>
-            <a:r>
-              <a:rPr lang="en" sz="1000">
-                <a:latin typeface="Calibri"/>
-                <a:ea typeface="Calibri"/>
-                <a:cs typeface="Calibri"/>
-                <a:sym typeface="Calibri"/>
-              </a:rPr>
-              <a:t> </a:t>
-            </a:r>
-            <a:endParaRPr sz="1000">
+              <a:rPr lang="en" sz="1100">
+                <a:latin typeface="Calibri"/>
+                <a:ea typeface="Calibri"/>
+                <a:cs typeface="Calibri"/>
+                <a:sym typeface="Calibri"/>
+              </a:rPr>
+              <a:t>Sundar Pichai, CEO, Google and Alphabet</a:t>
+            </a:r>
+            <a:endParaRPr sz="1100">
               <a:latin typeface="Calibri"/>
               <a:ea typeface="Calibri"/>
               <a:cs typeface="Calibri"/>
@@ -11905,58 +11969,297 @@
             </a:endParaRPr>
           </a:p>
           <a:p>
-            <a:pPr marL="228600" lvl="0" indent="-120650" algn="l" rtl="0">
-              <a:spcBef>
-                <a:spcPts val="0"/>
-              </a:spcBef>
-              <a:spcAft>
-                <a:spcPts val="0"/>
-              </a:spcAft>
-              <a:buSzPts val="1000"/>
+            <a:pPr marL="228600" lvl="0" indent="-127000" algn="l" rtl="0">
+              <a:spcBef>
+                <a:spcPts val="0"/>
+              </a:spcBef>
+              <a:spcAft>
+                <a:spcPts val="0"/>
+              </a:spcAft>
+              <a:buSzPts val="1100"/>
               <a:buFont typeface="Calibri"/>
               <a:buChar char="●"/>
             </a:pPr>
             <a:r>
-              <a:rPr lang="en" sz="1000" u="sng">
-                <a:solidFill>
-                  <a:schemeClr val="hlink"/>
-                </a:solidFill>
-                <a:latin typeface="Calibri"/>
-                <a:ea typeface="Calibri"/>
-                <a:cs typeface="Calibri"/>
-                <a:sym typeface="Calibri"/>
-                <a:hlinkClick r:id="rId4"/>
-              </a:rPr>
-              <a:t>https://www.youtube.com/watch?v=luGZBf057fU</a:t>
-            </a:r>
-            <a:r>
-              <a:rPr lang="en" sz="1000">
-                <a:latin typeface="Calibri"/>
-                <a:ea typeface="Calibri"/>
-                <a:cs typeface="Calibri"/>
-                <a:sym typeface="Calibri"/>
-              </a:rPr>
-              <a:t> </a:t>
-            </a:r>
-            <a:endParaRPr sz="1000">
+              <a:rPr lang="en" sz="1100">
+                <a:latin typeface="Calibri"/>
+                <a:ea typeface="Calibri"/>
+                <a:cs typeface="Calibri"/>
+                <a:sym typeface="Calibri"/>
+              </a:rPr>
+              <a:t>Satya Nadella, CEO, Microsoft</a:t>
+            </a:r>
+            <a:endParaRPr sz="1100">
               <a:latin typeface="Calibri"/>
               <a:ea typeface="Calibri"/>
               <a:cs typeface="Calibri"/>
               <a:sym typeface="Calibri"/>
             </a:endParaRPr>
           </a:p>
+          <a:p>
+            <a:pPr marL="228600" lvl="0" indent="-127000" algn="l" rtl="0">
+              <a:spcBef>
+                <a:spcPts val="0"/>
+              </a:spcBef>
+              <a:spcAft>
+                <a:spcPts val="0"/>
+              </a:spcAft>
+              <a:buSzPts val="1100"/>
+              <a:buFont typeface="Calibri"/>
+              <a:buChar char="●"/>
+            </a:pPr>
+            <a:r>
+              <a:rPr lang="en" sz="1100">
+                <a:latin typeface="Calibri"/>
+                <a:ea typeface="Calibri"/>
+                <a:cs typeface="Calibri"/>
+                <a:sym typeface="Calibri"/>
+              </a:rPr>
+              <a:t>Sasha Luccioni, AI &amp; Climate Lead, Hugging Face</a:t>
+            </a:r>
+            <a:endParaRPr sz="1100">
+              <a:latin typeface="Calibri"/>
+              <a:ea typeface="Calibri"/>
+              <a:cs typeface="Calibri"/>
+              <a:sym typeface="Calibri"/>
+            </a:endParaRPr>
+          </a:p>
+          <a:p>
+            <a:pPr marL="228600" lvl="0" indent="-127000" algn="l" rtl="0">
+              <a:spcBef>
+                <a:spcPts val="0"/>
+              </a:spcBef>
+              <a:spcAft>
+                <a:spcPts val="0"/>
+              </a:spcAft>
+              <a:buSzPts val="1100"/>
+              <a:buFont typeface="Calibri"/>
+              <a:buChar char="●"/>
+            </a:pPr>
+            <a:r>
+              <a:rPr lang="en" sz="1100">
+                <a:latin typeface="Calibri"/>
+                <a:ea typeface="Calibri"/>
+                <a:cs typeface="Calibri"/>
+                <a:sym typeface="Calibri"/>
+              </a:rPr>
+              <a:t>Sam Altman, CEO, OpenAI</a:t>
+            </a:r>
+            <a:endParaRPr sz="1100">
+              <a:latin typeface="Calibri"/>
+              <a:ea typeface="Calibri"/>
+              <a:cs typeface="Calibri"/>
+              <a:sym typeface="Calibri"/>
+            </a:endParaRPr>
+          </a:p>
+          <a:p>
+            <a:pPr marL="228600" lvl="0" indent="-127000" algn="l" rtl="0">
+              <a:spcBef>
+                <a:spcPts val="0"/>
+              </a:spcBef>
+              <a:spcAft>
+                <a:spcPts val="0"/>
+              </a:spcAft>
+              <a:buSzPts val="1100"/>
+              <a:buFont typeface="Calibri"/>
+              <a:buChar char="●"/>
+            </a:pPr>
+            <a:r>
+              <a:rPr lang="en" sz="1100">
+                <a:latin typeface="Calibri"/>
+                <a:ea typeface="Calibri"/>
+                <a:cs typeface="Calibri"/>
+                <a:sym typeface="Calibri"/>
+              </a:rPr>
+              <a:t>Jensen Huang, CEO, Nvidia</a:t>
+            </a:r>
+            <a:endParaRPr sz="1100">
+              <a:latin typeface="Calibri"/>
+              <a:ea typeface="Calibri"/>
+              <a:cs typeface="Calibri"/>
+              <a:sym typeface="Calibri"/>
+            </a:endParaRPr>
+          </a:p>
+          <a:p>
+            <a:pPr marL="228600" lvl="0" indent="-127000" algn="l" rtl="0">
+              <a:spcBef>
+                <a:spcPts val="0"/>
+              </a:spcBef>
+              <a:spcAft>
+                <a:spcPts val="0"/>
+              </a:spcAft>
+              <a:buSzPts val="1100"/>
+              <a:buFont typeface="Calibri"/>
+              <a:buChar char="●"/>
+            </a:pPr>
+            <a:r>
+              <a:rPr lang="en" sz="1100">
+                <a:latin typeface="Calibri"/>
+                <a:ea typeface="Calibri"/>
+                <a:cs typeface="Calibri"/>
+                <a:sym typeface="Calibri"/>
+              </a:rPr>
+              <a:t>Rohit Prasad, SVP, Chief Scientist - Artificial General Intelligence, Amazon</a:t>
+            </a:r>
+            <a:endParaRPr sz="1100">
+              <a:latin typeface="Calibri"/>
+              <a:ea typeface="Calibri"/>
+              <a:cs typeface="Calibri"/>
+              <a:sym typeface="Calibri"/>
+            </a:endParaRPr>
+          </a:p>
+          <a:p>
+            <a:pPr marL="228600" lvl="0" indent="-127000" algn="l" rtl="0">
+              <a:spcBef>
+                <a:spcPts val="0"/>
+              </a:spcBef>
+              <a:spcAft>
+                <a:spcPts val="0"/>
+              </a:spcAft>
+              <a:buSzPts val="1100"/>
+              <a:buFont typeface="Calibri"/>
+              <a:buChar char="●"/>
+            </a:pPr>
+            <a:r>
+              <a:rPr lang="en" sz="1100">
+                <a:latin typeface="Calibri"/>
+                <a:ea typeface="Calibri"/>
+                <a:cs typeface="Calibri"/>
+                <a:sym typeface="Calibri"/>
+              </a:rPr>
+              <a:t>Cari Tuna, President, Open Philanthropy</a:t>
+            </a:r>
+            <a:endParaRPr sz="1100">
+              <a:latin typeface="Calibri"/>
+              <a:ea typeface="Calibri"/>
+              <a:cs typeface="Calibri"/>
+              <a:sym typeface="Calibri"/>
+            </a:endParaRPr>
+          </a:p>
+          <a:p>
+            <a:pPr marL="228600" lvl="0" indent="-127000" algn="l" rtl="0">
+              <a:spcBef>
+                <a:spcPts val="0"/>
+              </a:spcBef>
+              <a:spcAft>
+                <a:spcPts val="0"/>
+              </a:spcAft>
+              <a:buSzPts val="1100"/>
+              <a:buFont typeface="Calibri"/>
+              <a:buChar char="●"/>
+            </a:pPr>
+            <a:r>
+              <a:rPr lang="en" sz="1100">
+                <a:latin typeface="Calibri"/>
+                <a:ea typeface="Calibri"/>
+                <a:cs typeface="Calibri"/>
+                <a:sym typeface="Calibri"/>
+              </a:rPr>
+              <a:t>Zhuang Rongwen, Director, Cyberspace Administration of China</a:t>
+            </a:r>
+            <a:endParaRPr sz="1100">
+              <a:latin typeface="Calibri"/>
+              <a:ea typeface="Calibri"/>
+              <a:cs typeface="Calibri"/>
+              <a:sym typeface="Calibri"/>
+            </a:endParaRPr>
+          </a:p>
+          <a:p>
+            <a:pPr marL="228600" lvl="0" indent="-127000" algn="l" rtl="0">
+              <a:spcBef>
+                <a:spcPts val="0"/>
+              </a:spcBef>
+              <a:spcAft>
+                <a:spcPts val="0"/>
+              </a:spcAft>
+              <a:buSzPts val="1100"/>
+              <a:buFont typeface="Calibri"/>
+              <a:buChar char="●"/>
+            </a:pPr>
+            <a:r>
+              <a:rPr lang="en" sz="1100">
+                <a:latin typeface="Calibri"/>
+                <a:ea typeface="Calibri"/>
+                <a:cs typeface="Calibri"/>
+                <a:sym typeface="Calibri"/>
+              </a:rPr>
+              <a:t>Mark Zuckerberg, CEO, Meta</a:t>
+            </a:r>
+            <a:endParaRPr sz="1100">
+              <a:latin typeface="Calibri"/>
+              <a:ea typeface="Calibri"/>
+              <a:cs typeface="Calibri"/>
+              <a:sym typeface="Calibri"/>
+            </a:endParaRPr>
+          </a:p>
+          <a:p>
+            <a:pPr marL="228600" lvl="0" indent="-127000" algn="l" rtl="0">
+              <a:spcBef>
+                <a:spcPts val="0"/>
+              </a:spcBef>
+              <a:spcAft>
+                <a:spcPts val="0"/>
+              </a:spcAft>
+              <a:buSzPts val="1100"/>
+              <a:buFont typeface="Calibri"/>
+              <a:buChar char="●"/>
+            </a:pPr>
+            <a:r>
+              <a:rPr lang="en" sz="1100">
+                <a:latin typeface="Calibri"/>
+                <a:ea typeface="Calibri"/>
+                <a:cs typeface="Calibri"/>
+                <a:sym typeface="Calibri"/>
+              </a:rPr>
+              <a:t>Demis Hassabis, CEO and co-founder, Google DeepMind</a:t>
+            </a:r>
+            <a:endParaRPr sz="1100">
+              <a:latin typeface="Calibri"/>
+              <a:ea typeface="Calibri"/>
+              <a:cs typeface="Calibri"/>
+              <a:sym typeface="Calibri"/>
+            </a:endParaRPr>
+          </a:p>
+          <a:p>
+            <a:pPr marL="228600" lvl="0" indent="-127000" algn="l" rtl="0">
+              <a:spcBef>
+                <a:spcPts val="0"/>
+              </a:spcBef>
+              <a:spcAft>
+                <a:spcPts val="0"/>
+              </a:spcAft>
+              <a:buSzPts val="1100"/>
+              <a:buFont typeface="Calibri"/>
+              <a:buChar char="●"/>
+            </a:pPr>
+            <a:r>
+              <a:rPr lang="en" sz="1100">
+                <a:latin typeface="Calibri"/>
+                <a:ea typeface="Calibri"/>
+                <a:cs typeface="Calibri"/>
+                <a:sym typeface="Calibri"/>
+              </a:rPr>
+              <a:t>...</a:t>
+            </a:r>
+            <a:endParaRPr sz="1100">
+              <a:latin typeface="Calibri"/>
+              <a:ea typeface="Calibri"/>
+              <a:cs typeface="Calibri"/>
+              <a:sym typeface="Calibri"/>
+            </a:endParaRPr>
+          </a:p>
         </p:txBody>
       </p:sp>
       <p:sp>
         <p:nvSpPr>
-          <p:cNvPr id="158" name="Google Shape;158;p23"/>
+          <p:cNvPr id="160" name="Google Shape;160;p23"/>
           <p:cNvSpPr txBox="1"/>
           <p:nvPr/>
         </p:nvSpPr>
         <p:spPr>
           <a:xfrm>
-            <a:off x="56400" y="1447000"/>
-            <a:ext cx="4515600" cy="418500"/>
+            <a:off x="4621225" y="430486"/>
+            <a:ext cx="4451100" cy="2388900"/>
           </a:xfrm>
           <a:prstGeom prst="rect">
             <a:avLst/>
@@ -11990,7 +12293,7 @@
               <a:buNone/>
             </a:pPr>
             <a:r>
-              <a:rPr lang="en" sz="1300" b="1">
+              <a:rPr lang="en" sz="1100" b="1">
                 <a:solidFill>
                   <a:srgbClr val="FF0000"/>
                 </a:solidFill>
@@ -11999,18 +12302,12 @@
                 <a:cs typeface="Calibri"/>
                 <a:sym typeface="Calibri"/>
               </a:rPr>
-              <a:t>RAG Best Practices - part 1</a:t>
-            </a:r>
-            <a:r>
-              <a:rPr lang="en" sz="1300">
-                <a:latin typeface="Calibri"/>
-                <a:ea typeface="Calibri"/>
-                <a:cs typeface="Calibri"/>
-                <a:sym typeface="Calibri"/>
-              </a:rPr>
-              <a:t> - chunking</a:t>
-            </a:r>
-            <a:endParaRPr sz="1300">
+              <a:t>Thinkers</a:t>
+            </a:r>
+            <a:endParaRPr sz="1100" b="1">
+              <a:solidFill>
+                <a:srgbClr val="FF0000"/>
+              </a:solidFill>
               <a:latin typeface="Calibri"/>
               <a:ea typeface="Calibri"/>
               <a:cs typeface="Calibri"/>
@@ -12018,73 +12315,332 @@
             </a:endParaRPr>
           </a:p>
           <a:p>
-            <a:pPr marL="0" lvl="0" indent="0" algn="l" rtl="0">
-              <a:spcBef>
-                <a:spcPts val="0"/>
-              </a:spcBef>
-              <a:spcAft>
-                <a:spcPts val="0"/>
-              </a:spcAft>
-              <a:buNone/>
-            </a:pPr>
-            <a:r>
-              <a:rPr lang="en" sz="1000" u="sng">
-                <a:solidFill>
-                  <a:schemeClr val="hlink"/>
-                </a:solidFill>
-                <a:latin typeface="Calibri"/>
-                <a:ea typeface="Calibri"/>
-                <a:cs typeface="Calibri"/>
-                <a:sym typeface="Calibri"/>
-                <a:hlinkClick r:id="rId5"/>
-              </a:rPr>
-              <a:t>https://www.youtube.com/watch?v=ZNcxMLBEydA</a:t>
-            </a:r>
-            <a:r>
-              <a:rPr lang="en" sz="1300">
-                <a:latin typeface="Calibri"/>
-                <a:ea typeface="Calibri"/>
-                <a:cs typeface="Calibri"/>
-                <a:sym typeface="Calibri"/>
-              </a:rPr>
-              <a:t> </a:t>
-            </a:r>
-            <a:endParaRPr sz="1300">
+            <a:pPr marL="228600" lvl="0" indent="-127000" algn="l" rtl="0">
+              <a:spcBef>
+                <a:spcPts val="0"/>
+              </a:spcBef>
+              <a:spcAft>
+                <a:spcPts val="0"/>
+              </a:spcAft>
+              <a:buSzPts val="1100"/>
+              <a:buFont typeface="Calibri"/>
+              <a:buChar char="●"/>
+            </a:pPr>
+            <a:r>
+              <a:rPr lang="en" sz="1100">
+                <a:latin typeface="Calibri"/>
+                <a:ea typeface="Calibri"/>
+                <a:cs typeface="Calibri"/>
+                <a:sym typeface="Calibri"/>
+              </a:rPr>
+              <a:t>Ray Kurzweil, Author. Principal Researcher and AI Visionary, Google</a:t>
+            </a:r>
+            <a:endParaRPr sz="1100">
               <a:latin typeface="Calibri"/>
               <a:ea typeface="Calibri"/>
               <a:cs typeface="Calibri"/>
               <a:sym typeface="Calibri"/>
             </a:endParaRPr>
           </a:p>
+          <a:p>
+            <a:pPr marL="228600" lvl="0" indent="-127000" algn="l" rtl="0">
+              <a:spcBef>
+                <a:spcPts val="0"/>
+              </a:spcBef>
+              <a:spcAft>
+                <a:spcPts val="0"/>
+              </a:spcAft>
+              <a:buSzPts val="1100"/>
+              <a:buFont typeface="Calibri"/>
+              <a:buChar char="●"/>
+            </a:pPr>
+            <a:r>
+              <a:rPr lang="en" sz="1100">
+                <a:latin typeface="Calibri"/>
+                <a:ea typeface="Calibri"/>
+                <a:cs typeface="Calibri"/>
+                <a:sym typeface="Calibri"/>
+              </a:rPr>
+              <a:t>Ilya Sutskever, Co-founder, Safe Superintelligence</a:t>
+            </a:r>
+            <a:endParaRPr sz="1100">
+              <a:latin typeface="Calibri"/>
+              <a:ea typeface="Calibri"/>
+              <a:cs typeface="Calibri"/>
+              <a:sym typeface="Calibri"/>
+            </a:endParaRPr>
+          </a:p>
+          <a:p>
+            <a:pPr marL="228600" lvl="0" indent="-127000" algn="l" rtl="0">
+              <a:spcBef>
+                <a:spcPts val="0"/>
+              </a:spcBef>
+              <a:spcAft>
+                <a:spcPts val="0"/>
+              </a:spcAft>
+              <a:buSzPts val="1100"/>
+              <a:buFont typeface="Calibri"/>
+              <a:buChar char="●"/>
+            </a:pPr>
+            <a:r>
+              <a:rPr lang="en" sz="1100">
+                <a:latin typeface="Calibri"/>
+                <a:ea typeface="Calibri"/>
+                <a:cs typeface="Calibri"/>
+                <a:sym typeface="Calibri"/>
+              </a:rPr>
+              <a:t>Albert Gu, Assistant professor, machine learning, Carnegie Mellon University / co-founder, Cartesia</a:t>
+            </a:r>
+            <a:endParaRPr sz="1100">
+              <a:latin typeface="Calibri"/>
+              <a:ea typeface="Calibri"/>
+              <a:cs typeface="Calibri"/>
+              <a:sym typeface="Calibri"/>
+            </a:endParaRPr>
+          </a:p>
+          <a:p>
+            <a:pPr marL="228600" lvl="0" indent="-127000" algn="l" rtl="0">
+              <a:spcBef>
+                <a:spcPts val="0"/>
+              </a:spcBef>
+              <a:spcAft>
+                <a:spcPts val="0"/>
+              </a:spcAft>
+              <a:buSzPts val="1100"/>
+              <a:buFont typeface="Calibri"/>
+              <a:buChar char="●"/>
+            </a:pPr>
+            <a:r>
+              <a:rPr lang="en" sz="1100">
+                <a:latin typeface="Calibri"/>
+                <a:ea typeface="Calibri"/>
+                <a:cs typeface="Calibri"/>
+                <a:sym typeface="Calibri"/>
+              </a:rPr>
+              <a:t>Andrej Karpathy, Founder, Eureka Labs</a:t>
+            </a:r>
+            <a:endParaRPr sz="1100">
+              <a:latin typeface="Calibri"/>
+              <a:ea typeface="Calibri"/>
+              <a:cs typeface="Calibri"/>
+              <a:sym typeface="Calibri"/>
+            </a:endParaRPr>
+          </a:p>
+          <a:p>
+            <a:pPr marL="228600" lvl="0" indent="-127000" algn="l" rtl="0">
+              <a:spcBef>
+                <a:spcPts val="0"/>
+              </a:spcBef>
+              <a:spcAft>
+                <a:spcPts val="0"/>
+              </a:spcAft>
+              <a:buSzPts val="1100"/>
+              <a:buFont typeface="Calibri"/>
+              <a:buChar char="●"/>
+            </a:pPr>
+            <a:r>
+              <a:rPr lang="en" sz="1100">
+                <a:latin typeface="Calibri"/>
+                <a:ea typeface="Calibri"/>
+                <a:cs typeface="Calibri"/>
+                <a:sym typeface="Calibri"/>
+              </a:rPr>
+              <a:t>Andrew Yao, Dean, Institute for Interdisciplinary Information Sciences, Tsinghua University</a:t>
+            </a:r>
+            <a:endParaRPr sz="1100">
+              <a:latin typeface="Calibri"/>
+              <a:ea typeface="Calibri"/>
+              <a:cs typeface="Calibri"/>
+              <a:sym typeface="Calibri"/>
+            </a:endParaRPr>
+          </a:p>
+          <a:p>
+            <a:pPr marL="228600" lvl="0" indent="-127000" algn="l" rtl="0">
+              <a:spcBef>
+                <a:spcPts val="0"/>
+              </a:spcBef>
+              <a:spcAft>
+                <a:spcPts val="0"/>
+              </a:spcAft>
+              <a:buSzPts val="1100"/>
+              <a:buFont typeface="Calibri"/>
+              <a:buChar char="●"/>
+            </a:pPr>
+            <a:r>
+              <a:rPr lang="en" sz="1100">
+                <a:latin typeface="Calibri"/>
+                <a:ea typeface="Calibri"/>
+                <a:cs typeface="Calibri"/>
+                <a:sym typeface="Calibri"/>
+              </a:rPr>
+              <a:t>Iason Gabriel, Research scientist, Google DeepMind</a:t>
+            </a:r>
+            <a:endParaRPr sz="1100">
+              <a:latin typeface="Calibri"/>
+              <a:ea typeface="Calibri"/>
+              <a:cs typeface="Calibri"/>
+              <a:sym typeface="Calibri"/>
+            </a:endParaRPr>
+          </a:p>
+          <a:p>
+            <a:pPr marL="228600" lvl="0" indent="-127000" algn="l" rtl="0">
+              <a:spcBef>
+                <a:spcPts val="0"/>
+              </a:spcBef>
+              <a:spcAft>
+                <a:spcPts val="0"/>
+              </a:spcAft>
+              <a:buSzPts val="1100"/>
+              <a:buFont typeface="Calibri"/>
+              <a:buChar char="●"/>
+            </a:pPr>
+            <a:r>
+              <a:rPr lang="en" sz="1100">
+                <a:latin typeface="Calibri"/>
+                <a:ea typeface="Calibri"/>
+                <a:cs typeface="Calibri"/>
+                <a:sym typeface="Calibri"/>
+              </a:rPr>
+              <a:t>Helen Toner, Former OpenAI board member</a:t>
+            </a:r>
+            <a:endParaRPr sz="1100">
+              <a:latin typeface="Calibri"/>
+              <a:ea typeface="Calibri"/>
+              <a:cs typeface="Calibri"/>
+              <a:sym typeface="Calibri"/>
+            </a:endParaRPr>
+          </a:p>
+          <a:p>
+            <a:pPr marL="228600" lvl="0" indent="-127000" algn="l" rtl="0">
+              <a:spcBef>
+                <a:spcPts val="0"/>
+              </a:spcBef>
+              <a:spcAft>
+                <a:spcPts val="0"/>
+              </a:spcAft>
+              <a:buSzPts val="1100"/>
+              <a:buFont typeface="Calibri"/>
+              <a:buChar char="●"/>
+            </a:pPr>
+            <a:r>
+              <a:rPr lang="en" sz="1100">
+                <a:latin typeface="Calibri"/>
+                <a:ea typeface="Calibri"/>
+                <a:cs typeface="Calibri"/>
+                <a:sym typeface="Calibri"/>
+              </a:rPr>
+              <a:t>Amanda Askell, Member of technical staff, Anthropic</a:t>
+            </a:r>
+            <a:endParaRPr sz="1100">
+              <a:latin typeface="Calibri"/>
+              <a:ea typeface="Calibri"/>
+              <a:cs typeface="Calibri"/>
+              <a:sym typeface="Calibri"/>
+            </a:endParaRPr>
+          </a:p>
+          <a:p>
+            <a:pPr marL="228600" lvl="0" indent="-127000" algn="l" rtl="0">
+              <a:spcBef>
+                <a:spcPts val="0"/>
+              </a:spcBef>
+              <a:spcAft>
+                <a:spcPts val="0"/>
+              </a:spcAft>
+              <a:buSzPts val="1100"/>
+              <a:buFont typeface="Calibri"/>
+              <a:buChar char="●"/>
+            </a:pPr>
+            <a:r>
+              <a:rPr lang="en" sz="1100">
+                <a:latin typeface="Calibri"/>
+                <a:ea typeface="Calibri"/>
+                <a:cs typeface="Calibri"/>
+                <a:sym typeface="Calibri"/>
+              </a:rPr>
+              <a:t>Jan Leike, Alignment Science Co-Lead, Anthropic</a:t>
+            </a:r>
+            <a:endParaRPr sz="1100">
+              <a:latin typeface="Calibri"/>
+              <a:ea typeface="Calibri"/>
+              <a:cs typeface="Calibri"/>
+              <a:sym typeface="Calibri"/>
+            </a:endParaRPr>
+          </a:p>
+          <a:p>
+            <a:pPr marL="228600" lvl="0" indent="-127000" algn="l" rtl="0">
+              <a:spcBef>
+                <a:spcPts val="0"/>
+              </a:spcBef>
+              <a:spcAft>
+                <a:spcPts val="0"/>
+              </a:spcAft>
+              <a:buSzPts val="1100"/>
+              <a:buFont typeface="Calibri"/>
+              <a:buChar char="●"/>
+            </a:pPr>
+            <a:r>
+              <a:rPr lang="en" sz="1100">
+                <a:latin typeface="Calibri"/>
+                <a:ea typeface="Calibri"/>
+                <a:cs typeface="Calibri"/>
+                <a:sym typeface="Calibri"/>
+              </a:rPr>
+              <a:t>Chris Olah, Co-founder, Anthropic</a:t>
+            </a:r>
+            <a:endParaRPr sz="1100">
+              <a:latin typeface="Calibri"/>
+              <a:ea typeface="Calibri"/>
+              <a:cs typeface="Calibri"/>
+              <a:sym typeface="Calibri"/>
+            </a:endParaRPr>
+          </a:p>
+          <a:p>
+            <a:pPr marL="228600" lvl="0" indent="-127000" algn="l" rtl="0">
+              <a:spcBef>
+                <a:spcPts val="0"/>
+              </a:spcBef>
+              <a:spcAft>
+                <a:spcPts val="0"/>
+              </a:spcAft>
+              <a:buSzPts val="1100"/>
+              <a:buFont typeface="Calibri"/>
+              <a:buChar char="●"/>
+            </a:pPr>
+            <a:r>
+              <a:rPr lang="en" sz="1100">
+                <a:latin typeface="Calibri"/>
+                <a:ea typeface="Calibri"/>
+                <a:cs typeface="Calibri"/>
+                <a:sym typeface="Calibri"/>
+              </a:rPr>
+              <a:t>...</a:t>
+            </a:r>
+            <a:endParaRPr sz="1100">
+              <a:latin typeface="Calibri"/>
+              <a:ea typeface="Calibri"/>
+              <a:cs typeface="Calibri"/>
+              <a:sym typeface="Calibri"/>
+            </a:endParaRPr>
+          </a:p>
         </p:txBody>
       </p:sp>
-      <p:pic>
-        <p:nvPicPr>
-          <p:cNvPr id="159" name="Google Shape;159;p23"/>
-          <p:cNvPicPr preferRelativeResize="0"/>
+      <p:sp>
+        <p:nvSpPr>
+          <p:cNvPr id="161" name="Google Shape;161;p23"/>
+          <p:cNvSpPr txBox="1"/>
           <p:nvPr/>
-        </p:nvPicPr>
-        <p:blipFill rotWithShape="1">
-          <a:blip r:embed="rId6" cstate="email">
-            <a:alphaModFix/>
-            <a:extLst>
-              <a:ext uri="{28A0092B-C50C-407E-A947-70E740481C1C}">
-                <a14:useLocalDpi xmlns:a14="http://schemas.microsoft.com/office/drawing/2010/main"/>
-              </a:ext>
-            </a:extLst>
-          </a:blip>
-          <a:srcRect/>
-          <a:stretch/>
-        </p:blipFill>
+        </p:nvSpPr>
         <p:spPr>
           <a:xfrm>
-            <a:off x="107050" y="2040025"/>
-            <a:ext cx="4414299" cy="2987976"/>
+            <a:off x="109875" y="2900600"/>
+            <a:ext cx="4451100" cy="2050200"/>
           </a:xfrm>
           <a:prstGeom prst="rect">
             <a:avLst/>
           </a:prstGeom>
-          <a:noFill/>
+          <a:solidFill>
+            <a:srgbClr val="FFF2CC"/>
+          </a:solidFill>
           <a:ln w="9525" cap="flat" cmpd="sng">
             <a:solidFill>
               <a:srgbClr val="FF0000"/>
@@ -12095,39 +12651,800 @@
             <a:tailEnd type="none" w="sm" len="sm"/>
           </a:ln>
         </p:spPr>
-      </p:pic>
-      <p:pic>
-        <p:nvPicPr>
-          <p:cNvPr id="160" name="Google Shape;160;p23"/>
-          <p:cNvPicPr preferRelativeResize="0"/>
+        <p:txBody>
+          <a:bodyPr spcFirstLastPara="1" wrap="square" lIns="9125" tIns="9125" rIns="9125" bIns="9125" anchor="t" anchorCtr="0">
+            <a:spAutoFit/>
+          </a:bodyPr>
+          <a:lstStyle/>
+          <a:p>
+            <a:pPr marL="0" lvl="0" indent="0" algn="l" rtl="0">
+              <a:spcBef>
+                <a:spcPts val="0"/>
+              </a:spcBef>
+              <a:spcAft>
+                <a:spcPts val="0"/>
+              </a:spcAft>
+              <a:buNone/>
+            </a:pPr>
+            <a:r>
+              <a:rPr lang="en" sz="1100" b="1">
+                <a:solidFill>
+                  <a:srgbClr val="FF0000"/>
+                </a:solidFill>
+                <a:latin typeface="Calibri"/>
+                <a:ea typeface="Calibri"/>
+                <a:cs typeface="Calibri"/>
+                <a:sym typeface="Calibri"/>
+              </a:rPr>
+              <a:t>Innovators</a:t>
+            </a:r>
+            <a:endParaRPr sz="1100" b="1">
+              <a:solidFill>
+                <a:srgbClr val="FF0000"/>
+              </a:solidFill>
+              <a:latin typeface="Calibri"/>
+              <a:ea typeface="Calibri"/>
+              <a:cs typeface="Calibri"/>
+              <a:sym typeface="Calibri"/>
+            </a:endParaRPr>
+          </a:p>
+          <a:p>
+            <a:pPr marL="228600" lvl="0" indent="-127000" algn="l" rtl="0">
+              <a:spcBef>
+                <a:spcPts val="0"/>
+              </a:spcBef>
+              <a:spcAft>
+                <a:spcPts val="0"/>
+              </a:spcAft>
+              <a:buSzPts val="1100"/>
+              <a:buFont typeface="Calibri"/>
+              <a:buChar char="●"/>
+            </a:pPr>
+            <a:r>
+              <a:rPr lang="en" sz="1100">
+                <a:latin typeface="Calibri"/>
+                <a:ea typeface="Calibri"/>
+                <a:cs typeface="Calibri"/>
+                <a:sym typeface="Calibri"/>
+              </a:rPr>
+              <a:t>Lisa Su, CEO, AMD</a:t>
+            </a:r>
+            <a:endParaRPr sz="1100">
+              <a:latin typeface="Calibri"/>
+              <a:ea typeface="Calibri"/>
+              <a:cs typeface="Calibri"/>
+              <a:sym typeface="Calibri"/>
+            </a:endParaRPr>
+          </a:p>
+          <a:p>
+            <a:pPr marL="228600" lvl="0" indent="-127000" algn="l" rtl="0">
+              <a:spcBef>
+                <a:spcPts val="0"/>
+              </a:spcBef>
+              <a:spcAft>
+                <a:spcPts val="0"/>
+              </a:spcAft>
+              <a:buSzPts val="1100"/>
+              <a:buFont typeface="Calibri"/>
+              <a:buChar char="●"/>
+            </a:pPr>
+            <a:r>
+              <a:rPr lang="en" sz="1100">
+                <a:latin typeface="Calibri"/>
+                <a:ea typeface="Calibri"/>
+                <a:cs typeface="Calibri"/>
+                <a:sym typeface="Calibri"/>
+              </a:rPr>
+              <a:t>Jonathan Ross, CEO, Groq</a:t>
+            </a:r>
+            <a:endParaRPr sz="1100">
+              <a:latin typeface="Calibri"/>
+              <a:ea typeface="Calibri"/>
+              <a:cs typeface="Calibri"/>
+              <a:sym typeface="Calibri"/>
+            </a:endParaRPr>
+          </a:p>
+          <a:p>
+            <a:pPr marL="228600" lvl="0" indent="-127000" algn="l" rtl="0">
+              <a:spcBef>
+                <a:spcPts val="0"/>
+              </a:spcBef>
+              <a:spcAft>
+                <a:spcPts val="0"/>
+              </a:spcAft>
+              <a:buSzPts val="1100"/>
+              <a:buFont typeface="Calibri"/>
+              <a:buChar char="●"/>
+            </a:pPr>
+            <a:r>
+              <a:rPr lang="en" sz="1100">
+                <a:latin typeface="Calibri"/>
+                <a:ea typeface="Calibri"/>
+                <a:cs typeface="Calibri"/>
+                <a:sym typeface="Calibri"/>
+              </a:rPr>
+              <a:t>Victor Riparbelli, CEO, Synthesia</a:t>
+            </a:r>
+            <a:endParaRPr sz="1100">
+              <a:latin typeface="Calibri"/>
+              <a:ea typeface="Calibri"/>
+              <a:cs typeface="Calibri"/>
+              <a:sym typeface="Calibri"/>
+            </a:endParaRPr>
+          </a:p>
+          <a:p>
+            <a:pPr marL="228600" lvl="0" indent="-127000" algn="l" rtl="0">
+              <a:spcBef>
+                <a:spcPts val="0"/>
+              </a:spcBef>
+              <a:spcAft>
+                <a:spcPts val="0"/>
+              </a:spcAft>
+              <a:buSzPts val="1100"/>
+              <a:buFont typeface="Calibri"/>
+              <a:buChar char="●"/>
+            </a:pPr>
+            <a:r>
+              <a:rPr lang="en" sz="1100">
+                <a:latin typeface="Calibri"/>
+                <a:ea typeface="Calibri"/>
+                <a:cs typeface="Calibri"/>
+                <a:sym typeface="Calibri"/>
+              </a:rPr>
+              <a:t>Aravind Srinivas, CEO, Perplexity</a:t>
+            </a:r>
+            <a:endParaRPr sz="1100">
+              <a:latin typeface="Calibri"/>
+              <a:ea typeface="Calibri"/>
+              <a:cs typeface="Calibri"/>
+              <a:sym typeface="Calibri"/>
+            </a:endParaRPr>
+          </a:p>
+          <a:p>
+            <a:pPr marL="228600" lvl="0" indent="-127000" algn="l" rtl="0">
+              <a:spcBef>
+                <a:spcPts val="0"/>
+              </a:spcBef>
+              <a:spcAft>
+                <a:spcPts val="0"/>
+              </a:spcAft>
+              <a:buSzPts val="1100"/>
+              <a:buFont typeface="Calibri"/>
+              <a:buChar char="●"/>
+            </a:pPr>
+            <a:r>
+              <a:rPr lang="en" sz="1100">
+                <a:latin typeface="Calibri"/>
+                <a:ea typeface="Calibri"/>
+                <a:cs typeface="Calibri"/>
+                <a:sym typeface="Calibri"/>
+              </a:rPr>
+              <a:t>Daphne Koller, Founder and CEO, Insitro</a:t>
+            </a:r>
+            <a:endParaRPr sz="1100">
+              <a:latin typeface="Calibri"/>
+              <a:ea typeface="Calibri"/>
+              <a:cs typeface="Calibri"/>
+              <a:sym typeface="Calibri"/>
+            </a:endParaRPr>
+          </a:p>
+          <a:p>
+            <a:pPr marL="228600" lvl="0" indent="-127000" algn="l" rtl="0">
+              <a:spcBef>
+                <a:spcPts val="0"/>
+              </a:spcBef>
+              <a:spcAft>
+                <a:spcPts val="0"/>
+              </a:spcAft>
+              <a:buSzPts val="1100"/>
+              <a:buFont typeface="Calibri"/>
+              <a:buChar char="●"/>
+            </a:pPr>
+            <a:r>
+              <a:rPr lang="en" sz="1100">
+                <a:latin typeface="Calibri"/>
+                <a:ea typeface="Calibri"/>
+                <a:cs typeface="Calibri"/>
+                <a:sym typeface="Calibri"/>
+              </a:rPr>
+              <a:t>Sarah Gurev, Co-lead author on the EveScape project</a:t>
+            </a:r>
+            <a:endParaRPr sz="1100">
+              <a:latin typeface="Calibri"/>
+              <a:ea typeface="Calibri"/>
+              <a:cs typeface="Calibri"/>
+              <a:sym typeface="Calibri"/>
+            </a:endParaRPr>
+          </a:p>
+          <a:p>
+            <a:pPr marL="228600" lvl="0" indent="-127000" algn="l" rtl="0">
+              <a:spcBef>
+                <a:spcPts val="0"/>
+              </a:spcBef>
+              <a:spcAft>
+                <a:spcPts val="0"/>
+              </a:spcAft>
+              <a:buSzPts val="1100"/>
+              <a:buFont typeface="Calibri"/>
+              <a:buChar char="●"/>
+            </a:pPr>
+            <a:r>
+              <a:rPr lang="en" sz="1100">
+                <a:latin typeface="Calibri"/>
+                <a:ea typeface="Calibri"/>
+                <a:cs typeface="Calibri"/>
+                <a:sym typeface="Calibri"/>
+              </a:rPr>
+              <a:t>Mustafa Suleyman, CEO, Microsoft AI</a:t>
+            </a:r>
+            <a:endParaRPr sz="1100">
+              <a:latin typeface="Calibri"/>
+              <a:ea typeface="Calibri"/>
+              <a:cs typeface="Calibri"/>
+              <a:sym typeface="Calibri"/>
+            </a:endParaRPr>
+          </a:p>
+          <a:p>
+            <a:pPr marL="228600" lvl="0" indent="-127000" algn="l" rtl="0">
+              <a:spcBef>
+                <a:spcPts val="0"/>
+              </a:spcBef>
+              <a:spcAft>
+                <a:spcPts val="0"/>
+              </a:spcAft>
+              <a:buSzPts val="1100"/>
+              <a:buFont typeface="Calibri"/>
+              <a:buChar char="●"/>
+            </a:pPr>
+            <a:r>
+              <a:rPr lang="en" sz="1100">
+                <a:latin typeface="Calibri"/>
+                <a:ea typeface="Calibri"/>
+                <a:cs typeface="Calibri"/>
+                <a:sym typeface="Calibri"/>
+              </a:rPr>
+              <a:t>Shiv Rao, Co-founder and CEO, Abridge</a:t>
+            </a:r>
+            <a:endParaRPr sz="1100">
+              <a:latin typeface="Calibri"/>
+              <a:ea typeface="Calibri"/>
+              <a:cs typeface="Calibri"/>
+              <a:sym typeface="Calibri"/>
+            </a:endParaRPr>
+          </a:p>
+          <a:p>
+            <a:pPr marL="228600" lvl="0" indent="-127000" algn="l" rtl="0">
+              <a:spcBef>
+                <a:spcPts val="0"/>
+              </a:spcBef>
+              <a:spcAft>
+                <a:spcPts val="0"/>
+              </a:spcAft>
+              <a:buSzPts val="1100"/>
+              <a:buFont typeface="Calibri"/>
+              <a:buChar char="●"/>
+            </a:pPr>
+            <a:r>
+              <a:rPr lang="en" sz="1100">
+                <a:latin typeface="Calibri"/>
+                <a:ea typeface="Calibri"/>
+                <a:cs typeface="Calibri"/>
+                <a:sym typeface="Calibri"/>
+              </a:rPr>
+              <a:t>Zack Dvey-Aharon, Co-founder and CEO, AEYE Health</a:t>
+            </a:r>
+            <a:endParaRPr sz="1100">
+              <a:latin typeface="Calibri"/>
+              <a:ea typeface="Calibri"/>
+              <a:cs typeface="Calibri"/>
+              <a:sym typeface="Calibri"/>
+            </a:endParaRPr>
+          </a:p>
+          <a:p>
+            <a:pPr marL="228600" lvl="0" indent="-127000" algn="l" rtl="0">
+              <a:spcBef>
+                <a:spcPts val="0"/>
+              </a:spcBef>
+              <a:spcAft>
+                <a:spcPts val="0"/>
+              </a:spcAft>
+              <a:buSzPts val="1100"/>
+              <a:buFont typeface="Calibri"/>
+              <a:buChar char="●"/>
+            </a:pPr>
+            <a:r>
+              <a:rPr lang="en" sz="1100">
+                <a:latin typeface="Calibri"/>
+                <a:ea typeface="Calibri"/>
+                <a:cs typeface="Calibri"/>
+                <a:sym typeface="Calibri"/>
+              </a:rPr>
+              <a:t>Mira Murati, Chief Technology Officer, OpenAI</a:t>
+            </a:r>
+            <a:endParaRPr sz="1100">
+              <a:latin typeface="Calibri"/>
+              <a:ea typeface="Calibri"/>
+              <a:cs typeface="Calibri"/>
+              <a:sym typeface="Calibri"/>
+            </a:endParaRPr>
+          </a:p>
+          <a:p>
+            <a:pPr marL="228600" lvl="0" indent="-127000" algn="l" rtl="0">
+              <a:spcBef>
+                <a:spcPts val="0"/>
+              </a:spcBef>
+              <a:spcAft>
+                <a:spcPts val="0"/>
+              </a:spcAft>
+              <a:buSzPts val="1100"/>
+              <a:buFont typeface="Calibri"/>
+              <a:buChar char="●"/>
+            </a:pPr>
+            <a:r>
+              <a:rPr lang="en" sz="1100">
+                <a:latin typeface="Calibri"/>
+                <a:ea typeface="Calibri"/>
+                <a:cs typeface="Calibri"/>
+                <a:sym typeface="Calibri"/>
+              </a:rPr>
+              <a:t>...</a:t>
+            </a:r>
+            <a:endParaRPr sz="1100">
+              <a:latin typeface="Calibri"/>
+              <a:ea typeface="Calibri"/>
+              <a:cs typeface="Calibri"/>
+              <a:sym typeface="Calibri"/>
+            </a:endParaRPr>
+          </a:p>
+        </p:txBody>
+      </p:sp>
+      <p:sp>
+        <p:nvSpPr>
+          <p:cNvPr id="162" name="Google Shape;162;p23"/>
+          <p:cNvSpPr txBox="1"/>
           <p:nvPr/>
-        </p:nvPicPr>
-        <p:blipFill rotWithShape="1">
-          <a:blip r:embed="rId7" cstate="email">
-            <a:alphaModFix/>
-            <a:extLst>
-              <a:ext uri="{28A0092B-C50C-407E-A947-70E740481C1C}">
-                <a14:useLocalDpi xmlns:a14="http://schemas.microsoft.com/office/drawing/2010/main"/>
-              </a:ext>
-            </a:extLst>
-          </a:blip>
-          <a:srcRect/>
-          <a:stretch/>
-        </p:blipFill>
+        </p:nvSpPr>
         <p:spPr>
           <a:xfrm>
-            <a:off x="4820225" y="445275"/>
-            <a:ext cx="2061725" cy="768650"/>
+            <a:off x="109875" y="384600"/>
+            <a:ext cx="2670300" cy="156900"/>
           </a:xfrm>
           <a:prstGeom prst="rect">
             <a:avLst/>
           </a:prstGeom>
-          <a:noFill/>
-          <a:ln>
-            <a:noFill/>
+          <a:solidFill>
+            <a:srgbClr val="FFF2CC"/>
+          </a:solidFill>
+          <a:ln w="9525" cap="flat" cmpd="sng">
+            <a:solidFill>
+              <a:srgbClr val="FF0000"/>
+            </a:solidFill>
+            <a:prstDash val="solid"/>
+            <a:round/>
+            <a:headEnd type="none" w="sm" len="sm"/>
+            <a:tailEnd type="none" w="sm" len="sm"/>
           </a:ln>
         </p:spPr>
-      </p:pic>
+        <p:txBody>
+          <a:bodyPr spcFirstLastPara="1" wrap="square" lIns="9125" tIns="9125" rIns="9125" bIns="9125" anchor="t" anchorCtr="0">
+            <a:spAutoFit/>
+          </a:bodyPr>
+          <a:lstStyle/>
+          <a:p>
+            <a:pPr marL="0" lvl="0" indent="0" algn="l" rtl="0">
+              <a:spcBef>
+                <a:spcPts val="0"/>
+              </a:spcBef>
+              <a:spcAft>
+                <a:spcPts val="0"/>
+              </a:spcAft>
+              <a:buNone/>
+            </a:pPr>
+            <a:r>
+              <a:rPr lang="en" sz="900" u="sng">
+                <a:solidFill>
+                  <a:schemeClr val="hlink"/>
+                </a:solidFill>
+                <a:latin typeface="Calibri"/>
+                <a:ea typeface="Calibri"/>
+                <a:cs typeface="Calibri"/>
+                <a:sym typeface="Calibri"/>
+                <a:hlinkClick r:id="rId3"/>
+              </a:rPr>
+              <a:t>https://time.com/collection/time100-ai-2024/</a:t>
+            </a:r>
+            <a:r>
+              <a:rPr lang="en" sz="900">
+                <a:latin typeface="Calibri"/>
+                <a:ea typeface="Calibri"/>
+                <a:cs typeface="Calibri"/>
+                <a:sym typeface="Calibri"/>
+              </a:rPr>
+              <a:t> </a:t>
+            </a:r>
+            <a:endParaRPr sz="900">
+              <a:latin typeface="Calibri"/>
+              <a:ea typeface="Calibri"/>
+              <a:cs typeface="Calibri"/>
+              <a:sym typeface="Calibri"/>
+            </a:endParaRPr>
+          </a:p>
+        </p:txBody>
+      </p:sp>
+      <p:sp>
+        <p:nvSpPr>
+          <p:cNvPr id="163" name="Google Shape;163;p23"/>
+          <p:cNvSpPr txBox="1"/>
+          <p:nvPr/>
+        </p:nvSpPr>
+        <p:spPr>
+          <a:xfrm>
+            <a:off x="4621225" y="2880086"/>
+            <a:ext cx="4451100" cy="2050200"/>
+          </a:xfrm>
+          <a:prstGeom prst="rect">
+            <a:avLst/>
+          </a:prstGeom>
+          <a:solidFill>
+            <a:srgbClr val="FFF2CC"/>
+          </a:solidFill>
+          <a:ln w="9525" cap="flat" cmpd="sng">
+            <a:solidFill>
+              <a:srgbClr val="FF0000"/>
+            </a:solidFill>
+            <a:prstDash val="solid"/>
+            <a:round/>
+            <a:headEnd type="none" w="sm" len="sm"/>
+            <a:tailEnd type="none" w="sm" len="sm"/>
+          </a:ln>
+        </p:spPr>
+        <p:txBody>
+          <a:bodyPr spcFirstLastPara="1" wrap="square" lIns="9125" tIns="9125" rIns="9125" bIns="9125" anchor="t" anchorCtr="0">
+            <a:spAutoFit/>
+          </a:bodyPr>
+          <a:lstStyle/>
+          <a:p>
+            <a:pPr marL="0" lvl="0" indent="0" algn="l" rtl="0">
+              <a:spcBef>
+                <a:spcPts val="0"/>
+              </a:spcBef>
+              <a:spcAft>
+                <a:spcPts val="0"/>
+              </a:spcAft>
+              <a:buNone/>
+            </a:pPr>
+            <a:r>
+              <a:rPr lang="en" sz="1100" b="1">
+                <a:solidFill>
+                  <a:srgbClr val="FF0000"/>
+                </a:solidFill>
+                <a:latin typeface="Calibri"/>
+                <a:ea typeface="Calibri"/>
+                <a:cs typeface="Calibri"/>
+                <a:sym typeface="Calibri"/>
+              </a:rPr>
+              <a:t>Shapers</a:t>
+            </a:r>
+            <a:endParaRPr sz="1100" b="1">
+              <a:solidFill>
+                <a:srgbClr val="FF0000"/>
+              </a:solidFill>
+              <a:latin typeface="Calibri"/>
+              <a:ea typeface="Calibri"/>
+              <a:cs typeface="Calibri"/>
+              <a:sym typeface="Calibri"/>
+            </a:endParaRPr>
+          </a:p>
+          <a:p>
+            <a:pPr marL="228600" lvl="0" indent="-127000" algn="l" rtl="0">
+              <a:spcBef>
+                <a:spcPts val="0"/>
+              </a:spcBef>
+              <a:spcAft>
+                <a:spcPts val="0"/>
+              </a:spcAft>
+              <a:buSzPts val="1100"/>
+              <a:buFont typeface="Calibri"/>
+              <a:buChar char="●"/>
+            </a:pPr>
+            <a:r>
+              <a:rPr lang="en" sz="1100">
+                <a:latin typeface="Calibri"/>
+                <a:ea typeface="Calibri"/>
+                <a:cs typeface="Calibri"/>
+                <a:sym typeface="Calibri"/>
+              </a:rPr>
+              <a:t>Amandeep Singh Gill, UN Secretary-General's Envoy on Technology</a:t>
+            </a:r>
+            <a:endParaRPr sz="1100">
+              <a:latin typeface="Calibri"/>
+              <a:ea typeface="Calibri"/>
+              <a:cs typeface="Calibri"/>
+              <a:sym typeface="Calibri"/>
+            </a:endParaRPr>
+          </a:p>
+          <a:p>
+            <a:pPr marL="228600" lvl="0" indent="-127000" algn="l" rtl="0">
+              <a:spcBef>
+                <a:spcPts val="0"/>
+              </a:spcBef>
+              <a:spcAft>
+                <a:spcPts val="0"/>
+              </a:spcAft>
+              <a:buSzPts val="1100"/>
+              <a:buFont typeface="Calibri"/>
+              <a:buChar char="●"/>
+            </a:pPr>
+            <a:r>
+              <a:rPr lang="en" sz="1100">
+                <a:latin typeface="Calibri"/>
+                <a:ea typeface="Calibri"/>
+                <a:cs typeface="Calibri"/>
+                <a:sym typeface="Calibri"/>
+              </a:rPr>
+              <a:t>Francesca Mani, Anti-deepfake activist</a:t>
+            </a:r>
+            <a:endParaRPr sz="1100">
+              <a:latin typeface="Calibri"/>
+              <a:ea typeface="Calibri"/>
+              <a:cs typeface="Calibri"/>
+              <a:sym typeface="Calibri"/>
+            </a:endParaRPr>
+          </a:p>
+          <a:p>
+            <a:pPr marL="228600" lvl="0" indent="-127000" algn="l" rtl="0">
+              <a:spcBef>
+                <a:spcPts val="0"/>
+              </a:spcBef>
+              <a:spcAft>
+                <a:spcPts val="0"/>
+              </a:spcAft>
+              <a:buSzPts val="1100"/>
+              <a:buFont typeface="Calibri"/>
+              <a:buChar char="●"/>
+            </a:pPr>
+            <a:r>
+              <a:rPr lang="en" sz="1100">
+                <a:latin typeface="Calibri"/>
+                <a:ea typeface="Calibri"/>
+                <a:cs typeface="Calibri"/>
+                <a:sym typeface="Calibri"/>
+              </a:rPr>
+              <a:t>Thierry Breton, European Commissioner for Internal Market</a:t>
+            </a:r>
+            <a:endParaRPr sz="1100">
+              <a:latin typeface="Calibri"/>
+              <a:ea typeface="Calibri"/>
+              <a:cs typeface="Calibri"/>
+              <a:sym typeface="Calibri"/>
+            </a:endParaRPr>
+          </a:p>
+          <a:p>
+            <a:pPr marL="228600" lvl="0" indent="-127000" algn="l" rtl="0">
+              <a:spcBef>
+                <a:spcPts val="0"/>
+              </a:spcBef>
+              <a:spcAft>
+                <a:spcPts val="0"/>
+              </a:spcAft>
+              <a:buSzPts val="1100"/>
+              <a:buFont typeface="Calibri"/>
+              <a:buChar char="●"/>
+            </a:pPr>
+            <a:r>
+              <a:rPr lang="en" sz="1100">
+                <a:latin typeface="Calibri"/>
+                <a:ea typeface="Calibri"/>
+                <a:cs typeface="Calibri"/>
+                <a:sym typeface="Calibri"/>
+              </a:rPr>
+              <a:t>Yasir Al-Rumayyan, Governor of Saudi Arabia’s Public Investment Fund</a:t>
+            </a:r>
+            <a:endParaRPr sz="1100">
+              <a:latin typeface="Calibri"/>
+              <a:ea typeface="Calibri"/>
+              <a:cs typeface="Calibri"/>
+              <a:sym typeface="Calibri"/>
+            </a:endParaRPr>
+          </a:p>
+          <a:p>
+            <a:pPr marL="228600" lvl="0" indent="-127000" algn="l" rtl="0">
+              <a:spcBef>
+                <a:spcPts val="0"/>
+              </a:spcBef>
+              <a:spcAft>
+                <a:spcPts val="0"/>
+              </a:spcAft>
+              <a:buSzPts val="1100"/>
+              <a:buFont typeface="Calibri"/>
+              <a:buChar char="●"/>
+            </a:pPr>
+            <a:r>
+              <a:rPr lang="en" sz="1100">
+                <a:latin typeface="Calibri"/>
+                <a:ea typeface="Calibri"/>
+                <a:cs typeface="Calibri"/>
+                <a:sym typeface="Calibri"/>
+              </a:rPr>
+              <a:t>Gina Raimondo, Secretary of Commerce, United States of America</a:t>
+            </a:r>
+            <a:endParaRPr sz="1100">
+              <a:latin typeface="Calibri"/>
+              <a:ea typeface="Calibri"/>
+              <a:cs typeface="Calibri"/>
+              <a:sym typeface="Calibri"/>
+            </a:endParaRPr>
+          </a:p>
+          <a:p>
+            <a:pPr marL="228600" lvl="0" indent="-127000" algn="l" rtl="0">
+              <a:spcBef>
+                <a:spcPts val="0"/>
+              </a:spcBef>
+              <a:spcAft>
+                <a:spcPts val="0"/>
+              </a:spcAft>
+              <a:buSzPts val="1100"/>
+              <a:buFont typeface="Calibri"/>
+              <a:buChar char="●"/>
+            </a:pPr>
+            <a:r>
+              <a:rPr lang="en" sz="1100">
+                <a:latin typeface="Calibri"/>
+                <a:ea typeface="Calibri"/>
+                <a:cs typeface="Calibri"/>
+                <a:sym typeface="Calibri"/>
+              </a:rPr>
+              <a:t>Arati Prabhakar, Director, U.S. Office of Science and Technology Policy</a:t>
+            </a:r>
+            <a:endParaRPr sz="1100">
+              <a:latin typeface="Calibri"/>
+              <a:ea typeface="Calibri"/>
+              <a:cs typeface="Calibri"/>
+              <a:sym typeface="Calibri"/>
+            </a:endParaRPr>
+          </a:p>
+          <a:p>
+            <a:pPr marL="228600" lvl="0" indent="-127000" algn="l" rtl="0">
+              <a:spcBef>
+                <a:spcPts val="0"/>
+              </a:spcBef>
+              <a:spcAft>
+                <a:spcPts val="0"/>
+              </a:spcAft>
+              <a:buSzPts val="1100"/>
+              <a:buFont typeface="Calibri"/>
+              <a:buChar char="●"/>
+            </a:pPr>
+            <a:r>
+              <a:rPr lang="en" sz="1100">
+                <a:latin typeface="Calibri"/>
+                <a:ea typeface="Calibri"/>
+                <a:cs typeface="Calibri"/>
+                <a:sym typeface="Calibri"/>
+              </a:rPr>
+              <a:t>Meredith Stiehm, President, Writers Guild of America West</a:t>
+            </a:r>
+            <a:endParaRPr sz="1100">
+              <a:latin typeface="Calibri"/>
+              <a:ea typeface="Calibri"/>
+              <a:cs typeface="Calibri"/>
+              <a:sym typeface="Calibri"/>
+            </a:endParaRPr>
+          </a:p>
+          <a:p>
+            <a:pPr marL="228600" lvl="0" indent="-127000" algn="l" rtl="0">
+              <a:spcBef>
+                <a:spcPts val="0"/>
+              </a:spcBef>
+              <a:spcAft>
+                <a:spcPts val="0"/>
+              </a:spcAft>
+              <a:buSzPts val="1100"/>
+              <a:buFont typeface="Calibri"/>
+              <a:buChar char="●"/>
+            </a:pPr>
+            <a:r>
+              <a:rPr lang="en" sz="1100">
+                <a:latin typeface="Calibri"/>
+                <a:ea typeface="Calibri"/>
+                <a:cs typeface="Calibri"/>
+                <a:sym typeface="Calibri"/>
+              </a:rPr>
+              <a:t>Matt Topic, Partner, Loevy &amp; Loevy</a:t>
+            </a:r>
+            <a:endParaRPr sz="1100">
+              <a:latin typeface="Calibri"/>
+              <a:ea typeface="Calibri"/>
+              <a:cs typeface="Calibri"/>
+              <a:sym typeface="Calibri"/>
+            </a:endParaRPr>
+          </a:p>
+          <a:p>
+            <a:pPr marL="228600" lvl="0" indent="-127000" algn="l" rtl="0">
+              <a:spcBef>
+                <a:spcPts val="0"/>
+              </a:spcBef>
+              <a:spcAft>
+                <a:spcPts val="0"/>
+              </a:spcAft>
+              <a:buSzPts val="1100"/>
+              <a:buFont typeface="Calibri"/>
+              <a:buChar char="●"/>
+            </a:pPr>
+            <a:r>
+              <a:rPr lang="en" sz="1100">
+                <a:latin typeface="Calibri"/>
+                <a:ea typeface="Calibri"/>
+                <a:cs typeface="Calibri"/>
+                <a:sym typeface="Calibri"/>
+              </a:rPr>
+              <a:t>Mophat Okinyi, Chairperson, Content Moderators Union</a:t>
+            </a:r>
+            <a:endParaRPr sz="1100">
+              <a:latin typeface="Calibri"/>
+              <a:ea typeface="Calibri"/>
+              <a:cs typeface="Calibri"/>
+              <a:sym typeface="Calibri"/>
+            </a:endParaRPr>
+          </a:p>
+          <a:p>
+            <a:pPr marL="228600" lvl="0" indent="-127000" algn="l" rtl="0">
+              <a:spcBef>
+                <a:spcPts val="0"/>
+              </a:spcBef>
+              <a:spcAft>
+                <a:spcPts val="0"/>
+              </a:spcAft>
+              <a:buSzPts val="1100"/>
+              <a:buFont typeface="Calibri"/>
+              <a:buChar char="●"/>
+            </a:pPr>
+            <a:r>
+              <a:rPr lang="en" sz="1100">
+                <a:latin typeface="Calibri"/>
+                <a:ea typeface="Calibri"/>
+                <a:cs typeface="Calibri"/>
+                <a:sym typeface="Calibri"/>
+              </a:rPr>
+              <a:t>Elizabeth Kelly, Director, US Artificial Intelligence Safety Institute</a:t>
+            </a:r>
+            <a:endParaRPr sz="1100">
+              <a:latin typeface="Calibri"/>
+              <a:ea typeface="Calibri"/>
+              <a:cs typeface="Calibri"/>
+              <a:sym typeface="Calibri"/>
+            </a:endParaRPr>
+          </a:p>
+          <a:p>
+            <a:pPr marL="228600" lvl="0" indent="-127000" algn="l" rtl="0">
+              <a:spcBef>
+                <a:spcPts val="0"/>
+              </a:spcBef>
+              <a:spcAft>
+                <a:spcPts val="0"/>
+              </a:spcAft>
+              <a:buSzPts val="1100"/>
+              <a:buFont typeface="Calibri"/>
+              <a:buChar char="●"/>
+            </a:pPr>
+            <a:r>
+              <a:rPr lang="en" sz="1100">
+                <a:latin typeface="Calibri"/>
+                <a:ea typeface="Calibri"/>
+                <a:cs typeface="Calibri"/>
+                <a:sym typeface="Calibri"/>
+              </a:rPr>
+              <a:t>...</a:t>
+            </a:r>
+            <a:endParaRPr sz="1100">
+              <a:latin typeface="Calibri"/>
+              <a:ea typeface="Calibri"/>
+              <a:cs typeface="Calibri"/>
+              <a:sym typeface="Calibri"/>
+            </a:endParaRPr>
+          </a:p>
+        </p:txBody>
+      </p:sp>
     </p:spTree>
   </p:cSld>
   <p:clrMapOvr>
@@ -12141,7 +13458,7 @@
   <p:cSld>
     <p:spTree>
       <p:nvGrpSpPr>
-        <p:cNvPr id="1" name="Shape 164"/>
+        <p:cNvPr id="1" name="Shape 167"/>
         <p:cNvGrpSpPr/>
         <p:nvPr/>
       </p:nvGrpSpPr>
@@ -12155,7 +13472,7 @@
       </p:grpSpPr>
       <p:sp>
         <p:nvSpPr>
-          <p:cNvPr id="165" name="Google Shape;165;p24"/>
+          <p:cNvPr id="168" name="Google Shape;168;p24"/>
           <p:cNvSpPr txBox="1"/>
           <p:nvPr/>
         </p:nvSpPr>
@@ -12316,7 +13633,7 @@
       </p:sp>
       <p:sp>
         <p:nvSpPr>
-          <p:cNvPr id="166" name="Google Shape;166;p24"/>
+          <p:cNvPr id="169" name="Google Shape;169;p24"/>
           <p:cNvSpPr txBox="1"/>
           <p:nvPr/>
         </p:nvSpPr>
@@ -12430,7 +13747,7 @@
       </p:sp>
       <p:sp>
         <p:nvSpPr>
-          <p:cNvPr id="167" name="Google Shape;167;p24"/>
+          <p:cNvPr id="170" name="Google Shape;170;p24"/>
           <p:cNvSpPr txBox="1"/>
           <p:nvPr/>
         </p:nvSpPr>
@@ -12496,7 +13813,7 @@
       </p:sp>
       <p:sp>
         <p:nvSpPr>
-          <p:cNvPr id="168" name="Google Shape;168;p24"/>
+          <p:cNvPr id="171" name="Google Shape;171;p24"/>
           <p:cNvSpPr txBox="1"/>
           <p:nvPr/>
         </p:nvSpPr>
@@ -12587,7 +13904,7 @@
       </p:sp>
       <p:sp>
         <p:nvSpPr>
-          <p:cNvPr id="169" name="Google Shape;169;p24"/>
+          <p:cNvPr id="172" name="Google Shape;172;p24"/>
           <p:cNvSpPr txBox="1"/>
           <p:nvPr/>
         </p:nvSpPr>
@@ -12661,7 +13978,7 @@
       </p:sp>
       <p:sp>
         <p:nvSpPr>
-          <p:cNvPr id="170" name="Google Shape;170;p24"/>
+          <p:cNvPr id="173" name="Google Shape;173;p24"/>
           <p:cNvSpPr/>
           <p:nvPr/>
         </p:nvSpPr>
@@ -12707,7 +14024,7 @@
       </p:sp>
       <p:sp>
         <p:nvSpPr>
-          <p:cNvPr id="171" name="Google Shape;171;p24"/>
+          <p:cNvPr id="174" name="Google Shape;174;p24"/>
           <p:cNvSpPr/>
           <p:nvPr/>
         </p:nvSpPr>
@@ -12753,7 +14070,7 @@
       </p:sp>
       <p:sp>
         <p:nvSpPr>
-          <p:cNvPr id="172" name="Google Shape;172;p24"/>
+          <p:cNvPr id="175" name="Google Shape;175;p24"/>
           <p:cNvSpPr/>
           <p:nvPr/>
         </p:nvSpPr>
@@ -12799,7 +14116,7 @@
       </p:sp>
       <p:sp>
         <p:nvSpPr>
-          <p:cNvPr id="173" name="Google Shape;173;p24"/>
+          <p:cNvPr id="176" name="Google Shape;176;p24"/>
           <p:cNvSpPr/>
           <p:nvPr/>
         </p:nvSpPr>
@@ -12845,7 +14162,7 @@
       </p:sp>
       <p:sp>
         <p:nvSpPr>
-          <p:cNvPr id="174" name="Google Shape;174;p24"/>
+          <p:cNvPr id="177" name="Google Shape;177;p24"/>
           <p:cNvSpPr/>
           <p:nvPr/>
         </p:nvSpPr>
@@ -12891,7 +14208,7 @@
       </p:sp>
       <p:sp>
         <p:nvSpPr>
-          <p:cNvPr id="175" name="Google Shape;175;p24"/>
+          <p:cNvPr id="178" name="Google Shape;178;p24"/>
           <p:cNvSpPr/>
           <p:nvPr/>
         </p:nvSpPr>
@@ -12937,7 +14254,7 @@
       </p:sp>
       <p:sp>
         <p:nvSpPr>
-          <p:cNvPr id="176" name="Google Shape;176;p24"/>
+          <p:cNvPr id="179" name="Google Shape;179;p24"/>
           <p:cNvSpPr/>
           <p:nvPr/>
         </p:nvSpPr>
@@ -12983,7 +14300,7 @@
       </p:sp>
       <p:sp>
         <p:nvSpPr>
-          <p:cNvPr id="177" name="Google Shape;177;p24"/>
+          <p:cNvPr id="180" name="Google Shape;180;p24"/>
           <p:cNvSpPr/>
           <p:nvPr/>
         </p:nvSpPr>
@@ -13029,7 +14346,7 @@
       </p:sp>
       <p:sp>
         <p:nvSpPr>
-          <p:cNvPr id="178" name="Google Shape;178;p24"/>
+          <p:cNvPr id="181" name="Google Shape;181;p24"/>
           <p:cNvSpPr/>
           <p:nvPr/>
         </p:nvSpPr>
@@ -13075,7 +14392,7 @@
       </p:sp>
       <p:pic>
         <p:nvPicPr>
-          <p:cNvPr id="179" name="Google Shape;179;p24"/>
+          <p:cNvPr id="182" name="Google Shape;182;p24"/>
           <p:cNvPicPr preferRelativeResize="0"/>
           <p:nvPr/>
         </p:nvPicPr>
@@ -13114,7 +14431,7 @@
       </p:pic>
       <p:pic>
         <p:nvPicPr>
-          <p:cNvPr id="180" name="Google Shape;180;p24"/>
+          <p:cNvPr id="183" name="Google Shape;183;p24"/>
           <p:cNvPicPr preferRelativeResize="0"/>
           <p:nvPr/>
         </p:nvPicPr>
@@ -13153,7 +14470,7 @@
       </p:pic>
       <p:sp>
         <p:nvSpPr>
-          <p:cNvPr id="181" name="Google Shape;181;p24"/>
+          <p:cNvPr id="184" name="Google Shape;184;p24"/>
           <p:cNvSpPr/>
           <p:nvPr/>
         </p:nvSpPr>
@@ -13199,7 +14516,7 @@
       </p:sp>
       <p:sp>
         <p:nvSpPr>
-          <p:cNvPr id="182" name="Google Shape;182;p24"/>
+          <p:cNvPr id="185" name="Google Shape;185;p24"/>
           <p:cNvSpPr/>
           <p:nvPr/>
         </p:nvSpPr>
@@ -13245,7 +14562,7 @@
       </p:sp>
       <p:sp>
         <p:nvSpPr>
-          <p:cNvPr id="183" name="Google Shape;183;p24"/>
+          <p:cNvPr id="186" name="Google Shape;186;p24"/>
           <p:cNvSpPr/>
           <p:nvPr/>
         </p:nvSpPr>
@@ -13302,7 +14619,7 @@
   <p:cSld>
     <p:spTree>
       <p:nvGrpSpPr>
-        <p:cNvPr id="1" name="Shape 187"/>
+        <p:cNvPr id="1" name="Shape 190"/>
         <p:cNvGrpSpPr/>
         <p:nvPr/>
       </p:nvGrpSpPr>
@@ -13316,7 +14633,7 @@
       </p:grpSpPr>
       <p:sp>
         <p:nvSpPr>
-          <p:cNvPr id="188" name="Google Shape;188;p25"/>
+          <p:cNvPr id="191" name="Google Shape;191;p25"/>
           <p:cNvSpPr txBox="1"/>
           <p:nvPr/>
         </p:nvSpPr>
@@ -13430,7 +14747,7 @@
       </p:sp>
       <p:sp>
         <p:nvSpPr>
-          <p:cNvPr id="189" name="Google Shape;189;p25"/>
+          <p:cNvPr id="192" name="Google Shape;192;p25"/>
           <p:cNvSpPr txBox="1"/>
           <p:nvPr/>
         </p:nvSpPr>
@@ -13496,7 +14813,7 @@
       </p:sp>
       <p:sp>
         <p:nvSpPr>
-          <p:cNvPr id="190" name="Google Shape;190;p25"/>
+          <p:cNvPr id="193" name="Google Shape;193;p25"/>
           <p:cNvSpPr txBox="1"/>
           <p:nvPr/>
         </p:nvSpPr>
@@ -13587,7 +14904,7 @@
       </p:sp>
       <p:sp>
         <p:nvSpPr>
-          <p:cNvPr id="191" name="Google Shape;191;p25"/>
+          <p:cNvPr id="194" name="Google Shape;194;p25"/>
           <p:cNvSpPr txBox="1"/>
           <p:nvPr/>
         </p:nvSpPr>
@@ -13661,7 +14978,7 @@
       </p:sp>
       <p:sp>
         <p:nvSpPr>
-          <p:cNvPr id="192" name="Google Shape;192;p25"/>
+          <p:cNvPr id="195" name="Google Shape;195;p25"/>
           <p:cNvSpPr/>
           <p:nvPr/>
         </p:nvSpPr>
@@ -13707,7 +15024,7 @@
       </p:sp>
       <p:sp>
         <p:nvSpPr>
-          <p:cNvPr id="193" name="Google Shape;193;p25"/>
+          <p:cNvPr id="196" name="Google Shape;196;p25"/>
           <p:cNvSpPr/>
           <p:nvPr/>
         </p:nvSpPr>
@@ -13753,7 +15070,7 @@
       </p:sp>
       <p:sp>
         <p:nvSpPr>
-          <p:cNvPr id="194" name="Google Shape;194;p25"/>
+          <p:cNvPr id="197" name="Google Shape;197;p25"/>
           <p:cNvSpPr/>
           <p:nvPr/>
         </p:nvSpPr>
@@ -13799,7 +15116,7 @@
       </p:sp>
       <p:sp>
         <p:nvSpPr>
-          <p:cNvPr id="195" name="Google Shape;195;p25"/>
+          <p:cNvPr id="198" name="Google Shape;198;p25"/>
           <p:cNvSpPr/>
           <p:nvPr/>
         </p:nvSpPr>
@@ -13845,7 +15162,7 @@
       </p:sp>
       <p:sp>
         <p:nvSpPr>
-          <p:cNvPr id="196" name="Google Shape;196;p25"/>
+          <p:cNvPr id="199" name="Google Shape;199;p25"/>
           <p:cNvSpPr/>
           <p:nvPr/>
         </p:nvSpPr>
@@ -13891,7 +15208,7 @@
       </p:sp>
       <p:sp>
         <p:nvSpPr>
-          <p:cNvPr id="197" name="Google Shape;197;p25"/>
+          <p:cNvPr id="200" name="Google Shape;200;p25"/>
           <p:cNvSpPr/>
           <p:nvPr/>
         </p:nvSpPr>
@@ -13937,7 +15254,7 @@
       </p:sp>
       <p:sp>
         <p:nvSpPr>
-          <p:cNvPr id="198" name="Google Shape;198;p25"/>
+          <p:cNvPr id="201" name="Google Shape;201;p25"/>
           <p:cNvSpPr/>
           <p:nvPr/>
         </p:nvSpPr>
@@ -13983,7 +15300,7 @@
       </p:sp>
       <p:sp>
         <p:nvSpPr>
-          <p:cNvPr id="199" name="Google Shape;199;p25"/>
+          <p:cNvPr id="202" name="Google Shape;202;p25"/>
           <p:cNvSpPr txBox="1"/>
           <p:nvPr/>
         </p:nvSpPr>
@@ -14144,7 +15461,7 @@
       </p:sp>
       <p:sp>
         <p:nvSpPr>
-          <p:cNvPr id="200" name="Google Shape;200;p25"/>
+          <p:cNvPr id="203" name="Google Shape;203;p25"/>
           <p:cNvSpPr/>
           <p:nvPr/>
         </p:nvSpPr>
@@ -14190,7 +15507,7 @@
       </p:sp>
       <p:sp>
         <p:nvSpPr>
-          <p:cNvPr id="201" name="Google Shape;201;p25"/>
+          <p:cNvPr id="204" name="Google Shape;204;p25"/>
           <p:cNvSpPr/>
           <p:nvPr/>
         </p:nvSpPr>
@@ -14236,7 +15553,7 @@
       </p:sp>
       <p:pic>
         <p:nvPicPr>
-          <p:cNvPr id="202" name="Google Shape;202;p25"/>
+          <p:cNvPr id="205" name="Google Shape;205;p25"/>
           <p:cNvPicPr preferRelativeResize="0"/>
           <p:nvPr/>
         </p:nvPicPr>
@@ -14275,7 +15592,7 @@
       </p:pic>
       <p:pic>
         <p:nvPicPr>
-          <p:cNvPr id="203" name="Google Shape;203;p25"/>
+          <p:cNvPr id="206" name="Google Shape;206;p25"/>
           <p:cNvPicPr preferRelativeResize="0"/>
           <p:nvPr/>
         </p:nvPicPr>
@@ -14312,6 +15629,52 @@
           </a:ln>
         </p:spPr>
       </p:pic>
+      <p:sp>
+        <p:nvSpPr>
+          <p:cNvPr id="207" name="Google Shape;207;p25"/>
+          <p:cNvSpPr/>
+          <p:nvPr/>
+        </p:nvSpPr>
+        <p:spPr>
+          <a:xfrm>
+            <a:off x="509885" y="2247174"/>
+            <a:ext cx="125400" cy="125400"/>
+          </a:xfrm>
+          <a:prstGeom prst="ellipse">
+            <a:avLst/>
+          </a:prstGeom>
+          <a:solidFill>
+            <a:srgbClr val="6AA84F"/>
+          </a:solidFill>
+          <a:ln w="9525" cap="flat" cmpd="sng">
+            <a:solidFill>
+              <a:schemeClr val="dk2"/>
+            </a:solidFill>
+            <a:prstDash val="solid"/>
+            <a:round/>
+            <a:headEnd type="none" w="sm" len="sm"/>
+            <a:tailEnd type="none" w="sm" len="sm"/>
+          </a:ln>
+        </p:spPr>
+        <p:txBody>
+          <a:bodyPr spcFirstLastPara="1" wrap="square" lIns="91425" tIns="91425" rIns="91425" bIns="91425" anchor="ctr" anchorCtr="0">
+            <a:noAutofit/>
+          </a:bodyPr>
+          <a:lstStyle/>
+          <a:p>
+            <a:pPr marL="0" lvl="0" indent="0" algn="ctr" rtl="0">
+              <a:spcBef>
+                <a:spcPts val="0"/>
+              </a:spcBef>
+              <a:spcAft>
+                <a:spcPts val="0"/>
+              </a:spcAft>
+              <a:buNone/>
+            </a:pPr>
+            <a:endParaRPr/>
+          </a:p>
+        </p:txBody>
+      </p:sp>
     </p:spTree>
   </p:cSld>
   <p:clrMapOvr>
@@ -14325,7 +15688,7 @@
   <p:cSld>
     <p:spTree>
       <p:nvGrpSpPr>
-        <p:cNvPr id="1" name="Shape 207"/>
+        <p:cNvPr id="1" name="Shape 211"/>
         <p:cNvGrpSpPr/>
         <p:nvPr/>
       </p:nvGrpSpPr>
@@ -14339,7 +15702,7 @@
       </p:grpSpPr>
       <p:pic>
         <p:nvPicPr>
-          <p:cNvPr id="208" name="Google Shape;208;p26"/>
+          <p:cNvPr id="212" name="Google Shape;212;p26"/>
           <p:cNvPicPr preferRelativeResize="0"/>
           <p:nvPr/>
         </p:nvPicPr>
@@ -14378,7 +15741,7 @@
       </p:pic>
       <p:sp>
         <p:nvSpPr>
-          <p:cNvPr id="209" name="Google Shape;209;p26"/>
+          <p:cNvPr id="213" name="Google Shape;213;p26"/>
           <p:cNvSpPr txBox="1"/>
           <p:nvPr/>
         </p:nvSpPr>
@@ -14444,7 +15807,7 @@
       </p:sp>
       <p:sp>
         <p:nvSpPr>
-          <p:cNvPr id="210" name="Google Shape;210;p26"/>
+          <p:cNvPr id="214" name="Google Shape;214;p26"/>
           <p:cNvSpPr txBox="1"/>
           <p:nvPr/>
         </p:nvSpPr>
@@ -14535,7 +15898,7 @@
       </p:sp>
       <p:cxnSp>
         <p:nvCxnSpPr>
-          <p:cNvPr id="211" name="Google Shape;211;p26"/>
+          <p:cNvPr id="215" name="Google Shape;215;p26"/>
           <p:cNvCxnSpPr/>
           <p:nvPr/>
         </p:nvCxnSpPr>
@@ -14572,7 +15935,7 @@
   <p:cSld>
     <p:spTree>
       <p:nvGrpSpPr>
-        <p:cNvPr id="1" name="Shape 215"/>
+        <p:cNvPr id="1" name="Shape 219"/>
         <p:cNvGrpSpPr/>
         <p:nvPr/>
       </p:nvGrpSpPr>
@@ -14586,7 +15949,7 @@
       </p:grpSpPr>
       <p:pic>
         <p:nvPicPr>
-          <p:cNvPr id="216" name="Google Shape;216;p27"/>
+          <p:cNvPr id="220" name="Google Shape;220;p27"/>
           <p:cNvPicPr preferRelativeResize="0"/>
           <p:nvPr/>
         </p:nvPicPr>
@@ -14613,7 +15976,7 @@
       </p:pic>
       <p:sp>
         <p:nvSpPr>
-          <p:cNvPr id="217" name="Google Shape;217;p27"/>
+          <p:cNvPr id="221" name="Google Shape;221;p27"/>
           <p:cNvSpPr txBox="1"/>
           <p:nvPr/>
         </p:nvSpPr>
@@ -14679,7 +16042,7 @@
       </p:sp>
       <p:sp>
         <p:nvSpPr>
-          <p:cNvPr id="218" name="Google Shape;218;p27"/>
+          <p:cNvPr id="222" name="Google Shape;222;p27"/>
           <p:cNvSpPr txBox="1"/>
           <p:nvPr/>
         </p:nvSpPr>
@@ -15109,7 +16472,7 @@
       </p:sp>
       <p:pic>
         <p:nvPicPr>
-          <p:cNvPr id="219" name="Google Shape;219;p27"/>
+          <p:cNvPr id="223" name="Google Shape;223;p27"/>
           <p:cNvPicPr preferRelativeResize="0"/>
           <p:nvPr/>
         </p:nvPicPr>
@@ -15141,7 +16504,7 @@
       </p:pic>
       <p:sp>
         <p:nvSpPr>
-          <p:cNvPr id="220" name="Google Shape;220;p27"/>
+          <p:cNvPr id="224" name="Google Shape;224;p27"/>
           <p:cNvSpPr txBox="1"/>
           <p:nvPr/>
         </p:nvSpPr>
@@ -15220,7 +16583,7 @@
       </p:sp>
       <p:sp>
         <p:nvSpPr>
-          <p:cNvPr id="221" name="Google Shape;221;p27"/>
+          <p:cNvPr id="225" name="Google Shape;225;p27"/>
           <p:cNvSpPr txBox="1"/>
           <p:nvPr/>
         </p:nvSpPr>
@@ -15297,7 +16660,7 @@
   <p:cSld>
     <p:spTree>
       <p:nvGrpSpPr>
-        <p:cNvPr id="1" name="Shape 225"/>
+        <p:cNvPr id="1" name="Shape 229"/>
         <p:cNvGrpSpPr/>
         <p:nvPr/>
       </p:nvGrpSpPr>
@@ -15311,7 +16674,7 @@
       </p:grpSpPr>
       <p:sp>
         <p:nvSpPr>
-          <p:cNvPr id="226" name="Google Shape;226;p28"/>
+          <p:cNvPr id="230" name="Google Shape;230;p28"/>
           <p:cNvSpPr txBox="1"/>
           <p:nvPr/>
         </p:nvSpPr>
@@ -15604,37 +16967,39 @@
               </a:rPr>
               <a:t>He has founded his new startup SSI on June 19, 2024 </a:t>
             </a:r>
-            <a:br>
+            <a:endParaRPr sz="1300">
+              <a:latin typeface="Calibri"/>
+              <a:ea typeface="Calibri"/>
+              <a:cs typeface="Calibri"/>
+              <a:sym typeface="Calibri"/>
+            </a:endParaRPr>
+          </a:p>
+          <a:p>
+            <a:pPr marL="228600" lvl="0" indent="-139700" algn="l" rtl="0">
+              <a:spcBef>
+                <a:spcPts val="0"/>
+              </a:spcBef>
+              <a:spcAft>
+                <a:spcPts val="0"/>
+              </a:spcAft>
+              <a:buSzPts val="1300"/>
+              <a:buFont typeface="Calibri"/>
+              <a:buChar char="●"/>
+            </a:pPr>
+            <a:r>
+              <a:rPr lang="en" sz="1300" b="1">
+                <a:solidFill>
+                  <a:srgbClr val="FF0000"/>
+                </a:solidFill>
+                <a:latin typeface="Calibri"/>
+                <a:ea typeface="Calibri"/>
+                <a:cs typeface="Calibri"/>
+                <a:sym typeface="Calibri"/>
+              </a:rPr>
+              <a:t>SSI = Safe Superintelligence</a:t>
+            </a:r>
+            <a:r>
               <a:rPr lang="en" sz="1300">
-                <a:latin typeface="Calibri"/>
-                <a:ea typeface="Calibri"/>
-                <a:cs typeface="Calibri"/>
-                <a:sym typeface="Calibri"/>
-              </a:rPr>
-            </a:br>
-            <a:r>
-              <a:rPr lang="en" sz="1300">
-                <a:latin typeface="Calibri"/>
-                <a:ea typeface="Calibri"/>
-                <a:cs typeface="Calibri"/>
-                <a:sym typeface="Calibri"/>
-              </a:rPr>
-              <a:t>(</a:t>
-            </a:r>
-            <a:r>
-              <a:rPr lang="en" sz="1300" b="1">
-                <a:solidFill>
-                  <a:srgbClr val="FF0000"/>
-                </a:solidFill>
-                <a:latin typeface="Calibri"/>
-                <a:ea typeface="Calibri"/>
-                <a:cs typeface="Calibri"/>
-                <a:sym typeface="Calibri"/>
-              </a:rPr>
-              <a:t>SSI = Safe Superintelligence</a:t>
-            </a:r>
-            <a:r>
-              <a:rPr lang="en" sz="1300">
                 <a:solidFill>
                   <a:schemeClr val="dk1"/>
                 </a:solidFill>
@@ -15643,7 +17008,7 @@
                 <a:cs typeface="Calibri"/>
                 <a:sym typeface="Calibri"/>
               </a:rPr>
-              <a:t>) - </a:t>
+              <a:t> - </a:t>
             </a:r>
             <a:r>
               <a:rPr lang="en" sz="1300" u="sng">
@@ -16160,104 +17525,16 @@
           </a:p>
         </p:txBody>
       </p:sp>
-    </p:spTree>
-  </p:cSld>
-  <p:clrMapOvr>
-    <a:masterClrMapping/>
-  </p:clrMapOvr>
-</p:sld>
-</file>
-
-<file path=ppt/slides/slide3.xml><?xml version="1.0" encoding="utf-8"?>
-<p:sld xmlns:a="http://schemas.openxmlformats.org/drawingml/2006/main" xmlns:r="http://schemas.openxmlformats.org/officeDocument/2006/relationships" xmlns:p="http://schemas.openxmlformats.org/presentationml/2006/main">
-  <p:cSld>
-    <p:spTree>
-      <p:nvGrpSpPr>
-        <p:cNvPr id="1" name="Shape 75"/>
-        <p:cNvGrpSpPr/>
-        <p:nvPr/>
-      </p:nvGrpSpPr>
-      <p:grpSpPr>
-        <a:xfrm>
-          <a:off x="0" y="0"/>
-          <a:ext cx="0" cy="0"/>
-          <a:chOff x="0" y="0"/>
-          <a:chExt cx="0" cy="0"/>
-        </a:xfrm>
-      </p:grpSpPr>
       <p:sp>
         <p:nvSpPr>
-          <p:cNvPr id="76" name="Google Shape;76;p16"/>
+          <p:cNvPr id="72" name="Google Shape;72;p15"/>
           <p:cNvSpPr txBox="1"/>
           <p:nvPr/>
         </p:nvSpPr>
         <p:spPr>
           <a:xfrm>
-            <a:off x="56400" y="58200"/>
-            <a:ext cx="4451100" cy="326400"/>
-          </a:xfrm>
-          <a:prstGeom prst="rect">
-            <a:avLst/>
-          </a:prstGeom>
-          <a:noFill/>
-          <a:ln>
-            <a:noFill/>
-          </a:ln>
-        </p:spPr>
-        <p:txBody>
-          <a:bodyPr spcFirstLastPara="1" wrap="square" lIns="9125" tIns="9125" rIns="9125" bIns="9125" anchor="t" anchorCtr="0">
-            <a:spAutoFit/>
-          </a:bodyPr>
-          <a:lstStyle/>
-          <a:p>
-            <a:pPr marL="0" lvl="0" indent="0" algn="l" rtl="0">
-              <a:spcBef>
-                <a:spcPts val="0"/>
-              </a:spcBef>
-              <a:spcAft>
-                <a:spcPts val="0"/>
-              </a:spcAft>
-              <a:buClr>
-                <a:schemeClr val="dk1"/>
-              </a:buClr>
-              <a:buSzPts val="1100"/>
-              <a:buFont typeface="Arial"/>
-              <a:buNone/>
-            </a:pPr>
-            <a:r>
-              <a:rPr lang="en" sz="2000" b="1">
-                <a:solidFill>
-                  <a:schemeClr val="dk1"/>
-                </a:solidFill>
-                <a:latin typeface="Calibri"/>
-                <a:ea typeface="Calibri"/>
-                <a:cs typeface="Calibri"/>
-                <a:sym typeface="Calibri"/>
-              </a:rPr>
-              <a:t>Reflection Llama-3.1 70B</a:t>
-            </a:r>
-            <a:endParaRPr sz="2000" b="1">
-              <a:solidFill>
-                <a:schemeClr val="dk1"/>
-              </a:solidFill>
-              <a:latin typeface="Calibri"/>
-              <a:ea typeface="Calibri"/>
-              <a:cs typeface="Calibri"/>
-              <a:sym typeface="Calibri"/>
-            </a:endParaRPr>
-          </a:p>
-        </p:txBody>
-      </p:sp>
-      <p:sp>
-        <p:nvSpPr>
-          <p:cNvPr id="77" name="Google Shape;77;p16"/>
-          <p:cNvSpPr txBox="1"/>
-          <p:nvPr/>
-        </p:nvSpPr>
-        <p:spPr>
-          <a:xfrm>
-            <a:off x="132600" y="508225"/>
-            <a:ext cx="4451100" cy="1834800"/>
+            <a:off x="132600" y="3775000"/>
+            <a:ext cx="4451100" cy="1126800"/>
           </a:xfrm>
           <a:prstGeom prst="rect">
             <a:avLst/>
@@ -16291,32 +17568,8 @@
               <a:buNone/>
             </a:pPr>
             <a:r>
-              <a:rPr lang="en" sz="1300" b="1">
-                <a:solidFill>
-                  <a:srgbClr val="FF0000"/>
-                </a:solidFill>
-                <a:latin typeface="Calibri"/>
-                <a:ea typeface="Calibri"/>
-                <a:cs typeface="Calibri"/>
-                <a:sym typeface="Calibri"/>
-              </a:rPr>
-              <a:t>Reflection Llama-3.1 70B</a:t>
-            </a:r>
-            <a:r>
               <a:rPr lang="en" sz="1300">
                 <a:solidFill>
-                  <a:srgbClr val="FF0000"/>
-                </a:solidFill>
-                <a:latin typeface="Calibri"/>
-                <a:ea typeface="Calibri"/>
-                <a:cs typeface="Calibri"/>
-                <a:sym typeface="Calibri"/>
-              </a:rPr>
-              <a:t> </a:t>
-            </a:r>
-            <a:r>
-              <a:rPr lang="en" sz="1300">
-                <a:solidFill>
                   <a:schemeClr val="dk1"/>
                 </a:solidFill>
                 <a:latin typeface="Calibri"/>
@@ -16324,7 +17577,7 @@
                 <a:cs typeface="Calibri"/>
                 <a:sym typeface="Calibri"/>
               </a:rPr>
-              <a:t>is the world's top open-source LLM.</a:t>
+              <a:t>About Ilya:</a:t>
             </a:r>
             <a:endParaRPr sz="1300">
               <a:solidFill>
@@ -16337,7 +17590,135 @@
             </a:endParaRPr>
           </a:p>
           <a:p>
-            <a:pPr marL="228600" lvl="0" indent="-139700" algn="l" rtl="0">
+            <a:pPr marL="0" lvl="0" indent="0" algn="l" rtl="0">
+              <a:spcBef>
+                <a:spcPts val="0"/>
+              </a:spcBef>
+              <a:spcAft>
+                <a:spcPts val="0"/>
+              </a:spcAft>
+              <a:buNone/>
+            </a:pPr>
+            <a:r>
+              <a:rPr lang="en" sz="1300">
+                <a:solidFill>
+                  <a:srgbClr val="3C78D8"/>
+                </a:solidFill>
+                <a:latin typeface="Calibri"/>
+                <a:ea typeface="Calibri"/>
+                <a:cs typeface="Calibri"/>
+                <a:sym typeface="Calibri"/>
+              </a:rPr>
+              <a:t>"imagine being so notoriously hypercompetent at something in a hype cycle that you can create a unicorn just by saying "guys I have an idea" with no product or anything."</a:t>
+            </a:r>
+            <a:endParaRPr sz="1300">
+              <a:solidFill>
+                <a:srgbClr val="3C78D8"/>
+              </a:solidFill>
+              <a:latin typeface="Calibri"/>
+              <a:ea typeface="Calibri"/>
+              <a:cs typeface="Calibri"/>
+              <a:sym typeface="Calibri"/>
+            </a:endParaRPr>
+          </a:p>
+          <a:p>
+            <a:pPr marL="0" lvl="0" indent="0" algn="l" rtl="0">
+              <a:spcBef>
+                <a:spcPts val="0"/>
+              </a:spcBef>
+              <a:spcAft>
+                <a:spcPts val="0"/>
+              </a:spcAft>
+              <a:buNone/>
+            </a:pPr>
+            <a:r>
+              <a:rPr lang="en" sz="1000" u="sng">
+                <a:solidFill>
+                  <a:schemeClr val="hlink"/>
+                </a:solidFill>
+                <a:latin typeface="Calibri"/>
+                <a:ea typeface="Calibri"/>
+                <a:cs typeface="Calibri"/>
+                <a:sym typeface="Calibri"/>
+                <a:hlinkClick r:id="rId9"/>
+              </a:rPr>
+              <a:t>https://www.reddit.com/r/singularity/comments/1f8tnxr/exclusive_openai_cofounder_sutskevers_new/</a:t>
+            </a:r>
+            <a:r>
+              <a:rPr lang="en" sz="1000">
+                <a:solidFill>
+                  <a:schemeClr val="dk1"/>
+                </a:solidFill>
+                <a:latin typeface="Calibri"/>
+                <a:ea typeface="Calibri"/>
+                <a:cs typeface="Calibri"/>
+                <a:sym typeface="Calibri"/>
+              </a:rPr>
+              <a:t> </a:t>
+            </a:r>
+            <a:endParaRPr sz="1000">
+              <a:solidFill>
+                <a:schemeClr val="dk1"/>
+              </a:solidFill>
+              <a:latin typeface="Calibri"/>
+              <a:ea typeface="Calibri"/>
+              <a:cs typeface="Calibri"/>
+              <a:sym typeface="Calibri"/>
+            </a:endParaRPr>
+          </a:p>
+        </p:txBody>
+      </p:sp>
+    </p:spTree>
+  </p:cSld>
+  <p:clrMapOvr>
+    <a:masterClrMapping/>
+  </p:clrMapOvr>
+</p:sld>
+</file>
+
+<file path=ppt/slides/slide3.xml><?xml version="1.0" encoding="utf-8"?>
+<p:sld xmlns:a="http://schemas.openxmlformats.org/drawingml/2006/main" xmlns:r="http://schemas.openxmlformats.org/officeDocument/2006/relationships" xmlns:p="http://schemas.openxmlformats.org/presentationml/2006/main">
+  <p:cSld>
+    <p:spTree>
+      <p:nvGrpSpPr>
+        <p:cNvPr id="1" name="Shape 76"/>
+        <p:cNvGrpSpPr/>
+        <p:nvPr/>
+      </p:nvGrpSpPr>
+      <p:grpSpPr>
+        <a:xfrm>
+          <a:off x="0" y="0"/>
+          <a:ext cx="0" cy="0"/>
+          <a:chOff x="0" y="0"/>
+          <a:chExt cx="0" cy="0"/>
+        </a:xfrm>
+      </p:grpSpPr>
+      <p:sp>
+        <p:nvSpPr>
+          <p:cNvPr id="77" name="Google Shape;77;p16"/>
+          <p:cNvSpPr txBox="1"/>
+          <p:nvPr/>
+        </p:nvSpPr>
+        <p:spPr>
+          <a:xfrm>
+            <a:off x="56400" y="58200"/>
+            <a:ext cx="4451100" cy="326400"/>
+          </a:xfrm>
+          <a:prstGeom prst="rect">
+            <a:avLst/>
+          </a:prstGeom>
+          <a:noFill/>
+          <a:ln>
+            <a:noFill/>
+          </a:ln>
+        </p:spPr>
+        <p:txBody>
+          <a:bodyPr spcFirstLastPara="1" wrap="square" lIns="9125" tIns="9125" rIns="9125" bIns="9125" anchor="t" anchorCtr="0">
+            <a:spAutoFit/>
+          </a:bodyPr>
+          <a:lstStyle/>
+          <a:p>
+            <a:pPr marL="0" lvl="0" indent="0" algn="l" rtl="0">
               <a:spcBef>
                 <a:spcPts val="0"/>
               </a:spcBef>
@@ -16347,13 +17728,103 @@
               <a:buClr>
                 <a:schemeClr val="dk1"/>
               </a:buClr>
-              <a:buSzPts val="1300"/>
-              <a:buFont typeface="Calibri"/>
-              <a:buChar char="●"/>
-            </a:pPr>
+              <a:buSzPts val="1100"/>
+              <a:buFont typeface="Arial"/>
+              <a:buNone/>
+            </a:pPr>
+            <a:r>
+              <a:rPr lang="en" sz="2000" b="1">
+                <a:solidFill>
+                  <a:schemeClr val="dk1"/>
+                </a:solidFill>
+                <a:latin typeface="Calibri"/>
+                <a:ea typeface="Calibri"/>
+                <a:cs typeface="Calibri"/>
+                <a:sym typeface="Calibri"/>
+              </a:rPr>
+              <a:t>Reflection Llama-3.1 70B</a:t>
+            </a:r>
+            <a:endParaRPr sz="2000" b="1">
+              <a:solidFill>
+                <a:schemeClr val="dk1"/>
+              </a:solidFill>
+              <a:latin typeface="Calibri"/>
+              <a:ea typeface="Calibri"/>
+              <a:cs typeface="Calibri"/>
+              <a:sym typeface="Calibri"/>
+            </a:endParaRPr>
+          </a:p>
+        </p:txBody>
+      </p:sp>
+      <p:sp>
+        <p:nvSpPr>
+          <p:cNvPr id="78" name="Google Shape;78;p16"/>
+          <p:cNvSpPr txBox="1"/>
+          <p:nvPr/>
+        </p:nvSpPr>
+        <p:spPr>
+          <a:xfrm>
+            <a:off x="132600" y="508225"/>
+            <a:ext cx="5592900" cy="1942500"/>
+          </a:xfrm>
+          <a:prstGeom prst="rect">
+            <a:avLst/>
+          </a:prstGeom>
+          <a:solidFill>
+            <a:srgbClr val="FFF2CC"/>
+          </a:solidFill>
+          <a:ln w="9525" cap="flat" cmpd="sng">
+            <a:solidFill>
+              <a:srgbClr val="FF0000"/>
+            </a:solidFill>
+            <a:prstDash val="solid"/>
+            <a:round/>
+            <a:headEnd type="none" w="sm" len="sm"/>
+            <a:tailEnd type="none" w="sm" len="sm"/>
+          </a:ln>
+        </p:spPr>
+        <p:txBody>
+          <a:bodyPr spcFirstLastPara="1" wrap="square" lIns="9125" tIns="9125" rIns="9125" bIns="9125" anchor="t" anchorCtr="0">
+            <a:spAutoFit/>
+          </a:bodyPr>
+          <a:lstStyle/>
+          <a:p>
+            <a:pPr marL="0" lvl="0" indent="0" algn="l" rtl="0">
+              <a:spcBef>
+                <a:spcPts val="0"/>
+              </a:spcBef>
+              <a:spcAft>
+                <a:spcPts val="0"/>
+              </a:spcAft>
+              <a:buNone/>
+            </a:pPr>
+            <a:r>
+              <a:rPr lang="en" sz="1300" b="1">
+                <a:solidFill>
+                  <a:srgbClr val="FF0000"/>
+                </a:solidFill>
+                <a:latin typeface="Calibri"/>
+                <a:ea typeface="Calibri"/>
+                <a:cs typeface="Calibri"/>
+                <a:sym typeface="Calibri"/>
+              </a:rPr>
+              <a:t>Reflection Llama-3.1 70B</a:t>
+            </a:r>
             <a:r>
               <a:rPr lang="en" sz="1300">
                 <a:solidFill>
+                  <a:srgbClr val="FF0000"/>
+                </a:solidFill>
+                <a:latin typeface="Calibri"/>
+                <a:ea typeface="Calibri"/>
+                <a:cs typeface="Calibri"/>
+                <a:sym typeface="Calibri"/>
+              </a:rPr>
+              <a:t> </a:t>
+            </a:r>
+            <a:r>
+              <a:rPr lang="en" sz="1300">
+                <a:solidFill>
                   <a:schemeClr val="dk1"/>
                 </a:solidFill>
                 <a:latin typeface="Calibri"/>
@@ -16361,7 +17832,7 @@
                 <a:cs typeface="Calibri"/>
                 <a:sym typeface="Calibri"/>
               </a:rPr>
-              <a:t>It is trained with a new technique called Reflection-Tuning that teaches a LLM to detect mistakes in its reasoning and correct course. </a:t>
+              <a:t>is the world's top open-source LLM.</a:t>
             </a:r>
             <a:endParaRPr sz="1300">
               <a:solidFill>
@@ -16398,7 +17869,7 @@
                 <a:cs typeface="Calibri"/>
                 <a:sym typeface="Calibri"/>
               </a:rPr>
-              <a:t>It basically trained to think in steps and do self-reflection.</a:t>
+              <a:t>It is trained with a new technique called Reflection-Tuning that teaches a LLM to detect mistakes in its reasoning and correct course. </a:t>
             </a:r>
             <a:endParaRPr sz="1300">
               <a:solidFill>
@@ -16435,7 +17906,7 @@
                 <a:cs typeface="Calibri"/>
                 <a:sym typeface="Calibri"/>
               </a:rPr>
-              <a:t>Created by Matt Schumer</a:t>
+              <a:t>It basically trained to think in steps and do self-reflection.</a:t>
             </a:r>
             <a:endParaRPr sz="1300">
               <a:solidFill>
@@ -16448,6 +17919,43 @@
             </a:endParaRPr>
           </a:p>
           <a:p>
+            <a:pPr marL="228600" lvl="0" indent="-139700" algn="l" rtl="0">
+              <a:spcBef>
+                <a:spcPts val="0"/>
+              </a:spcBef>
+              <a:spcAft>
+                <a:spcPts val="0"/>
+              </a:spcAft>
+              <a:buClr>
+                <a:schemeClr val="dk1"/>
+              </a:buClr>
+              <a:buSzPts val="1300"/>
+              <a:buFont typeface="Calibri"/>
+              <a:buChar char="●"/>
+            </a:pPr>
+            <a:r>
+              <a:rPr lang="en" sz="1300">
+                <a:solidFill>
+                  <a:schemeClr val="dk1"/>
+                </a:solidFill>
+                <a:latin typeface="Calibri"/>
+                <a:ea typeface="Calibri"/>
+                <a:cs typeface="Calibri"/>
+                <a:sym typeface="Calibri"/>
+              </a:rPr>
+              <a:t>Created by Matt Schumer</a:t>
+            </a:r>
+            <a:endParaRPr sz="1300">
+              <a:solidFill>
+                <a:schemeClr val="dk1"/>
+              </a:solidFill>
+              <a:latin typeface="Calibri"/>
+              <a:ea typeface="Calibri"/>
+              <a:cs typeface="Calibri"/>
+              <a:sym typeface="Calibri"/>
+            </a:endParaRPr>
+          </a:p>
+          <a:p>
             <a:pPr marL="228600" lvl="0" indent="-120650" algn="l" rtl="0">
               <a:spcBef>
                 <a:spcPts val="0"/>
@@ -16638,16 +18146,116 @@
               <a:sym typeface="Calibri"/>
             </a:endParaRPr>
           </a:p>
+          <a:p>
+            <a:pPr marL="228600" lvl="0" indent="-120650" algn="l" rtl="0">
+              <a:spcBef>
+                <a:spcPts val="0"/>
+              </a:spcBef>
+              <a:spcAft>
+                <a:spcPts val="0"/>
+              </a:spcAft>
+              <a:buClr>
+                <a:schemeClr val="dk1"/>
+              </a:buClr>
+              <a:buSzPts val="1000"/>
+              <a:buFont typeface="Calibri"/>
+              <a:buChar char="●"/>
+            </a:pPr>
+            <a:r>
+              <a:rPr lang="en" sz="1000" u="sng">
+                <a:solidFill>
+                  <a:schemeClr val="hlink"/>
+                </a:solidFill>
+                <a:latin typeface="Calibri"/>
+                <a:ea typeface="Calibri"/>
+                <a:cs typeface="Calibri"/>
+                <a:sym typeface="Calibri"/>
+                <a:hlinkClick r:id="rId7"/>
+              </a:rPr>
+              <a:t>https://openreview.net/forum?id=xaqoZZqkPU</a:t>
+            </a:r>
+            <a:r>
+              <a:rPr lang="en" sz="1000">
+                <a:solidFill>
+                  <a:schemeClr val="dk1"/>
+                </a:solidFill>
+                <a:latin typeface="Calibri"/>
+                <a:ea typeface="Calibri"/>
+                <a:cs typeface="Calibri"/>
+                <a:sym typeface="Calibri"/>
+              </a:rPr>
+              <a:t> - paper (2023) reflection tuning</a:t>
+            </a:r>
+            <a:endParaRPr sz="1000">
+              <a:solidFill>
+                <a:schemeClr val="dk1"/>
+              </a:solidFill>
+              <a:latin typeface="Calibri"/>
+              <a:ea typeface="Calibri"/>
+              <a:cs typeface="Calibri"/>
+              <a:sym typeface="Calibri"/>
+            </a:endParaRPr>
+          </a:p>
+          <a:p>
+            <a:pPr marL="228600" lvl="0" indent="-120650" algn="l" rtl="0">
+              <a:spcBef>
+                <a:spcPts val="0"/>
+              </a:spcBef>
+              <a:spcAft>
+                <a:spcPts val="0"/>
+              </a:spcAft>
+              <a:buClr>
+                <a:schemeClr val="dk1"/>
+              </a:buClr>
+              <a:buSzPts val="1000"/>
+              <a:buFont typeface="Calibri"/>
+              <a:buChar char="●"/>
+            </a:pPr>
+            <a:r>
+              <a:rPr lang="en" sz="1000" u="sng">
+                <a:solidFill>
+                  <a:schemeClr val="hlink"/>
+                </a:solidFill>
+                <a:latin typeface="Calibri"/>
+                <a:ea typeface="Calibri"/>
+                <a:cs typeface="Calibri"/>
+                <a:sym typeface="Calibri"/>
+                <a:hlinkClick r:id="rId8"/>
+              </a:rPr>
+              <a:t>https://braintitan.medium.com/smarter-ai-reflection-70b-detects-and-fixes-errors-ee0c355750dd</a:t>
+            </a:r>
+            <a:r>
+              <a:rPr lang="en" sz="1000">
+                <a:solidFill>
+                  <a:schemeClr val="dk1"/>
+                </a:solidFill>
+                <a:latin typeface="Calibri"/>
+                <a:ea typeface="Calibri"/>
+                <a:cs typeface="Calibri"/>
+                <a:sym typeface="Calibri"/>
+              </a:rPr>
+              <a:t> </a:t>
+            </a:r>
+            <a:endParaRPr sz="1000">
+              <a:solidFill>
+                <a:schemeClr val="dk1"/>
+              </a:solidFill>
+              <a:latin typeface="Calibri"/>
+              <a:ea typeface="Calibri"/>
+              <a:cs typeface="Calibri"/>
+              <a:sym typeface="Calibri"/>
+            </a:endParaRPr>
+          </a:p>
         </p:txBody>
       </p:sp>
       <p:pic>
         <p:nvPicPr>
-          <p:cNvPr id="78" name="Google Shape;78;p16"/>
+          <p:cNvPr id="79" name="Google Shape;79;p16"/>
           <p:cNvPicPr preferRelativeResize="0"/>
           <p:nvPr/>
         </p:nvPicPr>
         <p:blipFill>
-          <a:blip r:embed="rId7" cstate="email">
+          <a:blip r:embed="rId9" cstate="email">
             <a:alphaModFix/>
             <a:extLst>
               <a:ext uri="{28A0092B-C50C-407E-A947-70E740481C1C}">
@@ -16661,7 +18269,7 @@
         </p:blipFill>
         <p:spPr>
           <a:xfrm>
-            <a:off x="190225" y="2563150"/>
+            <a:off x="190225" y="2915415"/>
             <a:ext cx="8763551" cy="2178050"/>
           </a:xfrm>
           <a:prstGeom prst="rect">
@@ -16675,12 +18283,12 @@
       </p:pic>
       <p:pic>
         <p:nvPicPr>
-          <p:cNvPr id="79" name="Google Shape;79;p16"/>
+          <p:cNvPr id="80" name="Google Shape;80;p16"/>
           <p:cNvPicPr preferRelativeResize="0"/>
           <p:nvPr/>
         </p:nvPicPr>
         <p:blipFill>
-          <a:blip r:embed="rId8" cstate="email">
+          <a:blip r:embed="rId10" cstate="email">
             <a:alphaModFix/>
             <a:extLst>
               <a:ext uri="{28A0092B-C50C-407E-A947-70E740481C1C}">
@@ -16694,8 +18302,8 @@
         </p:blipFill>
         <p:spPr>
           <a:xfrm>
-            <a:off x="5205875" y="152400"/>
-            <a:ext cx="3609421" cy="2087500"/>
+            <a:off x="5912149" y="173950"/>
+            <a:ext cx="3133024" cy="1811975"/>
           </a:xfrm>
           <a:prstGeom prst="rect">
             <a:avLst/>
@@ -16719,7 +18327,7 @@
   <p:cSld>
     <p:spTree>
       <p:nvGrpSpPr>
-        <p:cNvPr id="1" name="Shape 83"/>
+        <p:cNvPr id="1" name="Shape 84"/>
         <p:cNvGrpSpPr/>
         <p:nvPr/>
       </p:nvGrpSpPr>
@@ -16733,7 +18341,7 @@
       </p:grpSpPr>
       <p:sp>
         <p:nvSpPr>
-          <p:cNvPr id="84" name="Google Shape;84;p17"/>
+          <p:cNvPr id="85" name="Google Shape;85;p17"/>
           <p:cNvSpPr txBox="1"/>
           <p:nvPr/>
         </p:nvSpPr>
@@ -16796,7 +18404,7 @@
       </p:sp>
       <p:sp>
         <p:nvSpPr>
-          <p:cNvPr id="85" name="Google Shape;85;p17"/>
+          <p:cNvPr id="86" name="Google Shape;86;p17"/>
           <p:cNvSpPr txBox="1"/>
           <p:nvPr/>
         </p:nvSpPr>
@@ -16931,7 +18539,7 @@
       </p:sp>
       <p:pic>
         <p:nvPicPr>
-          <p:cNvPr id="86" name="Google Shape;86;p17"/>
+          <p:cNvPr id="87" name="Google Shape;87;p17"/>
           <p:cNvPicPr preferRelativeResize="0"/>
           <p:nvPr/>
         </p:nvPicPr>
@@ -16970,7 +18578,7 @@
       </p:pic>
       <p:pic>
         <p:nvPicPr>
-          <p:cNvPr id="87" name="Google Shape;87;p17"/>
+          <p:cNvPr id="88" name="Google Shape;88;p17"/>
           <p:cNvPicPr preferRelativeResize="0"/>
           <p:nvPr/>
         </p:nvPicPr>
@@ -17009,7 +18617,7 @@
       </p:pic>
       <p:pic>
         <p:nvPicPr>
-          <p:cNvPr id="88" name="Google Shape;88;p17"/>
+          <p:cNvPr id="89" name="Google Shape;89;p17"/>
           <p:cNvPicPr preferRelativeResize="0"/>
           <p:nvPr/>
         </p:nvPicPr>
@@ -17048,7 +18656,7 @@
       </p:pic>
       <p:pic>
         <p:nvPicPr>
-          <p:cNvPr id="89" name="Google Shape;89;p17"/>
+          <p:cNvPr id="90" name="Google Shape;90;p17"/>
           <p:cNvPicPr preferRelativeResize="0"/>
           <p:nvPr/>
         </p:nvPicPr>
@@ -17087,7 +18695,7 @@
       </p:pic>
       <p:sp>
         <p:nvSpPr>
-          <p:cNvPr id="90" name="Google Shape;90;p17"/>
+          <p:cNvPr id="91" name="Google Shape;91;p17"/>
           <p:cNvSpPr txBox="1"/>
           <p:nvPr/>
         </p:nvSpPr>
@@ -17307,7 +18915,7 @@
       </p:sp>
       <p:sp>
         <p:nvSpPr>
-          <p:cNvPr id="91" name="Google Shape;91;p17"/>
+          <p:cNvPr id="92" name="Google Shape;92;p17"/>
           <p:cNvSpPr txBox="1"/>
           <p:nvPr/>
         </p:nvSpPr>
@@ -17381,7 +18989,7 @@
   <p:cSld>
     <p:spTree>
       <p:nvGrpSpPr>
-        <p:cNvPr id="1" name="Shape 95"/>
+        <p:cNvPr id="1" name="Shape 96"/>
         <p:cNvGrpSpPr/>
         <p:nvPr/>
       </p:nvGrpSpPr>
@@ -17395,7 +19003,7 @@
       </p:grpSpPr>
       <p:sp>
         <p:nvSpPr>
-          <p:cNvPr id="96" name="Google Shape;96;p18"/>
+          <p:cNvPr id="97" name="Google Shape;97;p18"/>
           <p:cNvSpPr txBox="1"/>
           <p:nvPr/>
         </p:nvSpPr>
@@ -17458,7 +19066,7 @@
       </p:sp>
       <p:sp>
         <p:nvSpPr>
-          <p:cNvPr id="97" name="Google Shape;97;p18"/>
+          <p:cNvPr id="98" name="Google Shape;98;p18"/>
           <p:cNvSpPr txBox="1"/>
           <p:nvPr/>
         </p:nvSpPr>
@@ -17750,7 +19358,7 @@
       </p:sp>
       <p:pic>
         <p:nvPicPr>
-          <p:cNvPr id="98" name="Google Shape;98;p18"/>
+          <p:cNvPr id="99" name="Google Shape;99;p18"/>
           <p:cNvPicPr preferRelativeResize="0"/>
           <p:nvPr/>
         </p:nvPicPr>
@@ -17783,7 +19391,7 @@
       </p:pic>
       <p:pic>
         <p:nvPicPr>
-          <p:cNvPr id="99" name="Google Shape;99;p18"/>
+          <p:cNvPr id="100" name="Google Shape;100;p18"/>
           <p:cNvPicPr preferRelativeResize="0"/>
           <p:nvPr/>
         </p:nvPicPr>
@@ -17816,7 +19424,7 @@
       </p:pic>
       <p:sp>
         <p:nvSpPr>
-          <p:cNvPr id="100" name="Google Shape;100;p18"/>
+          <p:cNvPr id="101" name="Google Shape;101;p18"/>
           <p:cNvSpPr txBox="1"/>
           <p:nvPr/>
         </p:nvSpPr>
@@ -18002,7 +19610,7 @@
       </p:sp>
       <p:sp>
         <p:nvSpPr>
-          <p:cNvPr id="101" name="Google Shape;101;p18"/>
+          <p:cNvPr id="102" name="Google Shape;102;p18"/>
           <p:cNvSpPr txBox="1"/>
           <p:nvPr/>
         </p:nvSpPr>
@@ -18124,7 +19732,7 @@
       </p:sp>
       <p:sp>
         <p:nvSpPr>
-          <p:cNvPr id="102" name="Google Shape;102;p18"/>
+          <p:cNvPr id="103" name="Google Shape;103;p18"/>
           <p:cNvSpPr txBox="1"/>
           <p:nvPr/>
         </p:nvSpPr>
@@ -18222,7 +19830,7 @@
       </p:sp>
       <p:sp>
         <p:nvSpPr>
-          <p:cNvPr id="103" name="Google Shape;103;p18"/>
+          <p:cNvPr id="104" name="Google Shape;104;p18"/>
           <p:cNvSpPr txBox="1"/>
           <p:nvPr/>
         </p:nvSpPr>
@@ -18384,7 +19992,7 @@
       </p:sp>
       <p:pic>
         <p:nvPicPr>
-          <p:cNvPr id="104" name="Google Shape;104;p18"/>
+          <p:cNvPr id="105" name="Google Shape;105;p18"/>
           <p:cNvPicPr preferRelativeResize="0"/>
           <p:nvPr/>
         </p:nvPicPr>
@@ -18423,7 +20031,7 @@
       </p:pic>
       <p:sp>
         <p:nvSpPr>
-          <p:cNvPr id="105" name="Google Shape;105;p18"/>
+          <p:cNvPr id="106" name="Google Shape;106;p18"/>
           <p:cNvSpPr txBox="1"/>
           <p:nvPr/>
         </p:nvSpPr>
@@ -18556,7 +20164,7 @@
   <p:cSld>
     <p:spTree>
       <p:nvGrpSpPr>
-        <p:cNvPr id="1" name="Shape 109"/>
+        <p:cNvPr id="1" name="Shape 110"/>
         <p:cNvGrpSpPr/>
         <p:nvPr/>
       </p:nvGrpSpPr>
@@ -18570,7 +20178,7 @@
       </p:grpSpPr>
       <p:sp>
         <p:nvSpPr>
-          <p:cNvPr id="110" name="Google Shape;110;p19"/>
+          <p:cNvPr id="111" name="Google Shape;111;p19"/>
           <p:cNvSpPr txBox="1"/>
           <p:nvPr/>
         </p:nvSpPr>
@@ -18633,7 +20241,7 @@
       </p:sp>
       <p:sp>
         <p:nvSpPr>
-          <p:cNvPr id="111" name="Google Shape;111;p19"/>
+          <p:cNvPr id="112" name="Google Shape;112;p19"/>
           <p:cNvSpPr txBox="1"/>
           <p:nvPr/>
         </p:nvSpPr>
@@ -18783,7 +20391,7 @@
       </p:sp>
       <p:sp>
         <p:nvSpPr>
-          <p:cNvPr id="112" name="Google Shape;112;p19"/>
+          <p:cNvPr id="113" name="Google Shape;113;p19"/>
           <p:cNvSpPr txBox="1"/>
           <p:nvPr/>
         </p:nvSpPr>
@@ -18921,7 +20529,7 @@
       </p:sp>
       <p:pic>
         <p:nvPicPr>
-          <p:cNvPr id="113" name="Google Shape;113;p19"/>
+          <p:cNvPr id="114" name="Google Shape;114;p19"/>
           <p:cNvPicPr preferRelativeResize="0"/>
           <p:nvPr/>
         </p:nvPicPr>
@@ -18960,7 +20568,7 @@
       </p:pic>
       <p:sp>
         <p:nvSpPr>
-          <p:cNvPr id="114" name="Google Shape;114;p19"/>
+          <p:cNvPr id="115" name="Google Shape;115;p19"/>
           <p:cNvSpPr/>
           <p:nvPr/>
         </p:nvSpPr>
@@ -19009,7 +20617,7 @@
       </p:sp>
       <p:sp>
         <p:nvSpPr>
-          <p:cNvPr id="115" name="Google Shape;115;p19"/>
+          <p:cNvPr id="116" name="Google Shape;116;p19"/>
           <p:cNvSpPr txBox="1"/>
           <p:nvPr/>
         </p:nvSpPr>
@@ -19086,7 +20694,7 @@
   <p:cSld>
     <p:spTree>
       <p:nvGrpSpPr>
-        <p:cNvPr id="1" name="Shape 119"/>
+        <p:cNvPr id="1" name="Shape 120"/>
         <p:cNvGrpSpPr/>
         <p:nvPr/>
       </p:nvGrpSpPr>
@@ -19100,7 +20708,7 @@
       </p:grpSpPr>
       <p:sp>
         <p:nvSpPr>
-          <p:cNvPr id="120" name="Google Shape;120;p20"/>
+          <p:cNvPr id="121" name="Google Shape;121;p20"/>
           <p:cNvSpPr txBox="1"/>
           <p:nvPr/>
         </p:nvSpPr>
@@ -19163,7 +20771,7 @@
       </p:sp>
       <p:sp>
         <p:nvSpPr>
-          <p:cNvPr id="121" name="Google Shape;121;p20"/>
+          <p:cNvPr id="122" name="Google Shape;122;p20"/>
           <p:cNvSpPr txBox="1"/>
           <p:nvPr/>
         </p:nvSpPr>
@@ -19286,7 +20894,7 @@
       </p:sp>
       <p:sp>
         <p:nvSpPr>
-          <p:cNvPr id="122" name="Google Shape;122;p20"/>
+          <p:cNvPr id="123" name="Google Shape;123;p20"/>
           <p:cNvSpPr txBox="1"/>
           <p:nvPr/>
         </p:nvSpPr>
@@ -19435,7 +21043,7 @@
       </p:sp>
       <p:pic>
         <p:nvPicPr>
-          <p:cNvPr id="123" name="Google Shape;123;p20"/>
+          <p:cNvPr id="124" name="Google Shape;124;p20"/>
           <p:cNvPicPr preferRelativeResize="0"/>
           <p:nvPr/>
         </p:nvPicPr>
@@ -19473,7 +21081,7 @@
       </p:pic>
       <p:pic>
         <p:nvPicPr>
-          <p:cNvPr id="124" name="Google Shape;124;p20"/>
+          <p:cNvPr id="125" name="Google Shape;125;p20"/>
           <p:cNvPicPr preferRelativeResize="0"/>
           <p:nvPr/>
         </p:nvPicPr>
@@ -19506,7 +21114,7 @@
       </p:pic>
       <p:sp>
         <p:nvSpPr>
-          <p:cNvPr id="125" name="Google Shape;125;p20"/>
+          <p:cNvPr id="126" name="Google Shape;126;p20"/>
           <p:cNvSpPr txBox="1"/>
           <p:nvPr/>
         </p:nvSpPr>
@@ -19566,7 +21174,7 @@
       </p:sp>
       <p:pic>
         <p:nvPicPr>
-          <p:cNvPr id="126" name="Google Shape;126;p20"/>
+          <p:cNvPr id="127" name="Google Shape;127;p20"/>
           <p:cNvPicPr preferRelativeResize="0"/>
           <p:nvPr/>
         </p:nvPicPr>
@@ -19616,7 +21224,7 @@
   <p:cSld>
     <p:spTree>
       <p:nvGrpSpPr>
-        <p:cNvPr id="1" name="Shape 130"/>
+        <p:cNvPr id="1" name="Shape 131"/>
         <p:cNvGrpSpPr/>
         <p:nvPr/>
       </p:nvGrpSpPr>
@@ -19630,7 +21238,7 @@
       </p:grpSpPr>
       <p:sp>
         <p:nvSpPr>
-          <p:cNvPr id="131" name="Google Shape;131;p21"/>
+          <p:cNvPr id="132" name="Google Shape;132;p21"/>
           <p:cNvSpPr txBox="1"/>
           <p:nvPr/>
         </p:nvSpPr>
@@ -19677,7 +21285,7 @@
                 <a:cs typeface="Calibri"/>
                 <a:sym typeface="Calibri"/>
               </a:rPr>
-              <a:t>TIME's list of 100 people in AI for 2024</a:t>
+              <a:t>Misc 2</a:t>
             </a:r>
             <a:endParaRPr sz="2000" b="1">
               <a:solidFill>
@@ -19693,1664 +21301,7 @@
       </p:sp>
       <p:sp>
         <p:nvSpPr>
-          <p:cNvPr id="132" name="Google Shape;132;p21"/>
-          <p:cNvSpPr txBox="1"/>
-          <p:nvPr/>
-        </p:nvSpPr>
-        <p:spPr>
-          <a:xfrm>
-            <a:off x="109875" y="611350"/>
-            <a:ext cx="4451100" cy="2050200"/>
-          </a:xfrm>
-          <a:prstGeom prst="rect">
-            <a:avLst/>
-          </a:prstGeom>
-          <a:solidFill>
-            <a:srgbClr val="FFF2CC"/>
-          </a:solidFill>
-          <a:ln w="9525" cap="flat" cmpd="sng">
-            <a:solidFill>
-              <a:srgbClr val="FF0000"/>
-            </a:solidFill>
-            <a:prstDash val="solid"/>
-            <a:round/>
-            <a:headEnd type="none" w="sm" len="sm"/>
-            <a:tailEnd type="none" w="sm" len="sm"/>
-          </a:ln>
-        </p:spPr>
-        <p:txBody>
-          <a:bodyPr spcFirstLastPara="1" wrap="square" lIns="9125" tIns="9125" rIns="9125" bIns="9125" anchor="t" anchorCtr="0">
-            <a:spAutoFit/>
-          </a:bodyPr>
-          <a:lstStyle/>
-          <a:p>
-            <a:pPr marL="0" lvl="0" indent="0" algn="l" rtl="0">
-              <a:spcBef>
-                <a:spcPts val="0"/>
-              </a:spcBef>
-              <a:spcAft>
-                <a:spcPts val="0"/>
-              </a:spcAft>
-              <a:buNone/>
-            </a:pPr>
-            <a:r>
-              <a:rPr lang="en" sz="1100" b="1">
-                <a:solidFill>
-                  <a:srgbClr val="FF0000"/>
-                </a:solidFill>
-                <a:latin typeface="Calibri"/>
-                <a:ea typeface="Calibri"/>
-                <a:cs typeface="Calibri"/>
-                <a:sym typeface="Calibri"/>
-              </a:rPr>
-              <a:t>Leaders</a:t>
-            </a:r>
-            <a:endParaRPr sz="1100" b="1">
-              <a:solidFill>
-                <a:srgbClr val="FF0000"/>
-              </a:solidFill>
-              <a:latin typeface="Calibri"/>
-              <a:ea typeface="Calibri"/>
-              <a:cs typeface="Calibri"/>
-              <a:sym typeface="Calibri"/>
-            </a:endParaRPr>
-          </a:p>
-          <a:p>
-            <a:pPr marL="228600" lvl="0" indent="-127000" algn="l" rtl="0">
-              <a:spcBef>
-                <a:spcPts val="0"/>
-              </a:spcBef>
-              <a:spcAft>
-                <a:spcPts val="0"/>
-              </a:spcAft>
-              <a:buSzPts val="1100"/>
-              <a:buFont typeface="Calibri"/>
-              <a:buChar char="●"/>
-            </a:pPr>
-            <a:r>
-              <a:rPr lang="en" sz="1100">
-                <a:latin typeface="Calibri"/>
-                <a:ea typeface="Calibri"/>
-                <a:cs typeface="Calibri"/>
-                <a:sym typeface="Calibri"/>
-              </a:rPr>
-              <a:t>Sundar Pichai, CEO, Google and Alphabet</a:t>
-            </a:r>
-            <a:endParaRPr sz="1100">
-              <a:latin typeface="Calibri"/>
-              <a:ea typeface="Calibri"/>
-              <a:cs typeface="Calibri"/>
-              <a:sym typeface="Calibri"/>
-            </a:endParaRPr>
-          </a:p>
-          <a:p>
-            <a:pPr marL="228600" lvl="0" indent="-127000" algn="l" rtl="0">
-              <a:spcBef>
-                <a:spcPts val="0"/>
-              </a:spcBef>
-              <a:spcAft>
-                <a:spcPts val="0"/>
-              </a:spcAft>
-              <a:buSzPts val="1100"/>
-              <a:buFont typeface="Calibri"/>
-              <a:buChar char="●"/>
-            </a:pPr>
-            <a:r>
-              <a:rPr lang="en" sz="1100">
-                <a:latin typeface="Calibri"/>
-                <a:ea typeface="Calibri"/>
-                <a:cs typeface="Calibri"/>
-                <a:sym typeface="Calibri"/>
-              </a:rPr>
-              <a:t>Satya Nadella, CEO, Microsoft</a:t>
-            </a:r>
-            <a:endParaRPr sz="1100">
-              <a:latin typeface="Calibri"/>
-              <a:ea typeface="Calibri"/>
-              <a:cs typeface="Calibri"/>
-              <a:sym typeface="Calibri"/>
-            </a:endParaRPr>
-          </a:p>
-          <a:p>
-            <a:pPr marL="228600" lvl="0" indent="-127000" algn="l" rtl="0">
-              <a:spcBef>
-                <a:spcPts val="0"/>
-              </a:spcBef>
-              <a:spcAft>
-                <a:spcPts val="0"/>
-              </a:spcAft>
-              <a:buSzPts val="1100"/>
-              <a:buFont typeface="Calibri"/>
-              <a:buChar char="●"/>
-            </a:pPr>
-            <a:r>
-              <a:rPr lang="en" sz="1100">
-                <a:latin typeface="Calibri"/>
-                <a:ea typeface="Calibri"/>
-                <a:cs typeface="Calibri"/>
-                <a:sym typeface="Calibri"/>
-              </a:rPr>
-              <a:t>Sasha Luccioni, AI &amp; Climate Lead, Hugging Face</a:t>
-            </a:r>
-            <a:endParaRPr sz="1100">
-              <a:latin typeface="Calibri"/>
-              <a:ea typeface="Calibri"/>
-              <a:cs typeface="Calibri"/>
-              <a:sym typeface="Calibri"/>
-            </a:endParaRPr>
-          </a:p>
-          <a:p>
-            <a:pPr marL="228600" lvl="0" indent="-127000" algn="l" rtl="0">
-              <a:spcBef>
-                <a:spcPts val="0"/>
-              </a:spcBef>
-              <a:spcAft>
-                <a:spcPts val="0"/>
-              </a:spcAft>
-              <a:buSzPts val="1100"/>
-              <a:buFont typeface="Calibri"/>
-              <a:buChar char="●"/>
-            </a:pPr>
-            <a:r>
-              <a:rPr lang="en" sz="1100">
-                <a:latin typeface="Calibri"/>
-                <a:ea typeface="Calibri"/>
-                <a:cs typeface="Calibri"/>
-                <a:sym typeface="Calibri"/>
-              </a:rPr>
-              <a:t>Sam Altman, CEO, OpenAI</a:t>
-            </a:r>
-            <a:endParaRPr sz="1100">
-              <a:latin typeface="Calibri"/>
-              <a:ea typeface="Calibri"/>
-              <a:cs typeface="Calibri"/>
-              <a:sym typeface="Calibri"/>
-            </a:endParaRPr>
-          </a:p>
-          <a:p>
-            <a:pPr marL="228600" lvl="0" indent="-127000" algn="l" rtl="0">
-              <a:spcBef>
-                <a:spcPts val="0"/>
-              </a:spcBef>
-              <a:spcAft>
-                <a:spcPts val="0"/>
-              </a:spcAft>
-              <a:buSzPts val="1100"/>
-              <a:buFont typeface="Calibri"/>
-              <a:buChar char="●"/>
-            </a:pPr>
-            <a:r>
-              <a:rPr lang="en" sz="1100">
-                <a:latin typeface="Calibri"/>
-                <a:ea typeface="Calibri"/>
-                <a:cs typeface="Calibri"/>
-                <a:sym typeface="Calibri"/>
-              </a:rPr>
-              <a:t>Jensen Huang, CEO, Nvidia</a:t>
-            </a:r>
-            <a:endParaRPr sz="1100">
-              <a:latin typeface="Calibri"/>
-              <a:ea typeface="Calibri"/>
-              <a:cs typeface="Calibri"/>
-              <a:sym typeface="Calibri"/>
-            </a:endParaRPr>
-          </a:p>
-          <a:p>
-            <a:pPr marL="228600" lvl="0" indent="-127000" algn="l" rtl="0">
-              <a:spcBef>
-                <a:spcPts val="0"/>
-              </a:spcBef>
-              <a:spcAft>
-                <a:spcPts val="0"/>
-              </a:spcAft>
-              <a:buSzPts val="1100"/>
-              <a:buFont typeface="Calibri"/>
-              <a:buChar char="●"/>
-            </a:pPr>
-            <a:r>
-              <a:rPr lang="en" sz="1100">
-                <a:latin typeface="Calibri"/>
-                <a:ea typeface="Calibri"/>
-                <a:cs typeface="Calibri"/>
-                <a:sym typeface="Calibri"/>
-              </a:rPr>
-              <a:t>Rohit Prasad, SVP, Chief Scientist - Artificial General Intelligence, Amazon</a:t>
-            </a:r>
-            <a:endParaRPr sz="1100">
-              <a:latin typeface="Calibri"/>
-              <a:ea typeface="Calibri"/>
-              <a:cs typeface="Calibri"/>
-              <a:sym typeface="Calibri"/>
-            </a:endParaRPr>
-          </a:p>
-          <a:p>
-            <a:pPr marL="228600" lvl="0" indent="-127000" algn="l" rtl="0">
-              <a:spcBef>
-                <a:spcPts val="0"/>
-              </a:spcBef>
-              <a:spcAft>
-                <a:spcPts val="0"/>
-              </a:spcAft>
-              <a:buSzPts val="1100"/>
-              <a:buFont typeface="Calibri"/>
-              <a:buChar char="●"/>
-            </a:pPr>
-            <a:r>
-              <a:rPr lang="en" sz="1100">
-                <a:latin typeface="Calibri"/>
-                <a:ea typeface="Calibri"/>
-                <a:cs typeface="Calibri"/>
-                <a:sym typeface="Calibri"/>
-              </a:rPr>
-              <a:t>Cari Tuna, President, Open Philanthropy</a:t>
-            </a:r>
-            <a:endParaRPr sz="1100">
-              <a:latin typeface="Calibri"/>
-              <a:ea typeface="Calibri"/>
-              <a:cs typeface="Calibri"/>
-              <a:sym typeface="Calibri"/>
-            </a:endParaRPr>
-          </a:p>
-          <a:p>
-            <a:pPr marL="228600" lvl="0" indent="-127000" algn="l" rtl="0">
-              <a:spcBef>
-                <a:spcPts val="0"/>
-              </a:spcBef>
-              <a:spcAft>
-                <a:spcPts val="0"/>
-              </a:spcAft>
-              <a:buSzPts val="1100"/>
-              <a:buFont typeface="Calibri"/>
-              <a:buChar char="●"/>
-            </a:pPr>
-            <a:r>
-              <a:rPr lang="en" sz="1100">
-                <a:latin typeface="Calibri"/>
-                <a:ea typeface="Calibri"/>
-                <a:cs typeface="Calibri"/>
-                <a:sym typeface="Calibri"/>
-              </a:rPr>
-              <a:t>Zhuang Rongwen, Director, Cyberspace Administration of China</a:t>
-            </a:r>
-            <a:endParaRPr sz="1100">
-              <a:latin typeface="Calibri"/>
-              <a:ea typeface="Calibri"/>
-              <a:cs typeface="Calibri"/>
-              <a:sym typeface="Calibri"/>
-            </a:endParaRPr>
-          </a:p>
-          <a:p>
-            <a:pPr marL="228600" lvl="0" indent="-127000" algn="l" rtl="0">
-              <a:spcBef>
-                <a:spcPts val="0"/>
-              </a:spcBef>
-              <a:spcAft>
-                <a:spcPts val="0"/>
-              </a:spcAft>
-              <a:buSzPts val="1100"/>
-              <a:buFont typeface="Calibri"/>
-              <a:buChar char="●"/>
-            </a:pPr>
-            <a:r>
-              <a:rPr lang="en" sz="1100">
-                <a:latin typeface="Calibri"/>
-                <a:ea typeface="Calibri"/>
-                <a:cs typeface="Calibri"/>
-                <a:sym typeface="Calibri"/>
-              </a:rPr>
-              <a:t>Mark Zuckerberg, CEO, Meta</a:t>
-            </a:r>
-            <a:endParaRPr sz="1100">
-              <a:latin typeface="Calibri"/>
-              <a:ea typeface="Calibri"/>
-              <a:cs typeface="Calibri"/>
-              <a:sym typeface="Calibri"/>
-            </a:endParaRPr>
-          </a:p>
-          <a:p>
-            <a:pPr marL="228600" lvl="0" indent="-127000" algn="l" rtl="0">
-              <a:spcBef>
-                <a:spcPts val="0"/>
-              </a:spcBef>
-              <a:spcAft>
-                <a:spcPts val="0"/>
-              </a:spcAft>
-              <a:buSzPts val="1100"/>
-              <a:buFont typeface="Calibri"/>
-              <a:buChar char="●"/>
-            </a:pPr>
-            <a:r>
-              <a:rPr lang="en" sz="1100">
-                <a:latin typeface="Calibri"/>
-                <a:ea typeface="Calibri"/>
-                <a:cs typeface="Calibri"/>
-                <a:sym typeface="Calibri"/>
-              </a:rPr>
-              <a:t>Demis Hassabis, CEO and co-founder, Google DeepMind</a:t>
-            </a:r>
-            <a:endParaRPr sz="1100">
-              <a:latin typeface="Calibri"/>
-              <a:ea typeface="Calibri"/>
-              <a:cs typeface="Calibri"/>
-              <a:sym typeface="Calibri"/>
-            </a:endParaRPr>
-          </a:p>
-          <a:p>
-            <a:pPr marL="228600" lvl="0" indent="-127000" algn="l" rtl="0">
-              <a:spcBef>
-                <a:spcPts val="0"/>
-              </a:spcBef>
-              <a:spcAft>
-                <a:spcPts val="0"/>
-              </a:spcAft>
-              <a:buSzPts val="1100"/>
-              <a:buFont typeface="Calibri"/>
-              <a:buChar char="●"/>
-            </a:pPr>
-            <a:r>
-              <a:rPr lang="en" sz="1100">
-                <a:latin typeface="Calibri"/>
-                <a:ea typeface="Calibri"/>
-                <a:cs typeface="Calibri"/>
-                <a:sym typeface="Calibri"/>
-              </a:rPr>
-              <a:t>...</a:t>
-            </a:r>
-            <a:endParaRPr sz="1100">
-              <a:latin typeface="Calibri"/>
-              <a:ea typeface="Calibri"/>
-              <a:cs typeface="Calibri"/>
-              <a:sym typeface="Calibri"/>
-            </a:endParaRPr>
-          </a:p>
-        </p:txBody>
-      </p:sp>
-      <p:sp>
-        <p:nvSpPr>
           <p:cNvPr id="133" name="Google Shape;133;p21"/>
-          <p:cNvSpPr txBox="1"/>
-          <p:nvPr/>
-        </p:nvSpPr>
-        <p:spPr>
-          <a:xfrm>
-            <a:off x="4621225" y="430486"/>
-            <a:ext cx="4451100" cy="2388900"/>
-          </a:xfrm>
-          <a:prstGeom prst="rect">
-            <a:avLst/>
-          </a:prstGeom>
-          <a:solidFill>
-            <a:srgbClr val="FFF2CC"/>
-          </a:solidFill>
-          <a:ln w="9525" cap="flat" cmpd="sng">
-            <a:solidFill>
-              <a:srgbClr val="FF0000"/>
-            </a:solidFill>
-            <a:prstDash val="solid"/>
-            <a:round/>
-            <a:headEnd type="none" w="sm" len="sm"/>
-            <a:tailEnd type="none" w="sm" len="sm"/>
-          </a:ln>
-        </p:spPr>
-        <p:txBody>
-          <a:bodyPr spcFirstLastPara="1" wrap="square" lIns="9125" tIns="9125" rIns="9125" bIns="9125" anchor="t" anchorCtr="0">
-            <a:spAutoFit/>
-          </a:bodyPr>
-          <a:lstStyle/>
-          <a:p>
-            <a:pPr marL="0" lvl="0" indent="0" algn="l" rtl="0">
-              <a:spcBef>
-                <a:spcPts val="0"/>
-              </a:spcBef>
-              <a:spcAft>
-                <a:spcPts val="0"/>
-              </a:spcAft>
-              <a:buNone/>
-            </a:pPr>
-            <a:r>
-              <a:rPr lang="en" sz="1100" b="1">
-                <a:solidFill>
-                  <a:srgbClr val="FF0000"/>
-                </a:solidFill>
-                <a:latin typeface="Calibri"/>
-                <a:ea typeface="Calibri"/>
-                <a:cs typeface="Calibri"/>
-                <a:sym typeface="Calibri"/>
-              </a:rPr>
-              <a:t>Thinkers</a:t>
-            </a:r>
-            <a:endParaRPr sz="1100" b="1">
-              <a:solidFill>
-                <a:srgbClr val="FF0000"/>
-              </a:solidFill>
-              <a:latin typeface="Calibri"/>
-              <a:ea typeface="Calibri"/>
-              <a:cs typeface="Calibri"/>
-              <a:sym typeface="Calibri"/>
-            </a:endParaRPr>
-          </a:p>
-          <a:p>
-            <a:pPr marL="228600" lvl="0" indent="-127000" algn="l" rtl="0">
-              <a:spcBef>
-                <a:spcPts val="0"/>
-              </a:spcBef>
-              <a:spcAft>
-                <a:spcPts val="0"/>
-              </a:spcAft>
-              <a:buSzPts val="1100"/>
-              <a:buFont typeface="Calibri"/>
-              <a:buChar char="●"/>
-            </a:pPr>
-            <a:r>
-              <a:rPr lang="en" sz="1100">
-                <a:latin typeface="Calibri"/>
-                <a:ea typeface="Calibri"/>
-                <a:cs typeface="Calibri"/>
-                <a:sym typeface="Calibri"/>
-              </a:rPr>
-              <a:t>Ray Kurzweil, Author. Principal Researcher and AI Visionary, Google</a:t>
-            </a:r>
-            <a:endParaRPr sz="1100">
-              <a:latin typeface="Calibri"/>
-              <a:ea typeface="Calibri"/>
-              <a:cs typeface="Calibri"/>
-              <a:sym typeface="Calibri"/>
-            </a:endParaRPr>
-          </a:p>
-          <a:p>
-            <a:pPr marL="228600" lvl="0" indent="-127000" algn="l" rtl="0">
-              <a:spcBef>
-                <a:spcPts val="0"/>
-              </a:spcBef>
-              <a:spcAft>
-                <a:spcPts val="0"/>
-              </a:spcAft>
-              <a:buSzPts val="1100"/>
-              <a:buFont typeface="Calibri"/>
-              <a:buChar char="●"/>
-            </a:pPr>
-            <a:r>
-              <a:rPr lang="en" sz="1100">
-                <a:latin typeface="Calibri"/>
-                <a:ea typeface="Calibri"/>
-                <a:cs typeface="Calibri"/>
-                <a:sym typeface="Calibri"/>
-              </a:rPr>
-              <a:t>Ilya Sutskever, Co-founder, Safe Superintelligence</a:t>
-            </a:r>
-            <a:endParaRPr sz="1100">
-              <a:latin typeface="Calibri"/>
-              <a:ea typeface="Calibri"/>
-              <a:cs typeface="Calibri"/>
-              <a:sym typeface="Calibri"/>
-            </a:endParaRPr>
-          </a:p>
-          <a:p>
-            <a:pPr marL="228600" lvl="0" indent="-127000" algn="l" rtl="0">
-              <a:spcBef>
-                <a:spcPts val="0"/>
-              </a:spcBef>
-              <a:spcAft>
-                <a:spcPts val="0"/>
-              </a:spcAft>
-              <a:buSzPts val="1100"/>
-              <a:buFont typeface="Calibri"/>
-              <a:buChar char="●"/>
-            </a:pPr>
-            <a:r>
-              <a:rPr lang="en" sz="1100">
-                <a:latin typeface="Calibri"/>
-                <a:ea typeface="Calibri"/>
-                <a:cs typeface="Calibri"/>
-                <a:sym typeface="Calibri"/>
-              </a:rPr>
-              <a:t>Albert Gu, Assistant professor, machine learning, Carnegie Mellon University / co-founder, Cartesia</a:t>
-            </a:r>
-            <a:endParaRPr sz="1100">
-              <a:latin typeface="Calibri"/>
-              <a:ea typeface="Calibri"/>
-              <a:cs typeface="Calibri"/>
-              <a:sym typeface="Calibri"/>
-            </a:endParaRPr>
-          </a:p>
-          <a:p>
-            <a:pPr marL="228600" lvl="0" indent="-127000" algn="l" rtl="0">
-              <a:spcBef>
-                <a:spcPts val="0"/>
-              </a:spcBef>
-              <a:spcAft>
-                <a:spcPts val="0"/>
-              </a:spcAft>
-              <a:buSzPts val="1100"/>
-              <a:buFont typeface="Calibri"/>
-              <a:buChar char="●"/>
-            </a:pPr>
-            <a:r>
-              <a:rPr lang="en" sz="1100">
-                <a:latin typeface="Calibri"/>
-                <a:ea typeface="Calibri"/>
-                <a:cs typeface="Calibri"/>
-                <a:sym typeface="Calibri"/>
-              </a:rPr>
-              <a:t>Andrej Karpathy, Founder, Eureka Labs</a:t>
-            </a:r>
-            <a:endParaRPr sz="1100">
-              <a:latin typeface="Calibri"/>
-              <a:ea typeface="Calibri"/>
-              <a:cs typeface="Calibri"/>
-              <a:sym typeface="Calibri"/>
-            </a:endParaRPr>
-          </a:p>
-          <a:p>
-            <a:pPr marL="228600" lvl="0" indent="-127000" algn="l" rtl="0">
-              <a:spcBef>
-                <a:spcPts val="0"/>
-              </a:spcBef>
-              <a:spcAft>
-                <a:spcPts val="0"/>
-              </a:spcAft>
-              <a:buSzPts val="1100"/>
-              <a:buFont typeface="Calibri"/>
-              <a:buChar char="●"/>
-            </a:pPr>
-            <a:r>
-              <a:rPr lang="en" sz="1100">
-                <a:latin typeface="Calibri"/>
-                <a:ea typeface="Calibri"/>
-                <a:cs typeface="Calibri"/>
-                <a:sym typeface="Calibri"/>
-              </a:rPr>
-              <a:t>Andrew Yao, Dean, Institute for Interdisciplinary Information Sciences, Tsinghua University</a:t>
-            </a:r>
-            <a:endParaRPr sz="1100">
-              <a:latin typeface="Calibri"/>
-              <a:ea typeface="Calibri"/>
-              <a:cs typeface="Calibri"/>
-              <a:sym typeface="Calibri"/>
-            </a:endParaRPr>
-          </a:p>
-          <a:p>
-            <a:pPr marL="228600" lvl="0" indent="-127000" algn="l" rtl="0">
-              <a:spcBef>
-                <a:spcPts val="0"/>
-              </a:spcBef>
-              <a:spcAft>
-                <a:spcPts val="0"/>
-              </a:spcAft>
-              <a:buSzPts val="1100"/>
-              <a:buFont typeface="Calibri"/>
-              <a:buChar char="●"/>
-            </a:pPr>
-            <a:r>
-              <a:rPr lang="en" sz="1100">
-                <a:latin typeface="Calibri"/>
-                <a:ea typeface="Calibri"/>
-                <a:cs typeface="Calibri"/>
-                <a:sym typeface="Calibri"/>
-              </a:rPr>
-              <a:t>Iason Gabriel, Research scientist, Google DeepMind</a:t>
-            </a:r>
-            <a:endParaRPr sz="1100">
-              <a:latin typeface="Calibri"/>
-              <a:ea typeface="Calibri"/>
-              <a:cs typeface="Calibri"/>
-              <a:sym typeface="Calibri"/>
-            </a:endParaRPr>
-          </a:p>
-          <a:p>
-            <a:pPr marL="228600" lvl="0" indent="-127000" algn="l" rtl="0">
-              <a:spcBef>
-                <a:spcPts val="0"/>
-              </a:spcBef>
-              <a:spcAft>
-                <a:spcPts val="0"/>
-              </a:spcAft>
-              <a:buSzPts val="1100"/>
-              <a:buFont typeface="Calibri"/>
-              <a:buChar char="●"/>
-            </a:pPr>
-            <a:r>
-              <a:rPr lang="en" sz="1100">
-                <a:latin typeface="Calibri"/>
-                <a:ea typeface="Calibri"/>
-                <a:cs typeface="Calibri"/>
-                <a:sym typeface="Calibri"/>
-              </a:rPr>
-              <a:t>Helen Toner, Former OpenAI board member</a:t>
-            </a:r>
-            <a:endParaRPr sz="1100">
-              <a:latin typeface="Calibri"/>
-              <a:ea typeface="Calibri"/>
-              <a:cs typeface="Calibri"/>
-              <a:sym typeface="Calibri"/>
-            </a:endParaRPr>
-          </a:p>
-          <a:p>
-            <a:pPr marL="228600" lvl="0" indent="-127000" algn="l" rtl="0">
-              <a:spcBef>
-                <a:spcPts val="0"/>
-              </a:spcBef>
-              <a:spcAft>
-                <a:spcPts val="0"/>
-              </a:spcAft>
-              <a:buSzPts val="1100"/>
-              <a:buFont typeface="Calibri"/>
-              <a:buChar char="●"/>
-            </a:pPr>
-            <a:r>
-              <a:rPr lang="en" sz="1100">
-                <a:latin typeface="Calibri"/>
-                <a:ea typeface="Calibri"/>
-                <a:cs typeface="Calibri"/>
-                <a:sym typeface="Calibri"/>
-              </a:rPr>
-              <a:t>Amanda Askell, Member of technical staff, Anthropic</a:t>
-            </a:r>
-            <a:endParaRPr sz="1100">
-              <a:latin typeface="Calibri"/>
-              <a:ea typeface="Calibri"/>
-              <a:cs typeface="Calibri"/>
-              <a:sym typeface="Calibri"/>
-            </a:endParaRPr>
-          </a:p>
-          <a:p>
-            <a:pPr marL="228600" lvl="0" indent="-127000" algn="l" rtl="0">
-              <a:spcBef>
-                <a:spcPts val="0"/>
-              </a:spcBef>
-              <a:spcAft>
-                <a:spcPts val="0"/>
-              </a:spcAft>
-              <a:buSzPts val="1100"/>
-              <a:buFont typeface="Calibri"/>
-              <a:buChar char="●"/>
-            </a:pPr>
-            <a:r>
-              <a:rPr lang="en" sz="1100">
-                <a:latin typeface="Calibri"/>
-                <a:ea typeface="Calibri"/>
-                <a:cs typeface="Calibri"/>
-                <a:sym typeface="Calibri"/>
-              </a:rPr>
-              <a:t>Jan Leike, Alignment Science Co-Lead, Anthropic</a:t>
-            </a:r>
-            <a:endParaRPr sz="1100">
-              <a:latin typeface="Calibri"/>
-              <a:ea typeface="Calibri"/>
-              <a:cs typeface="Calibri"/>
-              <a:sym typeface="Calibri"/>
-            </a:endParaRPr>
-          </a:p>
-          <a:p>
-            <a:pPr marL="228600" lvl="0" indent="-127000" algn="l" rtl="0">
-              <a:spcBef>
-                <a:spcPts val="0"/>
-              </a:spcBef>
-              <a:spcAft>
-                <a:spcPts val="0"/>
-              </a:spcAft>
-              <a:buSzPts val="1100"/>
-              <a:buFont typeface="Calibri"/>
-              <a:buChar char="●"/>
-            </a:pPr>
-            <a:r>
-              <a:rPr lang="en" sz="1100">
-                <a:latin typeface="Calibri"/>
-                <a:ea typeface="Calibri"/>
-                <a:cs typeface="Calibri"/>
-                <a:sym typeface="Calibri"/>
-              </a:rPr>
-              <a:t>Chris Olah, Co-founder, Anthropic</a:t>
-            </a:r>
-            <a:endParaRPr sz="1100">
-              <a:latin typeface="Calibri"/>
-              <a:ea typeface="Calibri"/>
-              <a:cs typeface="Calibri"/>
-              <a:sym typeface="Calibri"/>
-            </a:endParaRPr>
-          </a:p>
-          <a:p>
-            <a:pPr marL="228600" lvl="0" indent="-127000" algn="l" rtl="0">
-              <a:spcBef>
-                <a:spcPts val="0"/>
-              </a:spcBef>
-              <a:spcAft>
-                <a:spcPts val="0"/>
-              </a:spcAft>
-              <a:buSzPts val="1100"/>
-              <a:buFont typeface="Calibri"/>
-              <a:buChar char="●"/>
-            </a:pPr>
-            <a:r>
-              <a:rPr lang="en" sz="1100">
-                <a:latin typeface="Calibri"/>
-                <a:ea typeface="Calibri"/>
-                <a:cs typeface="Calibri"/>
-                <a:sym typeface="Calibri"/>
-              </a:rPr>
-              <a:t>...</a:t>
-            </a:r>
-            <a:endParaRPr sz="1100">
-              <a:latin typeface="Calibri"/>
-              <a:ea typeface="Calibri"/>
-              <a:cs typeface="Calibri"/>
-              <a:sym typeface="Calibri"/>
-            </a:endParaRPr>
-          </a:p>
-        </p:txBody>
-      </p:sp>
-      <p:sp>
-        <p:nvSpPr>
-          <p:cNvPr id="134" name="Google Shape;134;p21"/>
-          <p:cNvSpPr txBox="1"/>
-          <p:nvPr/>
-        </p:nvSpPr>
-        <p:spPr>
-          <a:xfrm>
-            <a:off x="109875" y="2900600"/>
-            <a:ext cx="4451100" cy="2050200"/>
-          </a:xfrm>
-          <a:prstGeom prst="rect">
-            <a:avLst/>
-          </a:prstGeom>
-          <a:solidFill>
-            <a:srgbClr val="FFF2CC"/>
-          </a:solidFill>
-          <a:ln w="9525" cap="flat" cmpd="sng">
-            <a:solidFill>
-              <a:srgbClr val="FF0000"/>
-            </a:solidFill>
-            <a:prstDash val="solid"/>
-            <a:round/>
-            <a:headEnd type="none" w="sm" len="sm"/>
-            <a:tailEnd type="none" w="sm" len="sm"/>
-          </a:ln>
-        </p:spPr>
-        <p:txBody>
-          <a:bodyPr spcFirstLastPara="1" wrap="square" lIns="9125" tIns="9125" rIns="9125" bIns="9125" anchor="t" anchorCtr="0">
-            <a:spAutoFit/>
-          </a:bodyPr>
-          <a:lstStyle/>
-          <a:p>
-            <a:pPr marL="0" lvl="0" indent="0" algn="l" rtl="0">
-              <a:spcBef>
-                <a:spcPts val="0"/>
-              </a:spcBef>
-              <a:spcAft>
-                <a:spcPts val="0"/>
-              </a:spcAft>
-              <a:buNone/>
-            </a:pPr>
-            <a:r>
-              <a:rPr lang="en" sz="1100" b="1">
-                <a:solidFill>
-                  <a:srgbClr val="FF0000"/>
-                </a:solidFill>
-                <a:latin typeface="Calibri"/>
-                <a:ea typeface="Calibri"/>
-                <a:cs typeface="Calibri"/>
-                <a:sym typeface="Calibri"/>
-              </a:rPr>
-              <a:t>Innovators</a:t>
-            </a:r>
-            <a:endParaRPr sz="1100" b="1">
-              <a:solidFill>
-                <a:srgbClr val="FF0000"/>
-              </a:solidFill>
-              <a:latin typeface="Calibri"/>
-              <a:ea typeface="Calibri"/>
-              <a:cs typeface="Calibri"/>
-              <a:sym typeface="Calibri"/>
-            </a:endParaRPr>
-          </a:p>
-          <a:p>
-            <a:pPr marL="228600" lvl="0" indent="-127000" algn="l" rtl="0">
-              <a:spcBef>
-                <a:spcPts val="0"/>
-              </a:spcBef>
-              <a:spcAft>
-                <a:spcPts val="0"/>
-              </a:spcAft>
-              <a:buSzPts val="1100"/>
-              <a:buFont typeface="Calibri"/>
-              <a:buChar char="●"/>
-            </a:pPr>
-            <a:r>
-              <a:rPr lang="en" sz="1100">
-                <a:latin typeface="Calibri"/>
-                <a:ea typeface="Calibri"/>
-                <a:cs typeface="Calibri"/>
-                <a:sym typeface="Calibri"/>
-              </a:rPr>
-              <a:t>Lisa Su, CEO, AMD</a:t>
-            </a:r>
-            <a:endParaRPr sz="1100">
-              <a:latin typeface="Calibri"/>
-              <a:ea typeface="Calibri"/>
-              <a:cs typeface="Calibri"/>
-              <a:sym typeface="Calibri"/>
-            </a:endParaRPr>
-          </a:p>
-          <a:p>
-            <a:pPr marL="228600" lvl="0" indent="-127000" algn="l" rtl="0">
-              <a:spcBef>
-                <a:spcPts val="0"/>
-              </a:spcBef>
-              <a:spcAft>
-                <a:spcPts val="0"/>
-              </a:spcAft>
-              <a:buSzPts val="1100"/>
-              <a:buFont typeface="Calibri"/>
-              <a:buChar char="●"/>
-            </a:pPr>
-            <a:r>
-              <a:rPr lang="en" sz="1100">
-                <a:latin typeface="Calibri"/>
-                <a:ea typeface="Calibri"/>
-                <a:cs typeface="Calibri"/>
-                <a:sym typeface="Calibri"/>
-              </a:rPr>
-              <a:t>Jonathan Ross, CEO, Groq</a:t>
-            </a:r>
-            <a:endParaRPr sz="1100">
-              <a:latin typeface="Calibri"/>
-              <a:ea typeface="Calibri"/>
-              <a:cs typeface="Calibri"/>
-              <a:sym typeface="Calibri"/>
-            </a:endParaRPr>
-          </a:p>
-          <a:p>
-            <a:pPr marL="228600" lvl="0" indent="-127000" algn="l" rtl="0">
-              <a:spcBef>
-                <a:spcPts val="0"/>
-              </a:spcBef>
-              <a:spcAft>
-                <a:spcPts val="0"/>
-              </a:spcAft>
-              <a:buSzPts val="1100"/>
-              <a:buFont typeface="Calibri"/>
-              <a:buChar char="●"/>
-            </a:pPr>
-            <a:r>
-              <a:rPr lang="en" sz="1100">
-                <a:latin typeface="Calibri"/>
-                <a:ea typeface="Calibri"/>
-                <a:cs typeface="Calibri"/>
-                <a:sym typeface="Calibri"/>
-              </a:rPr>
-              <a:t>Victor Riparbelli, CEO, Synthesia</a:t>
-            </a:r>
-            <a:endParaRPr sz="1100">
-              <a:latin typeface="Calibri"/>
-              <a:ea typeface="Calibri"/>
-              <a:cs typeface="Calibri"/>
-              <a:sym typeface="Calibri"/>
-            </a:endParaRPr>
-          </a:p>
-          <a:p>
-            <a:pPr marL="228600" lvl="0" indent="-127000" algn="l" rtl="0">
-              <a:spcBef>
-                <a:spcPts val="0"/>
-              </a:spcBef>
-              <a:spcAft>
-                <a:spcPts val="0"/>
-              </a:spcAft>
-              <a:buSzPts val="1100"/>
-              <a:buFont typeface="Calibri"/>
-              <a:buChar char="●"/>
-            </a:pPr>
-            <a:r>
-              <a:rPr lang="en" sz="1100">
-                <a:latin typeface="Calibri"/>
-                <a:ea typeface="Calibri"/>
-                <a:cs typeface="Calibri"/>
-                <a:sym typeface="Calibri"/>
-              </a:rPr>
-              <a:t>Aravind Srinivas, CEO, Perplexity</a:t>
-            </a:r>
-            <a:endParaRPr sz="1100">
-              <a:latin typeface="Calibri"/>
-              <a:ea typeface="Calibri"/>
-              <a:cs typeface="Calibri"/>
-              <a:sym typeface="Calibri"/>
-            </a:endParaRPr>
-          </a:p>
-          <a:p>
-            <a:pPr marL="228600" lvl="0" indent="-127000" algn="l" rtl="0">
-              <a:spcBef>
-                <a:spcPts val="0"/>
-              </a:spcBef>
-              <a:spcAft>
-                <a:spcPts val="0"/>
-              </a:spcAft>
-              <a:buSzPts val="1100"/>
-              <a:buFont typeface="Calibri"/>
-              <a:buChar char="●"/>
-            </a:pPr>
-            <a:r>
-              <a:rPr lang="en" sz="1100">
-                <a:latin typeface="Calibri"/>
-                <a:ea typeface="Calibri"/>
-                <a:cs typeface="Calibri"/>
-                <a:sym typeface="Calibri"/>
-              </a:rPr>
-              <a:t>Daphne Koller, Founder and CEO, Insitro</a:t>
-            </a:r>
-            <a:endParaRPr sz="1100">
-              <a:latin typeface="Calibri"/>
-              <a:ea typeface="Calibri"/>
-              <a:cs typeface="Calibri"/>
-              <a:sym typeface="Calibri"/>
-            </a:endParaRPr>
-          </a:p>
-          <a:p>
-            <a:pPr marL="228600" lvl="0" indent="-127000" algn="l" rtl="0">
-              <a:spcBef>
-                <a:spcPts val="0"/>
-              </a:spcBef>
-              <a:spcAft>
-                <a:spcPts val="0"/>
-              </a:spcAft>
-              <a:buSzPts val="1100"/>
-              <a:buFont typeface="Calibri"/>
-              <a:buChar char="●"/>
-            </a:pPr>
-            <a:r>
-              <a:rPr lang="en" sz="1100">
-                <a:latin typeface="Calibri"/>
-                <a:ea typeface="Calibri"/>
-                <a:cs typeface="Calibri"/>
-                <a:sym typeface="Calibri"/>
-              </a:rPr>
-              <a:t>Sarah Gurev, Co-lead author on the EveScape project</a:t>
-            </a:r>
-            <a:endParaRPr sz="1100">
-              <a:latin typeface="Calibri"/>
-              <a:ea typeface="Calibri"/>
-              <a:cs typeface="Calibri"/>
-              <a:sym typeface="Calibri"/>
-            </a:endParaRPr>
-          </a:p>
-          <a:p>
-            <a:pPr marL="228600" lvl="0" indent="-127000" algn="l" rtl="0">
-              <a:spcBef>
-                <a:spcPts val="0"/>
-              </a:spcBef>
-              <a:spcAft>
-                <a:spcPts val="0"/>
-              </a:spcAft>
-              <a:buSzPts val="1100"/>
-              <a:buFont typeface="Calibri"/>
-              <a:buChar char="●"/>
-            </a:pPr>
-            <a:r>
-              <a:rPr lang="en" sz="1100">
-                <a:latin typeface="Calibri"/>
-                <a:ea typeface="Calibri"/>
-                <a:cs typeface="Calibri"/>
-                <a:sym typeface="Calibri"/>
-              </a:rPr>
-              <a:t>Mustafa Suleyman, CEO, Microsoft AI</a:t>
-            </a:r>
-            <a:endParaRPr sz="1100">
-              <a:latin typeface="Calibri"/>
-              <a:ea typeface="Calibri"/>
-              <a:cs typeface="Calibri"/>
-              <a:sym typeface="Calibri"/>
-            </a:endParaRPr>
-          </a:p>
-          <a:p>
-            <a:pPr marL="228600" lvl="0" indent="-127000" algn="l" rtl="0">
-              <a:spcBef>
-                <a:spcPts val="0"/>
-              </a:spcBef>
-              <a:spcAft>
-                <a:spcPts val="0"/>
-              </a:spcAft>
-              <a:buSzPts val="1100"/>
-              <a:buFont typeface="Calibri"/>
-              <a:buChar char="●"/>
-            </a:pPr>
-            <a:r>
-              <a:rPr lang="en" sz="1100">
-                <a:latin typeface="Calibri"/>
-                <a:ea typeface="Calibri"/>
-                <a:cs typeface="Calibri"/>
-                <a:sym typeface="Calibri"/>
-              </a:rPr>
-              <a:t>Shiv Rao, Co-founder and CEO, Abridge</a:t>
-            </a:r>
-            <a:endParaRPr sz="1100">
-              <a:latin typeface="Calibri"/>
-              <a:ea typeface="Calibri"/>
-              <a:cs typeface="Calibri"/>
-              <a:sym typeface="Calibri"/>
-            </a:endParaRPr>
-          </a:p>
-          <a:p>
-            <a:pPr marL="228600" lvl="0" indent="-127000" algn="l" rtl="0">
-              <a:spcBef>
-                <a:spcPts val="0"/>
-              </a:spcBef>
-              <a:spcAft>
-                <a:spcPts val="0"/>
-              </a:spcAft>
-              <a:buSzPts val="1100"/>
-              <a:buFont typeface="Calibri"/>
-              <a:buChar char="●"/>
-            </a:pPr>
-            <a:r>
-              <a:rPr lang="en" sz="1100">
-                <a:latin typeface="Calibri"/>
-                <a:ea typeface="Calibri"/>
-                <a:cs typeface="Calibri"/>
-                <a:sym typeface="Calibri"/>
-              </a:rPr>
-              <a:t>Zack Dvey-Aharon, Co-founder and CEO, AEYE Health</a:t>
-            </a:r>
-            <a:endParaRPr sz="1100">
-              <a:latin typeface="Calibri"/>
-              <a:ea typeface="Calibri"/>
-              <a:cs typeface="Calibri"/>
-              <a:sym typeface="Calibri"/>
-            </a:endParaRPr>
-          </a:p>
-          <a:p>
-            <a:pPr marL="228600" lvl="0" indent="-127000" algn="l" rtl="0">
-              <a:spcBef>
-                <a:spcPts val="0"/>
-              </a:spcBef>
-              <a:spcAft>
-                <a:spcPts val="0"/>
-              </a:spcAft>
-              <a:buSzPts val="1100"/>
-              <a:buFont typeface="Calibri"/>
-              <a:buChar char="●"/>
-            </a:pPr>
-            <a:r>
-              <a:rPr lang="en" sz="1100">
-                <a:latin typeface="Calibri"/>
-                <a:ea typeface="Calibri"/>
-                <a:cs typeface="Calibri"/>
-                <a:sym typeface="Calibri"/>
-              </a:rPr>
-              <a:t>Mira Murati, Chief Technology Officer, OpenAI</a:t>
-            </a:r>
-            <a:endParaRPr sz="1100">
-              <a:latin typeface="Calibri"/>
-              <a:ea typeface="Calibri"/>
-              <a:cs typeface="Calibri"/>
-              <a:sym typeface="Calibri"/>
-            </a:endParaRPr>
-          </a:p>
-          <a:p>
-            <a:pPr marL="228600" lvl="0" indent="-127000" algn="l" rtl="0">
-              <a:spcBef>
-                <a:spcPts val="0"/>
-              </a:spcBef>
-              <a:spcAft>
-                <a:spcPts val="0"/>
-              </a:spcAft>
-              <a:buSzPts val="1100"/>
-              <a:buFont typeface="Calibri"/>
-              <a:buChar char="●"/>
-            </a:pPr>
-            <a:r>
-              <a:rPr lang="en" sz="1100">
-                <a:latin typeface="Calibri"/>
-                <a:ea typeface="Calibri"/>
-                <a:cs typeface="Calibri"/>
-                <a:sym typeface="Calibri"/>
-              </a:rPr>
-              <a:t>...</a:t>
-            </a:r>
-            <a:endParaRPr sz="1100">
-              <a:latin typeface="Calibri"/>
-              <a:ea typeface="Calibri"/>
-              <a:cs typeface="Calibri"/>
-              <a:sym typeface="Calibri"/>
-            </a:endParaRPr>
-          </a:p>
-        </p:txBody>
-      </p:sp>
-      <p:sp>
-        <p:nvSpPr>
-          <p:cNvPr id="135" name="Google Shape;135;p21"/>
-          <p:cNvSpPr txBox="1"/>
-          <p:nvPr/>
-        </p:nvSpPr>
-        <p:spPr>
-          <a:xfrm>
-            <a:off x="109875" y="384600"/>
-            <a:ext cx="2670300" cy="156900"/>
-          </a:xfrm>
-          <a:prstGeom prst="rect">
-            <a:avLst/>
-          </a:prstGeom>
-          <a:solidFill>
-            <a:srgbClr val="FFF2CC"/>
-          </a:solidFill>
-          <a:ln w="9525" cap="flat" cmpd="sng">
-            <a:solidFill>
-              <a:srgbClr val="FF0000"/>
-            </a:solidFill>
-            <a:prstDash val="solid"/>
-            <a:round/>
-            <a:headEnd type="none" w="sm" len="sm"/>
-            <a:tailEnd type="none" w="sm" len="sm"/>
-          </a:ln>
-        </p:spPr>
-        <p:txBody>
-          <a:bodyPr spcFirstLastPara="1" wrap="square" lIns="9125" tIns="9125" rIns="9125" bIns="9125" anchor="t" anchorCtr="0">
-            <a:spAutoFit/>
-          </a:bodyPr>
-          <a:lstStyle/>
-          <a:p>
-            <a:pPr marL="0" lvl="0" indent="0" algn="l" rtl="0">
-              <a:spcBef>
-                <a:spcPts val="0"/>
-              </a:spcBef>
-              <a:spcAft>
-                <a:spcPts val="0"/>
-              </a:spcAft>
-              <a:buNone/>
-            </a:pPr>
-            <a:r>
-              <a:rPr lang="en" sz="900" u="sng">
-                <a:solidFill>
-                  <a:schemeClr val="hlink"/>
-                </a:solidFill>
-                <a:latin typeface="Calibri"/>
-                <a:ea typeface="Calibri"/>
-                <a:cs typeface="Calibri"/>
-                <a:sym typeface="Calibri"/>
-                <a:hlinkClick r:id="rId3"/>
-              </a:rPr>
-              <a:t>https://time.com/collection/time100-ai-2024/</a:t>
-            </a:r>
-            <a:r>
-              <a:rPr lang="en" sz="900">
-                <a:latin typeface="Calibri"/>
-                <a:ea typeface="Calibri"/>
-                <a:cs typeface="Calibri"/>
-                <a:sym typeface="Calibri"/>
-              </a:rPr>
-              <a:t> </a:t>
-            </a:r>
-            <a:endParaRPr sz="900">
-              <a:latin typeface="Calibri"/>
-              <a:ea typeface="Calibri"/>
-              <a:cs typeface="Calibri"/>
-              <a:sym typeface="Calibri"/>
-            </a:endParaRPr>
-          </a:p>
-        </p:txBody>
-      </p:sp>
-      <p:sp>
-        <p:nvSpPr>
-          <p:cNvPr id="136" name="Google Shape;136;p21"/>
-          <p:cNvSpPr txBox="1"/>
-          <p:nvPr/>
-        </p:nvSpPr>
-        <p:spPr>
-          <a:xfrm>
-            <a:off x="4621225" y="2880086"/>
-            <a:ext cx="4451100" cy="2050200"/>
-          </a:xfrm>
-          <a:prstGeom prst="rect">
-            <a:avLst/>
-          </a:prstGeom>
-          <a:solidFill>
-            <a:srgbClr val="FFF2CC"/>
-          </a:solidFill>
-          <a:ln w="9525" cap="flat" cmpd="sng">
-            <a:solidFill>
-              <a:srgbClr val="FF0000"/>
-            </a:solidFill>
-            <a:prstDash val="solid"/>
-            <a:round/>
-            <a:headEnd type="none" w="sm" len="sm"/>
-            <a:tailEnd type="none" w="sm" len="sm"/>
-          </a:ln>
-        </p:spPr>
-        <p:txBody>
-          <a:bodyPr spcFirstLastPara="1" wrap="square" lIns="9125" tIns="9125" rIns="9125" bIns="9125" anchor="t" anchorCtr="0">
-            <a:spAutoFit/>
-          </a:bodyPr>
-          <a:lstStyle/>
-          <a:p>
-            <a:pPr marL="0" lvl="0" indent="0" algn="l" rtl="0">
-              <a:spcBef>
-                <a:spcPts val="0"/>
-              </a:spcBef>
-              <a:spcAft>
-                <a:spcPts val="0"/>
-              </a:spcAft>
-              <a:buNone/>
-            </a:pPr>
-            <a:r>
-              <a:rPr lang="en" sz="1100" b="1">
-                <a:solidFill>
-                  <a:srgbClr val="FF0000"/>
-                </a:solidFill>
-                <a:latin typeface="Calibri"/>
-                <a:ea typeface="Calibri"/>
-                <a:cs typeface="Calibri"/>
-                <a:sym typeface="Calibri"/>
-              </a:rPr>
-              <a:t>Shapers</a:t>
-            </a:r>
-            <a:endParaRPr sz="1100" b="1">
-              <a:solidFill>
-                <a:srgbClr val="FF0000"/>
-              </a:solidFill>
-              <a:latin typeface="Calibri"/>
-              <a:ea typeface="Calibri"/>
-              <a:cs typeface="Calibri"/>
-              <a:sym typeface="Calibri"/>
-            </a:endParaRPr>
-          </a:p>
-          <a:p>
-            <a:pPr marL="228600" lvl="0" indent="-127000" algn="l" rtl="0">
-              <a:spcBef>
-                <a:spcPts val="0"/>
-              </a:spcBef>
-              <a:spcAft>
-                <a:spcPts val="0"/>
-              </a:spcAft>
-              <a:buSzPts val="1100"/>
-              <a:buFont typeface="Calibri"/>
-              <a:buChar char="●"/>
-            </a:pPr>
-            <a:r>
-              <a:rPr lang="en" sz="1100">
-                <a:latin typeface="Calibri"/>
-                <a:ea typeface="Calibri"/>
-                <a:cs typeface="Calibri"/>
-                <a:sym typeface="Calibri"/>
-              </a:rPr>
-              <a:t>Amandeep Singh Gill, UN Secretary-General's Envoy on Technology</a:t>
-            </a:r>
-            <a:endParaRPr sz="1100">
-              <a:latin typeface="Calibri"/>
-              <a:ea typeface="Calibri"/>
-              <a:cs typeface="Calibri"/>
-              <a:sym typeface="Calibri"/>
-            </a:endParaRPr>
-          </a:p>
-          <a:p>
-            <a:pPr marL="228600" lvl="0" indent="-127000" algn="l" rtl="0">
-              <a:spcBef>
-                <a:spcPts val="0"/>
-              </a:spcBef>
-              <a:spcAft>
-                <a:spcPts val="0"/>
-              </a:spcAft>
-              <a:buSzPts val="1100"/>
-              <a:buFont typeface="Calibri"/>
-              <a:buChar char="●"/>
-            </a:pPr>
-            <a:r>
-              <a:rPr lang="en" sz="1100">
-                <a:latin typeface="Calibri"/>
-                <a:ea typeface="Calibri"/>
-                <a:cs typeface="Calibri"/>
-                <a:sym typeface="Calibri"/>
-              </a:rPr>
-              <a:t>Francesca Mani, Anti-deepfake activist</a:t>
-            </a:r>
-            <a:endParaRPr sz="1100">
-              <a:latin typeface="Calibri"/>
-              <a:ea typeface="Calibri"/>
-              <a:cs typeface="Calibri"/>
-              <a:sym typeface="Calibri"/>
-            </a:endParaRPr>
-          </a:p>
-          <a:p>
-            <a:pPr marL="228600" lvl="0" indent="-127000" algn="l" rtl="0">
-              <a:spcBef>
-                <a:spcPts val="0"/>
-              </a:spcBef>
-              <a:spcAft>
-                <a:spcPts val="0"/>
-              </a:spcAft>
-              <a:buSzPts val="1100"/>
-              <a:buFont typeface="Calibri"/>
-              <a:buChar char="●"/>
-            </a:pPr>
-            <a:r>
-              <a:rPr lang="en" sz="1100">
-                <a:latin typeface="Calibri"/>
-                <a:ea typeface="Calibri"/>
-                <a:cs typeface="Calibri"/>
-                <a:sym typeface="Calibri"/>
-              </a:rPr>
-              <a:t>Thierry Breton, European Commissioner for Internal Market</a:t>
-            </a:r>
-            <a:endParaRPr sz="1100">
-              <a:latin typeface="Calibri"/>
-              <a:ea typeface="Calibri"/>
-              <a:cs typeface="Calibri"/>
-              <a:sym typeface="Calibri"/>
-            </a:endParaRPr>
-          </a:p>
-          <a:p>
-            <a:pPr marL="228600" lvl="0" indent="-127000" algn="l" rtl="0">
-              <a:spcBef>
-                <a:spcPts val="0"/>
-              </a:spcBef>
-              <a:spcAft>
-                <a:spcPts val="0"/>
-              </a:spcAft>
-              <a:buSzPts val="1100"/>
-              <a:buFont typeface="Calibri"/>
-              <a:buChar char="●"/>
-            </a:pPr>
-            <a:r>
-              <a:rPr lang="en" sz="1100">
-                <a:latin typeface="Calibri"/>
-                <a:ea typeface="Calibri"/>
-                <a:cs typeface="Calibri"/>
-                <a:sym typeface="Calibri"/>
-              </a:rPr>
-              <a:t>Yasir Al-Rumayyan, Governor of Saudi Arabia’s Public Investment Fund</a:t>
-            </a:r>
-            <a:endParaRPr sz="1100">
-              <a:latin typeface="Calibri"/>
-              <a:ea typeface="Calibri"/>
-              <a:cs typeface="Calibri"/>
-              <a:sym typeface="Calibri"/>
-            </a:endParaRPr>
-          </a:p>
-          <a:p>
-            <a:pPr marL="228600" lvl="0" indent="-127000" algn="l" rtl="0">
-              <a:spcBef>
-                <a:spcPts val="0"/>
-              </a:spcBef>
-              <a:spcAft>
-                <a:spcPts val="0"/>
-              </a:spcAft>
-              <a:buSzPts val="1100"/>
-              <a:buFont typeface="Calibri"/>
-              <a:buChar char="●"/>
-            </a:pPr>
-            <a:r>
-              <a:rPr lang="en" sz="1100">
-                <a:latin typeface="Calibri"/>
-                <a:ea typeface="Calibri"/>
-                <a:cs typeface="Calibri"/>
-                <a:sym typeface="Calibri"/>
-              </a:rPr>
-              <a:t>Gina Raimondo, Secretary of Commerce, United States of America</a:t>
-            </a:r>
-            <a:endParaRPr sz="1100">
-              <a:latin typeface="Calibri"/>
-              <a:ea typeface="Calibri"/>
-              <a:cs typeface="Calibri"/>
-              <a:sym typeface="Calibri"/>
-            </a:endParaRPr>
-          </a:p>
-          <a:p>
-            <a:pPr marL="228600" lvl="0" indent="-127000" algn="l" rtl="0">
-              <a:spcBef>
-                <a:spcPts val="0"/>
-              </a:spcBef>
-              <a:spcAft>
-                <a:spcPts val="0"/>
-              </a:spcAft>
-              <a:buSzPts val="1100"/>
-              <a:buFont typeface="Calibri"/>
-              <a:buChar char="●"/>
-            </a:pPr>
-            <a:r>
-              <a:rPr lang="en" sz="1100">
-                <a:latin typeface="Calibri"/>
-                <a:ea typeface="Calibri"/>
-                <a:cs typeface="Calibri"/>
-                <a:sym typeface="Calibri"/>
-              </a:rPr>
-              <a:t>Arati Prabhakar, Director, U.S. Office of Science and Technology Policy</a:t>
-            </a:r>
-            <a:endParaRPr sz="1100">
-              <a:latin typeface="Calibri"/>
-              <a:ea typeface="Calibri"/>
-              <a:cs typeface="Calibri"/>
-              <a:sym typeface="Calibri"/>
-            </a:endParaRPr>
-          </a:p>
-          <a:p>
-            <a:pPr marL="228600" lvl="0" indent="-127000" algn="l" rtl="0">
-              <a:spcBef>
-                <a:spcPts val="0"/>
-              </a:spcBef>
-              <a:spcAft>
-                <a:spcPts val="0"/>
-              </a:spcAft>
-              <a:buSzPts val="1100"/>
-              <a:buFont typeface="Calibri"/>
-              <a:buChar char="●"/>
-            </a:pPr>
-            <a:r>
-              <a:rPr lang="en" sz="1100">
-                <a:latin typeface="Calibri"/>
-                <a:ea typeface="Calibri"/>
-                <a:cs typeface="Calibri"/>
-                <a:sym typeface="Calibri"/>
-              </a:rPr>
-              <a:t>Meredith Stiehm, President, Writers Guild of America West</a:t>
-            </a:r>
-            <a:endParaRPr sz="1100">
-              <a:latin typeface="Calibri"/>
-              <a:ea typeface="Calibri"/>
-              <a:cs typeface="Calibri"/>
-              <a:sym typeface="Calibri"/>
-            </a:endParaRPr>
-          </a:p>
-          <a:p>
-            <a:pPr marL="228600" lvl="0" indent="-127000" algn="l" rtl="0">
-              <a:spcBef>
-                <a:spcPts val="0"/>
-              </a:spcBef>
-              <a:spcAft>
-                <a:spcPts val="0"/>
-              </a:spcAft>
-              <a:buSzPts val="1100"/>
-              <a:buFont typeface="Calibri"/>
-              <a:buChar char="●"/>
-            </a:pPr>
-            <a:r>
-              <a:rPr lang="en" sz="1100">
-                <a:latin typeface="Calibri"/>
-                <a:ea typeface="Calibri"/>
-                <a:cs typeface="Calibri"/>
-                <a:sym typeface="Calibri"/>
-              </a:rPr>
-              <a:t>Matt Topic, Partner, Loevy &amp; Loevy</a:t>
-            </a:r>
-            <a:endParaRPr sz="1100">
-              <a:latin typeface="Calibri"/>
-              <a:ea typeface="Calibri"/>
-              <a:cs typeface="Calibri"/>
-              <a:sym typeface="Calibri"/>
-            </a:endParaRPr>
-          </a:p>
-          <a:p>
-            <a:pPr marL="228600" lvl="0" indent="-127000" algn="l" rtl="0">
-              <a:spcBef>
-                <a:spcPts val="0"/>
-              </a:spcBef>
-              <a:spcAft>
-                <a:spcPts val="0"/>
-              </a:spcAft>
-              <a:buSzPts val="1100"/>
-              <a:buFont typeface="Calibri"/>
-              <a:buChar char="●"/>
-            </a:pPr>
-            <a:r>
-              <a:rPr lang="en" sz="1100">
-                <a:latin typeface="Calibri"/>
-                <a:ea typeface="Calibri"/>
-                <a:cs typeface="Calibri"/>
-                <a:sym typeface="Calibri"/>
-              </a:rPr>
-              <a:t>Mophat Okinyi, Chairperson, Content Moderators Union</a:t>
-            </a:r>
-            <a:endParaRPr sz="1100">
-              <a:latin typeface="Calibri"/>
-              <a:ea typeface="Calibri"/>
-              <a:cs typeface="Calibri"/>
-              <a:sym typeface="Calibri"/>
-            </a:endParaRPr>
-          </a:p>
-          <a:p>
-            <a:pPr marL="228600" lvl="0" indent="-127000" algn="l" rtl="0">
-              <a:spcBef>
-                <a:spcPts val="0"/>
-              </a:spcBef>
-              <a:spcAft>
-                <a:spcPts val="0"/>
-              </a:spcAft>
-              <a:buSzPts val="1100"/>
-              <a:buFont typeface="Calibri"/>
-              <a:buChar char="●"/>
-            </a:pPr>
-            <a:r>
-              <a:rPr lang="en" sz="1100">
-                <a:latin typeface="Calibri"/>
-                <a:ea typeface="Calibri"/>
-                <a:cs typeface="Calibri"/>
-                <a:sym typeface="Calibri"/>
-              </a:rPr>
-              <a:t>Elizabeth Kelly, Director, US Artificial Intelligence Safety Institute</a:t>
-            </a:r>
-            <a:endParaRPr sz="1100">
-              <a:latin typeface="Calibri"/>
-              <a:ea typeface="Calibri"/>
-              <a:cs typeface="Calibri"/>
-              <a:sym typeface="Calibri"/>
-            </a:endParaRPr>
-          </a:p>
-          <a:p>
-            <a:pPr marL="228600" lvl="0" indent="-127000" algn="l" rtl="0">
-              <a:spcBef>
-                <a:spcPts val="0"/>
-              </a:spcBef>
-              <a:spcAft>
-                <a:spcPts val="0"/>
-              </a:spcAft>
-              <a:buSzPts val="1100"/>
-              <a:buFont typeface="Calibri"/>
-              <a:buChar char="●"/>
-            </a:pPr>
-            <a:r>
-              <a:rPr lang="en" sz="1100">
-                <a:latin typeface="Calibri"/>
-                <a:ea typeface="Calibri"/>
-                <a:cs typeface="Calibri"/>
-                <a:sym typeface="Calibri"/>
-              </a:rPr>
-              <a:t>...</a:t>
-            </a:r>
-            <a:endParaRPr sz="1100">
-              <a:latin typeface="Calibri"/>
-              <a:ea typeface="Calibri"/>
-              <a:cs typeface="Calibri"/>
-              <a:sym typeface="Calibri"/>
-            </a:endParaRPr>
-          </a:p>
-        </p:txBody>
-      </p:sp>
-    </p:spTree>
-  </p:cSld>
-  <p:clrMapOvr>
-    <a:masterClrMapping/>
-  </p:clrMapOvr>
-</p:sld>
-</file>
-
-<file path=ppt/slides/slide9.xml><?xml version="1.0" encoding="utf-8"?>
-<p:sld xmlns:a="http://schemas.openxmlformats.org/drawingml/2006/main" xmlns:r="http://schemas.openxmlformats.org/officeDocument/2006/relationships" xmlns:p="http://schemas.openxmlformats.org/presentationml/2006/main">
-  <p:cSld>
-    <p:spTree>
-      <p:nvGrpSpPr>
-        <p:cNvPr id="1" name="Shape 140"/>
-        <p:cNvGrpSpPr/>
-        <p:nvPr/>
-      </p:nvGrpSpPr>
-      <p:grpSpPr>
-        <a:xfrm>
-          <a:off x="0" y="0"/>
-          <a:ext cx="0" cy="0"/>
-          <a:chOff x="0" y="0"/>
-          <a:chExt cx="0" cy="0"/>
-        </a:xfrm>
-      </p:grpSpPr>
-      <p:sp>
-        <p:nvSpPr>
-          <p:cNvPr id="141" name="Google Shape;141;p22"/>
-          <p:cNvSpPr txBox="1"/>
-          <p:nvPr/>
-        </p:nvSpPr>
-        <p:spPr>
-          <a:xfrm>
-            <a:off x="56400" y="58200"/>
-            <a:ext cx="4451100" cy="326400"/>
-          </a:xfrm>
-          <a:prstGeom prst="rect">
-            <a:avLst/>
-          </a:prstGeom>
-          <a:noFill/>
-          <a:ln>
-            <a:noFill/>
-          </a:ln>
-        </p:spPr>
-        <p:txBody>
-          <a:bodyPr spcFirstLastPara="1" wrap="square" lIns="9125" tIns="9125" rIns="9125" bIns="9125" anchor="t" anchorCtr="0">
-            <a:spAutoFit/>
-          </a:bodyPr>
-          <a:lstStyle/>
-          <a:p>
-            <a:pPr marL="0" lvl="0" indent="0" algn="l" rtl="0">
-              <a:spcBef>
-                <a:spcPts val="0"/>
-              </a:spcBef>
-              <a:spcAft>
-                <a:spcPts val="0"/>
-              </a:spcAft>
-              <a:buClr>
-                <a:schemeClr val="dk1"/>
-              </a:buClr>
-              <a:buSzPts val="1100"/>
-              <a:buFont typeface="Arial"/>
-              <a:buNone/>
-            </a:pPr>
-            <a:r>
-              <a:rPr lang="en" sz="2000" b="1">
-                <a:solidFill>
-                  <a:schemeClr val="dk1"/>
-                </a:solidFill>
-                <a:latin typeface="Calibri"/>
-                <a:ea typeface="Calibri"/>
-                <a:cs typeface="Calibri"/>
-                <a:sym typeface="Calibri"/>
-              </a:rPr>
-              <a:t>Misc 2</a:t>
-            </a:r>
-            <a:endParaRPr sz="2000" b="1">
-              <a:solidFill>
-                <a:schemeClr val="dk1"/>
-              </a:solidFill>
-              <a:latin typeface="Calibri"/>
-              <a:ea typeface="Calibri"/>
-              <a:cs typeface="Calibri"/>
-              <a:sym typeface="Calibri"/>
-            </a:endParaRPr>
-          </a:p>
-        </p:txBody>
-      </p:sp>
-      <p:sp>
-        <p:nvSpPr>
-          <p:cNvPr id="142" name="Google Shape;142;p22"/>
           <p:cNvSpPr txBox="1"/>
           <p:nvPr/>
         </p:nvSpPr>
@@ -21473,7 +21424,7 @@
       </p:sp>
       <p:sp>
         <p:nvSpPr>
-          <p:cNvPr id="143" name="Google Shape;143;p22"/>
+          <p:cNvPr id="134" name="Google Shape;134;p21"/>
           <p:cNvSpPr txBox="1"/>
           <p:nvPr/>
         </p:nvSpPr>
@@ -21578,7 +21529,7 @@
       </p:sp>
       <p:sp>
         <p:nvSpPr>
-          <p:cNvPr id="144" name="Google Shape;144;p22"/>
+          <p:cNvPr id="135" name="Google Shape;135;p21"/>
           <p:cNvSpPr txBox="1"/>
           <p:nvPr/>
         </p:nvSpPr>
@@ -21637,7 +21588,7 @@
                 <a:cs typeface="Calibri"/>
                 <a:sym typeface="Calibri"/>
               </a:rPr>
-              <a:t> - AI designs custom proteins to bind with specific molecular targets. Potential at blocking viruses,  fighting cancer, treat other desseases (Covid).</a:t>
+              <a:t> - AI designs custom proteins to bind with specific molecular targets. Potential at blocking viruses,  fighting cancer, treat other diseases (Covid).</a:t>
             </a:r>
             <a:endParaRPr sz="1300">
               <a:latin typeface="Calibri"/>
@@ -21715,7 +21666,7 @@
       </p:sp>
       <p:sp>
         <p:nvSpPr>
-          <p:cNvPr id="145" name="Google Shape;145;p22"/>
+          <p:cNvPr id="136" name="Google Shape;136;p21"/>
           <p:cNvSpPr txBox="1"/>
           <p:nvPr/>
         </p:nvSpPr>
@@ -21908,14 +21859,14 @@
       </p:sp>
       <p:sp>
         <p:nvSpPr>
-          <p:cNvPr id="146" name="Google Shape;146;p22"/>
+          <p:cNvPr id="137" name="Google Shape;137;p21"/>
           <p:cNvSpPr txBox="1"/>
           <p:nvPr/>
         </p:nvSpPr>
         <p:spPr>
           <a:xfrm>
-            <a:off x="4633150" y="2843700"/>
-            <a:ext cx="4451100" cy="926700"/>
+            <a:off x="4633150" y="2767500"/>
+            <a:ext cx="4451100" cy="1126800"/>
           </a:xfrm>
           <a:prstGeom prst="rect">
             <a:avLst/>
@@ -21967,7 +21918,7 @@
                 <a:cs typeface="Calibri"/>
                 <a:sym typeface="Calibri"/>
               </a:rPr>
-              <a:t> in a funding round that would value it at above $100 billion. </a:t>
+              <a:t> in a funding round that would value it at above $100 billion (was $86B in 2023). </a:t>
             </a:r>
             <a:endParaRPr sz="1300">
               <a:latin typeface="Calibri"/>
@@ -21993,7 +21944,7 @@
                 <a:cs typeface="Calibri"/>
                 <a:sym typeface="Calibri"/>
               </a:rPr>
-              <a:t>In late 2023 the company was valued at $86 billion.</a:t>
+              <a:t>OpenAI planning to release GPT Next, Strawberry, Orion - and charge $2,000 per month subscription fees</a:t>
             </a:r>
             <a:endParaRPr sz="1300">
               <a:latin typeface="Calibri"/>
@@ -22045,7 +21996,7 @@
       </p:sp>
       <p:pic>
         <p:nvPicPr>
-          <p:cNvPr id="147" name="Google Shape;147;p22"/>
+          <p:cNvPr id="138" name="Google Shape;138;p21"/>
           <p:cNvPicPr preferRelativeResize="0"/>
           <p:nvPr/>
         </p:nvPicPr>
@@ -22084,7 +22035,7 @@
       </p:pic>
       <p:pic>
         <p:nvPicPr>
-          <p:cNvPr id="148" name="Google Shape;148;p22"/>
+          <p:cNvPr id="139" name="Google Shape;139;p21"/>
           <p:cNvPicPr preferRelativeResize="0"/>
           <p:nvPr/>
         </p:nvPicPr>
@@ -22123,7 +22074,7 @@
       </p:pic>
       <p:pic>
         <p:nvPicPr>
-          <p:cNvPr id="149" name="Google Shape;149;p22"/>
+          <p:cNvPr id="140" name="Google Shape;140;p21"/>
           <p:cNvPicPr preferRelativeResize="0"/>
           <p:nvPr/>
         </p:nvPicPr>
@@ -22162,7 +22113,7 @@
       </p:pic>
       <p:pic>
         <p:nvPicPr>
-          <p:cNvPr id="150" name="Google Shape;150;p22"/>
+          <p:cNvPr id="141" name="Google Shape;141;p21"/>
           <p:cNvPicPr preferRelativeResize="0"/>
           <p:nvPr/>
         </p:nvPicPr>
@@ -22201,13 +22152,13 @@
       </p:pic>
       <p:sp>
         <p:nvSpPr>
-          <p:cNvPr id="151" name="Google Shape;151;p22"/>
+          <p:cNvPr id="142" name="Google Shape;142;p21"/>
           <p:cNvSpPr txBox="1"/>
           <p:nvPr/>
         </p:nvSpPr>
         <p:spPr>
           <a:xfrm>
-            <a:off x="4633150" y="3862500"/>
+            <a:off x="4633150" y="4091100"/>
             <a:ext cx="4451100" cy="972900"/>
           </a:xfrm>
           <a:prstGeom prst="rect">
@@ -22260,7 +22211,7 @@
                 <a:cs typeface="Calibri"/>
                 <a:sym typeface="Calibri"/>
               </a:rPr>
-              <a:t> with 500K context length</a:t>
+              <a:t> with 500K tokens context length</a:t>
             </a:r>
             <a:endParaRPr sz="1300">
               <a:latin typeface="Calibri"/>
@@ -22326,6 +22277,624 @@
                 <a:sym typeface="Calibri"/>
               </a:rPr>
               <a:t>more usage capacity, native GitHub integration, enterprise-grade security features (SSO, role-based permissions, and admin tooling).</a:t>
+            </a:r>
+            <a:endParaRPr sz="1300">
+              <a:latin typeface="Calibri"/>
+              <a:ea typeface="Calibri"/>
+              <a:cs typeface="Calibri"/>
+              <a:sym typeface="Calibri"/>
+            </a:endParaRPr>
+          </a:p>
+        </p:txBody>
+      </p:sp>
+    </p:spTree>
+  </p:cSld>
+  <p:clrMapOvr>
+    <a:masterClrMapping/>
+  </p:clrMapOvr>
+</p:sld>
+</file>
+
+<file path=ppt/slides/slide9.xml><?xml version="1.0" encoding="utf-8"?>
+<p:sld xmlns:a="http://schemas.openxmlformats.org/drawingml/2006/main" xmlns:r="http://schemas.openxmlformats.org/officeDocument/2006/relationships" xmlns:p="http://schemas.openxmlformats.org/presentationml/2006/main">
+  <p:cSld>
+    <p:spTree>
+      <p:nvGrpSpPr>
+        <p:cNvPr id="1" name="Shape 146"/>
+        <p:cNvGrpSpPr/>
+        <p:nvPr/>
+      </p:nvGrpSpPr>
+      <p:grpSpPr>
+        <a:xfrm>
+          <a:off x="0" y="0"/>
+          <a:ext cx="0" cy="0"/>
+          <a:chOff x="0" y="0"/>
+          <a:chExt cx="0" cy="0"/>
+        </a:xfrm>
+      </p:grpSpPr>
+      <p:sp>
+        <p:nvSpPr>
+          <p:cNvPr id="147" name="Google Shape;147;p22"/>
+          <p:cNvSpPr txBox="1"/>
+          <p:nvPr/>
+        </p:nvSpPr>
+        <p:spPr>
+          <a:xfrm>
+            <a:off x="56400" y="58200"/>
+            <a:ext cx="4451100" cy="326400"/>
+          </a:xfrm>
+          <a:prstGeom prst="rect">
+            <a:avLst/>
+          </a:prstGeom>
+          <a:noFill/>
+          <a:ln>
+            <a:noFill/>
+          </a:ln>
+        </p:spPr>
+        <p:txBody>
+          <a:bodyPr spcFirstLastPara="1" wrap="square" lIns="9125" tIns="9125" rIns="9125" bIns="9125" anchor="t" anchorCtr="0">
+            <a:spAutoFit/>
+          </a:bodyPr>
+          <a:lstStyle/>
+          <a:p>
+            <a:pPr marL="0" lvl="0" indent="0" algn="l" rtl="0">
+              <a:spcBef>
+                <a:spcPts val="0"/>
+              </a:spcBef>
+              <a:spcAft>
+                <a:spcPts val="0"/>
+              </a:spcAft>
+              <a:buClr>
+                <a:schemeClr val="dk1"/>
+              </a:buClr>
+              <a:buSzPts val="1100"/>
+              <a:buFont typeface="Arial"/>
+              <a:buNone/>
+            </a:pPr>
+            <a:r>
+              <a:rPr lang="en" sz="2000" b="1">
+                <a:solidFill>
+                  <a:schemeClr val="dk1"/>
+                </a:solidFill>
+                <a:latin typeface="Calibri"/>
+                <a:ea typeface="Calibri"/>
+                <a:cs typeface="Calibri"/>
+                <a:sym typeface="Calibri"/>
+              </a:rPr>
+              <a:t>Misc 3</a:t>
+            </a:r>
+            <a:endParaRPr sz="2000" b="1">
+              <a:solidFill>
+                <a:schemeClr val="dk1"/>
+              </a:solidFill>
+              <a:latin typeface="Calibri"/>
+              <a:ea typeface="Calibri"/>
+              <a:cs typeface="Calibri"/>
+              <a:sym typeface="Calibri"/>
+            </a:endParaRPr>
+          </a:p>
+        </p:txBody>
+      </p:sp>
+      <p:sp>
+        <p:nvSpPr>
+          <p:cNvPr id="148" name="Google Shape;148;p22"/>
+          <p:cNvSpPr txBox="1"/>
+          <p:nvPr/>
+        </p:nvSpPr>
+        <p:spPr>
+          <a:xfrm>
+            <a:off x="56400" y="489400"/>
+            <a:ext cx="4515600" cy="680400"/>
+          </a:xfrm>
+          <a:prstGeom prst="rect">
+            <a:avLst/>
+          </a:prstGeom>
+          <a:solidFill>
+            <a:srgbClr val="FFF2CC"/>
+          </a:solidFill>
+          <a:ln w="9525" cap="flat" cmpd="sng">
+            <a:solidFill>
+              <a:srgbClr val="FF0000"/>
+            </a:solidFill>
+            <a:prstDash val="solid"/>
+            <a:round/>
+            <a:headEnd type="none" w="sm" len="sm"/>
+            <a:tailEnd type="none" w="sm" len="sm"/>
+          </a:ln>
+        </p:spPr>
+        <p:txBody>
+          <a:bodyPr spcFirstLastPara="1" wrap="square" lIns="9125" tIns="9125" rIns="9125" bIns="9125" anchor="t" anchorCtr="0">
+            <a:spAutoFit/>
+          </a:bodyPr>
+          <a:lstStyle/>
+          <a:p>
+            <a:pPr marL="0" lvl="0" indent="0" algn="l" rtl="0">
+              <a:spcBef>
+                <a:spcPts val="0"/>
+              </a:spcBef>
+              <a:spcAft>
+                <a:spcPts val="0"/>
+              </a:spcAft>
+              <a:buNone/>
+            </a:pPr>
+            <a:r>
+              <a:rPr lang="en" sz="1300" b="1">
+                <a:solidFill>
+                  <a:srgbClr val="FF0000"/>
+                </a:solidFill>
+                <a:latin typeface="Calibri"/>
+                <a:ea typeface="Calibri"/>
+                <a:cs typeface="Calibri"/>
+                <a:sym typeface="Calibri"/>
+              </a:rPr>
+              <a:t>Anthropic Prompt Generator</a:t>
+            </a:r>
+            <a:r>
+              <a:rPr lang="en" sz="1300">
+                <a:latin typeface="Calibri"/>
+                <a:ea typeface="Calibri"/>
+                <a:cs typeface="Calibri"/>
+                <a:sym typeface="Calibri"/>
+              </a:rPr>
+              <a:t> to create good prompts:</a:t>
+            </a:r>
+            <a:endParaRPr sz="1300">
+              <a:latin typeface="Calibri"/>
+              <a:ea typeface="Calibri"/>
+              <a:cs typeface="Calibri"/>
+              <a:sym typeface="Calibri"/>
+            </a:endParaRPr>
+          </a:p>
+          <a:p>
+            <a:pPr marL="228600" lvl="0" indent="-120650" algn="l" rtl="0">
+              <a:spcBef>
+                <a:spcPts val="0"/>
+              </a:spcBef>
+              <a:spcAft>
+                <a:spcPts val="0"/>
+              </a:spcAft>
+              <a:buSzPts val="1000"/>
+              <a:buFont typeface="Calibri"/>
+              <a:buChar char="●"/>
+            </a:pPr>
+            <a:r>
+              <a:rPr lang="en" sz="1000" u="sng">
+                <a:solidFill>
+                  <a:schemeClr val="hlink"/>
+                </a:solidFill>
+                <a:latin typeface="Calibri"/>
+                <a:ea typeface="Calibri"/>
+                <a:cs typeface="Calibri"/>
+                <a:sym typeface="Calibri"/>
+                <a:hlinkClick r:id="rId3"/>
+              </a:rPr>
+              <a:t>https://docs.anthropic.com/en/docs/build-with-claude/prompt-engineering/prompt-generator</a:t>
+            </a:r>
+            <a:r>
+              <a:rPr lang="en" sz="1000">
+                <a:latin typeface="Calibri"/>
+                <a:ea typeface="Calibri"/>
+                <a:cs typeface="Calibri"/>
+                <a:sym typeface="Calibri"/>
+              </a:rPr>
+              <a:t> </a:t>
+            </a:r>
+            <a:endParaRPr sz="1000">
+              <a:latin typeface="Calibri"/>
+              <a:ea typeface="Calibri"/>
+              <a:cs typeface="Calibri"/>
+              <a:sym typeface="Calibri"/>
+            </a:endParaRPr>
+          </a:p>
+          <a:p>
+            <a:pPr marL="228600" lvl="0" indent="-120650" algn="l" rtl="0">
+              <a:spcBef>
+                <a:spcPts val="0"/>
+              </a:spcBef>
+              <a:spcAft>
+                <a:spcPts val="0"/>
+              </a:spcAft>
+              <a:buSzPts val="1000"/>
+              <a:buFont typeface="Calibri"/>
+              <a:buChar char="●"/>
+            </a:pPr>
+            <a:r>
+              <a:rPr lang="en" sz="1000" u="sng">
+                <a:solidFill>
+                  <a:schemeClr val="hlink"/>
+                </a:solidFill>
+                <a:latin typeface="Calibri"/>
+                <a:ea typeface="Calibri"/>
+                <a:cs typeface="Calibri"/>
+                <a:sym typeface="Calibri"/>
+                <a:hlinkClick r:id="rId4"/>
+              </a:rPr>
+              <a:t>https://www.youtube.com/watch?v=luGZBf057fU</a:t>
+            </a:r>
+            <a:r>
+              <a:rPr lang="en" sz="1000">
+                <a:latin typeface="Calibri"/>
+                <a:ea typeface="Calibri"/>
+                <a:cs typeface="Calibri"/>
+                <a:sym typeface="Calibri"/>
+              </a:rPr>
+              <a:t> </a:t>
+            </a:r>
+            <a:endParaRPr sz="1000">
+              <a:latin typeface="Calibri"/>
+              <a:ea typeface="Calibri"/>
+              <a:cs typeface="Calibri"/>
+              <a:sym typeface="Calibri"/>
+            </a:endParaRPr>
+          </a:p>
+        </p:txBody>
+      </p:sp>
+      <p:sp>
+        <p:nvSpPr>
+          <p:cNvPr id="149" name="Google Shape;149;p22"/>
+          <p:cNvSpPr txBox="1"/>
+          <p:nvPr/>
+        </p:nvSpPr>
+        <p:spPr>
+          <a:xfrm>
+            <a:off x="56400" y="1447000"/>
+            <a:ext cx="4515600" cy="418500"/>
+          </a:xfrm>
+          <a:prstGeom prst="rect">
+            <a:avLst/>
+          </a:prstGeom>
+          <a:solidFill>
+            <a:srgbClr val="FFF2CC"/>
+          </a:solidFill>
+          <a:ln w="9525" cap="flat" cmpd="sng">
+            <a:solidFill>
+              <a:srgbClr val="FF0000"/>
+            </a:solidFill>
+            <a:prstDash val="solid"/>
+            <a:round/>
+            <a:headEnd type="none" w="sm" len="sm"/>
+            <a:tailEnd type="none" w="sm" len="sm"/>
+          </a:ln>
+        </p:spPr>
+        <p:txBody>
+          <a:bodyPr spcFirstLastPara="1" wrap="square" lIns="9125" tIns="9125" rIns="9125" bIns="9125" anchor="t" anchorCtr="0">
+            <a:spAutoFit/>
+          </a:bodyPr>
+          <a:lstStyle/>
+          <a:p>
+            <a:pPr marL="0" lvl="0" indent="0" algn="l" rtl="0">
+              <a:spcBef>
+                <a:spcPts val="0"/>
+              </a:spcBef>
+              <a:spcAft>
+                <a:spcPts val="0"/>
+              </a:spcAft>
+              <a:buNone/>
+            </a:pPr>
+            <a:r>
+              <a:rPr lang="en" sz="1300" b="1">
+                <a:solidFill>
+                  <a:srgbClr val="FF0000"/>
+                </a:solidFill>
+                <a:latin typeface="Calibri"/>
+                <a:ea typeface="Calibri"/>
+                <a:cs typeface="Calibri"/>
+                <a:sym typeface="Calibri"/>
+              </a:rPr>
+              <a:t>RAG Best Practices - part 1</a:t>
+            </a:r>
+            <a:r>
+              <a:rPr lang="en" sz="1300">
+                <a:latin typeface="Calibri"/>
+                <a:ea typeface="Calibri"/>
+                <a:cs typeface="Calibri"/>
+                <a:sym typeface="Calibri"/>
+              </a:rPr>
+              <a:t> - chunking</a:t>
+            </a:r>
+            <a:endParaRPr sz="1300">
+              <a:latin typeface="Calibri"/>
+              <a:ea typeface="Calibri"/>
+              <a:cs typeface="Calibri"/>
+              <a:sym typeface="Calibri"/>
+            </a:endParaRPr>
+          </a:p>
+          <a:p>
+            <a:pPr marL="0" lvl="0" indent="0" algn="l" rtl="0">
+              <a:spcBef>
+                <a:spcPts val="0"/>
+              </a:spcBef>
+              <a:spcAft>
+                <a:spcPts val="0"/>
+              </a:spcAft>
+              <a:buNone/>
+            </a:pPr>
+            <a:r>
+              <a:rPr lang="en" sz="1000" u="sng">
+                <a:solidFill>
+                  <a:schemeClr val="hlink"/>
+                </a:solidFill>
+                <a:latin typeface="Calibri"/>
+                <a:ea typeface="Calibri"/>
+                <a:cs typeface="Calibri"/>
+                <a:sym typeface="Calibri"/>
+                <a:hlinkClick r:id="rId5"/>
+              </a:rPr>
+              <a:t>https://www.youtube.com/watch?v=ZNcxMLBEydA</a:t>
+            </a:r>
+            <a:r>
+              <a:rPr lang="en" sz="1300">
+                <a:latin typeface="Calibri"/>
+                <a:ea typeface="Calibri"/>
+                <a:cs typeface="Calibri"/>
+                <a:sym typeface="Calibri"/>
+              </a:rPr>
+              <a:t> </a:t>
+            </a:r>
+            <a:endParaRPr sz="1300">
+              <a:latin typeface="Calibri"/>
+              <a:ea typeface="Calibri"/>
+              <a:cs typeface="Calibri"/>
+              <a:sym typeface="Calibri"/>
+            </a:endParaRPr>
+          </a:p>
+        </p:txBody>
+      </p:sp>
+      <p:pic>
+        <p:nvPicPr>
+          <p:cNvPr id="150" name="Google Shape;150;p22"/>
+          <p:cNvPicPr preferRelativeResize="0"/>
+          <p:nvPr/>
+        </p:nvPicPr>
+        <p:blipFill rotWithShape="1">
+          <a:blip r:embed="rId6" cstate="email">
+            <a:alphaModFix/>
+            <a:extLst>
+              <a:ext uri="{28A0092B-C50C-407E-A947-70E740481C1C}">
+                <a14:useLocalDpi xmlns:a14="http://schemas.microsoft.com/office/drawing/2010/main"/>
+              </a:ext>
+            </a:extLst>
+          </a:blip>
+          <a:srcRect/>
+          <a:stretch/>
+        </p:blipFill>
+        <p:spPr>
+          <a:xfrm>
+            <a:off x="107050" y="2040025"/>
+            <a:ext cx="4414299" cy="2987976"/>
+          </a:xfrm>
+          <a:prstGeom prst="rect">
+            <a:avLst/>
+          </a:prstGeom>
+          <a:noFill/>
+          <a:ln w="9525" cap="flat" cmpd="sng">
+            <a:solidFill>
+              <a:srgbClr val="FF0000"/>
+            </a:solidFill>
+            <a:prstDash val="solid"/>
+            <a:round/>
+            <a:headEnd type="none" w="sm" len="sm"/>
+            <a:tailEnd type="none" w="sm" len="sm"/>
+          </a:ln>
+        </p:spPr>
+      </p:pic>
+      <p:pic>
+        <p:nvPicPr>
+          <p:cNvPr id="151" name="Google Shape;151;p22"/>
+          <p:cNvPicPr preferRelativeResize="0"/>
+          <p:nvPr/>
+        </p:nvPicPr>
+        <p:blipFill rotWithShape="1">
+          <a:blip r:embed="rId7" cstate="email">
+            <a:alphaModFix/>
+            <a:extLst>
+              <a:ext uri="{28A0092B-C50C-407E-A947-70E740481C1C}">
+                <a14:useLocalDpi xmlns:a14="http://schemas.microsoft.com/office/drawing/2010/main"/>
+              </a:ext>
+            </a:extLst>
+          </a:blip>
+          <a:srcRect/>
+          <a:stretch/>
+        </p:blipFill>
+        <p:spPr>
+          <a:xfrm>
+            <a:off x="4820225" y="445275"/>
+            <a:ext cx="2061725" cy="768650"/>
+          </a:xfrm>
+          <a:prstGeom prst="rect">
+            <a:avLst/>
+          </a:prstGeom>
+          <a:noFill/>
+          <a:ln>
+            <a:noFill/>
+          </a:ln>
+        </p:spPr>
+      </p:pic>
+      <p:sp>
+        <p:nvSpPr>
+          <p:cNvPr id="152" name="Google Shape;152;p22"/>
+          <p:cNvSpPr txBox="1"/>
+          <p:nvPr/>
+        </p:nvSpPr>
+        <p:spPr>
+          <a:xfrm>
+            <a:off x="4628400" y="1447000"/>
+            <a:ext cx="4414200" cy="418500"/>
+          </a:xfrm>
+          <a:prstGeom prst="rect">
+            <a:avLst/>
+          </a:prstGeom>
+          <a:solidFill>
+            <a:srgbClr val="FFF2CC"/>
+          </a:solidFill>
+          <a:ln w="9525" cap="flat" cmpd="sng">
+            <a:solidFill>
+              <a:srgbClr val="FF0000"/>
+            </a:solidFill>
+            <a:prstDash val="solid"/>
+            <a:round/>
+            <a:headEnd type="none" w="sm" len="sm"/>
+            <a:tailEnd type="none" w="sm" len="sm"/>
+          </a:ln>
+        </p:spPr>
+        <p:txBody>
+          <a:bodyPr spcFirstLastPara="1" wrap="square" lIns="9125" tIns="9125" rIns="9125" bIns="9125" anchor="t" anchorCtr="0">
+            <a:spAutoFit/>
+          </a:bodyPr>
+          <a:lstStyle/>
+          <a:p>
+            <a:pPr marL="0" lvl="0" indent="0" algn="l" rtl="0">
+              <a:spcBef>
+                <a:spcPts val="0"/>
+              </a:spcBef>
+              <a:spcAft>
+                <a:spcPts val="0"/>
+              </a:spcAft>
+              <a:buNone/>
+            </a:pPr>
+            <a:r>
+              <a:rPr lang="en" sz="1300">
+                <a:latin typeface="Calibri"/>
+                <a:ea typeface="Calibri"/>
+                <a:cs typeface="Calibri"/>
+                <a:sym typeface="Calibri"/>
+              </a:rPr>
+              <a:t>$250K/year as AI consultant</a:t>
+            </a:r>
+            <a:endParaRPr sz="1300">
+              <a:latin typeface="Calibri"/>
+              <a:ea typeface="Calibri"/>
+              <a:cs typeface="Calibri"/>
+              <a:sym typeface="Calibri"/>
+            </a:endParaRPr>
+          </a:p>
+          <a:p>
+            <a:pPr marL="0" lvl="0" indent="0" algn="l" rtl="0">
+              <a:spcBef>
+                <a:spcPts val="0"/>
+              </a:spcBef>
+              <a:spcAft>
+                <a:spcPts val="0"/>
+              </a:spcAft>
+              <a:buNone/>
+            </a:pPr>
+            <a:r>
+              <a:rPr lang="en" sz="1300" u="sng">
+                <a:solidFill>
+                  <a:schemeClr val="hlink"/>
+                </a:solidFill>
+                <a:latin typeface="Calibri"/>
+                <a:ea typeface="Calibri"/>
+                <a:cs typeface="Calibri"/>
+                <a:sym typeface="Calibri"/>
+                <a:hlinkClick r:id="rId8"/>
+              </a:rPr>
+              <a:t>https://innovatingwithai.com/consultancy/</a:t>
+            </a:r>
+            <a:endParaRPr sz="1300">
+              <a:latin typeface="Calibri"/>
+              <a:ea typeface="Calibri"/>
+              <a:cs typeface="Calibri"/>
+              <a:sym typeface="Calibri"/>
+            </a:endParaRPr>
+          </a:p>
+        </p:txBody>
+      </p:sp>
+      <p:sp>
+        <p:nvSpPr>
+          <p:cNvPr id="153" name="Google Shape;153;p22"/>
+          <p:cNvSpPr txBox="1"/>
+          <p:nvPr/>
+        </p:nvSpPr>
+        <p:spPr>
+          <a:xfrm>
+            <a:off x="4628400" y="2040025"/>
+            <a:ext cx="4414200" cy="418500"/>
+          </a:xfrm>
+          <a:prstGeom prst="rect">
+            <a:avLst/>
+          </a:prstGeom>
+          <a:solidFill>
+            <a:srgbClr val="FFF2CC"/>
+          </a:solidFill>
+          <a:ln w="9525" cap="flat" cmpd="sng">
+            <a:solidFill>
+              <a:srgbClr val="FF0000"/>
+            </a:solidFill>
+            <a:prstDash val="solid"/>
+            <a:round/>
+            <a:headEnd type="none" w="sm" len="sm"/>
+            <a:tailEnd type="none" w="sm" len="sm"/>
+          </a:ln>
+        </p:spPr>
+        <p:txBody>
+          <a:bodyPr spcFirstLastPara="1" wrap="square" lIns="9125" tIns="9125" rIns="9125" bIns="9125" anchor="t" anchorCtr="0">
+            <a:spAutoFit/>
+          </a:bodyPr>
+          <a:lstStyle/>
+          <a:p>
+            <a:pPr marL="0" lvl="0" indent="0" algn="l" rtl="0">
+              <a:spcBef>
+                <a:spcPts val="0"/>
+              </a:spcBef>
+              <a:spcAft>
+                <a:spcPts val="0"/>
+              </a:spcAft>
+              <a:buNone/>
+            </a:pPr>
+            <a:r>
+              <a:rPr lang="en" sz="1300" b="1">
+                <a:solidFill>
+                  <a:srgbClr val="FF0000"/>
+                </a:solidFill>
+                <a:latin typeface="Calibri"/>
+                <a:ea typeface="Calibri"/>
+                <a:cs typeface="Calibri"/>
+                <a:sym typeface="Calibri"/>
+              </a:rPr>
+              <a:t>Ollama supports multiple AMD GPUs</a:t>
+            </a:r>
+            <a:endParaRPr sz="1300" b="1">
+              <a:solidFill>
+                <a:srgbClr val="FF0000"/>
+              </a:solidFill>
+              <a:latin typeface="Calibri"/>
+              <a:ea typeface="Calibri"/>
+              <a:cs typeface="Calibri"/>
+              <a:sym typeface="Calibri"/>
+            </a:endParaRPr>
+          </a:p>
+          <a:p>
+            <a:pPr marL="0" lvl="0" indent="0" algn="l" rtl="0">
+              <a:spcBef>
+                <a:spcPts val="0"/>
+              </a:spcBef>
+              <a:spcAft>
+                <a:spcPts val="0"/>
+              </a:spcAft>
+              <a:buNone/>
+            </a:pPr>
+            <a:r>
+              <a:rPr lang="en" sz="1300" u="sng">
+                <a:solidFill>
+                  <a:schemeClr val="hlink"/>
+                </a:solidFill>
+                <a:latin typeface="Calibri"/>
+                <a:ea typeface="Calibri"/>
+                <a:cs typeface="Calibri"/>
+                <a:sym typeface="Calibri"/>
+                <a:hlinkClick r:id="rId9"/>
+              </a:rPr>
+              <a:t>https://ollama.com/blog/amd-preview</a:t>
+            </a:r>
+            <a:r>
+              <a:rPr lang="en" sz="1300">
+                <a:latin typeface="Calibri"/>
+                <a:ea typeface="Calibri"/>
+                <a:cs typeface="Calibri"/>
+                <a:sym typeface="Calibri"/>
+              </a:rPr>
+              <a:t> </a:t>
             </a:r>
             <a:endParaRPr sz="1300">
               <a:latin typeface="Calibri"/>
